--- a/src/Additional/Presentation/PresentationAirlineReservationSystem.pptx
+++ b/src/Additional/Presentation/PresentationAirlineReservationSystem.pptx
@@ -16,10 +16,12 @@
     <p:sldId id="287" r:id="rId10"/>
     <p:sldId id="289" r:id="rId11"/>
     <p:sldId id="290" r:id="rId12"/>
-    <p:sldId id="261" r:id="rId13"/>
-    <p:sldId id="288" r:id="rId14"/>
-    <p:sldId id="274" r:id="rId15"/>
-    <p:sldId id="284" r:id="rId16"/>
+    <p:sldId id="292" r:id="rId13"/>
+    <p:sldId id="291" r:id="rId14"/>
+    <p:sldId id="261" r:id="rId15"/>
+    <p:sldId id="288" r:id="rId16"/>
+    <p:sldId id="274" r:id="rId17"/>
+    <p:sldId id="284" r:id="rId18"/>
   </p:sldIdLst>
   <p:sldSz cx="12192000" cy="6858000"/>
   <p:notesSz cx="6858000" cy="9144000"/>
@@ -13647,6 +13649,791 @@
 <file path=ppt/slides/slide12.xml><?xml version="1.0" encoding="utf-8"?>
 <p:sld xmlns:a="http://schemas.openxmlformats.org/drawingml/2006/main" xmlns:r="http://schemas.openxmlformats.org/officeDocument/2006/relationships" xmlns:p="http://schemas.openxmlformats.org/presentationml/2006/main">
   <p:cSld>
+    <p:spTree>
+      <p:nvGrpSpPr>
+        <p:cNvPr id="1" name=""/>
+        <p:cNvGrpSpPr/>
+        <p:nvPr/>
+      </p:nvGrpSpPr>
+      <p:grpSpPr>
+        <a:xfrm>
+          <a:off x="0" y="0"/>
+          <a:ext cx="0" cy="0"/>
+          <a:chOff x="0" y="0"/>
+          <a:chExt cx="0" cy="0"/>
+        </a:xfrm>
+      </p:grpSpPr>
+      <p:sp>
+        <p:nvSpPr>
+          <p:cNvPr id="8" name="Rectangle 7"/>
+          <p:cNvSpPr/>
+          <p:nvPr/>
+        </p:nvSpPr>
+        <p:spPr>
+          <a:xfrm>
+            <a:off x="2511188" y="2415652"/>
+            <a:ext cx="7569273" cy="2554545"/>
+          </a:xfrm>
+          <a:prstGeom prst="rect">
+            <a:avLst/>
+          </a:prstGeom>
+          <a:noFill/>
+        </p:spPr>
+        <p:txBody>
+          <a:bodyPr wrap="square" lIns="91440" tIns="45720" rIns="91440" bIns="45720">
+            <a:spAutoFit/>
+          </a:bodyPr>
+          <a:lstStyle/>
+          <a:p>
+            <a:pPr algn="ctr"/>
+            <a:r>
+              <a:rPr lang="fr-FR" sz="8000" b="1" cap="all" dirty="0" err="1">
+                <a:ln w="9000" cmpd="sng">
+                  <a:solidFill>
+                    <a:schemeClr val="accent4">
+                      <a:shade val="50000"/>
+                      <a:satMod val="120000"/>
+                    </a:schemeClr>
+                  </a:solidFill>
+                  <a:prstDash val="solid"/>
+                </a:ln>
+                <a:gradFill>
+                  <a:gsLst>
+                    <a:gs pos="0">
+                      <a:schemeClr val="accent4">
+                        <a:shade val="20000"/>
+                        <a:satMod val="245000"/>
+                      </a:schemeClr>
+                    </a:gs>
+                    <a:gs pos="43000">
+                      <a:schemeClr val="accent4">
+                        <a:satMod val="255000"/>
+                      </a:schemeClr>
+                    </a:gs>
+                    <a:gs pos="48000">
+                      <a:schemeClr val="accent4">
+                        <a:shade val="85000"/>
+                        <a:satMod val="255000"/>
+                      </a:schemeClr>
+                    </a:gs>
+                    <a:gs pos="100000">
+                      <a:schemeClr val="accent4">
+                        <a:shade val="20000"/>
+                        <a:satMod val="245000"/>
+                      </a:schemeClr>
+                    </a:gs>
+                  </a:gsLst>
+                  <a:lin ang="5400000"/>
+                </a:gradFill>
+                <a:effectLst>
+                  <a:reflection blurRad="12700" stA="28000" endPos="45000" dist="1000" dir="5400000" sy="-100000" algn="bl" rotWithShape="0"/>
+                </a:effectLst>
+              </a:rPr>
+              <a:t>database</a:t>
+            </a:r>
+            <a:r>
+              <a:rPr lang="fr-FR" sz="8000" b="1" cap="all" dirty="0">
+                <a:ln w="9000" cmpd="sng">
+                  <a:solidFill>
+                    <a:schemeClr val="accent4">
+                      <a:shade val="50000"/>
+                      <a:satMod val="120000"/>
+                    </a:schemeClr>
+                  </a:solidFill>
+                  <a:prstDash val="solid"/>
+                </a:ln>
+                <a:gradFill>
+                  <a:gsLst>
+                    <a:gs pos="0">
+                      <a:schemeClr val="accent4">
+                        <a:shade val="20000"/>
+                        <a:satMod val="245000"/>
+                      </a:schemeClr>
+                    </a:gs>
+                    <a:gs pos="43000">
+                      <a:schemeClr val="accent4">
+                        <a:satMod val="255000"/>
+                      </a:schemeClr>
+                    </a:gs>
+                    <a:gs pos="48000">
+                      <a:schemeClr val="accent4">
+                        <a:shade val="85000"/>
+                        <a:satMod val="255000"/>
+                      </a:schemeClr>
+                    </a:gs>
+                    <a:gs pos="100000">
+                      <a:schemeClr val="accent4">
+                        <a:shade val="20000"/>
+                        <a:satMod val="245000"/>
+                      </a:schemeClr>
+                    </a:gs>
+                  </a:gsLst>
+                  <a:lin ang="5400000"/>
+                </a:gradFill>
+                <a:effectLst>
+                  <a:reflection blurRad="12700" stA="28000" endPos="45000" dist="1000" dir="5400000" sy="-100000" algn="bl" rotWithShape="0"/>
+                </a:effectLst>
+              </a:rPr>
+              <a:t> design</a:t>
+            </a:r>
+            <a:endParaRPr lang="fr-FR" sz="8000" b="1" cap="all" spc="0" dirty="0">
+              <a:ln w="9000" cmpd="sng">
+                <a:solidFill>
+                  <a:schemeClr val="accent4">
+                    <a:shade val="50000"/>
+                    <a:satMod val="120000"/>
+                  </a:schemeClr>
+                </a:solidFill>
+                <a:prstDash val="solid"/>
+              </a:ln>
+              <a:gradFill>
+                <a:gsLst>
+                  <a:gs pos="0">
+                    <a:schemeClr val="accent4">
+                      <a:shade val="20000"/>
+                      <a:satMod val="245000"/>
+                    </a:schemeClr>
+                  </a:gs>
+                  <a:gs pos="43000">
+                    <a:schemeClr val="accent4">
+                      <a:satMod val="255000"/>
+                    </a:schemeClr>
+                  </a:gs>
+                  <a:gs pos="48000">
+                    <a:schemeClr val="accent4">
+                      <a:shade val="85000"/>
+                      <a:satMod val="255000"/>
+                    </a:schemeClr>
+                  </a:gs>
+                  <a:gs pos="100000">
+                    <a:schemeClr val="accent4">
+                      <a:shade val="20000"/>
+                      <a:satMod val="245000"/>
+                    </a:schemeClr>
+                  </a:gs>
+                </a:gsLst>
+                <a:lin ang="5400000"/>
+              </a:gradFill>
+              <a:effectLst>
+                <a:reflection blurRad="12700" stA="28000" endPos="45000" dist="1000" dir="5400000" sy="-100000" algn="bl" rotWithShape="0"/>
+              </a:effectLst>
+            </a:endParaRPr>
+          </a:p>
+        </p:txBody>
+      </p:sp>
+    </p:spTree>
+    <p:extLst>
+      <p:ext uri="{BB962C8B-B14F-4D97-AF65-F5344CB8AC3E}">
+        <p14:creationId xmlns:p14="http://schemas.microsoft.com/office/powerpoint/2010/main" val="4013929892"/>
+      </p:ext>
+    </p:extLst>
+  </p:cSld>
+  <p:clrMapOvr>
+    <a:masterClrMapping/>
+  </p:clrMapOvr>
+</p:sld>
+</file>
+
+<file path=ppt/slides/slide13.xml><?xml version="1.0" encoding="utf-8"?>
+<p:sld xmlns:a="http://schemas.openxmlformats.org/drawingml/2006/main" xmlns:r="http://schemas.openxmlformats.org/officeDocument/2006/relationships" xmlns:p="http://schemas.openxmlformats.org/presentationml/2006/main">
+  <p:cSld>
+    <p:bg>
+      <p:bgPr>
+        <a:blipFill rotWithShape="1">
+          <a:blip r:embed="rId2">
+            <a:duotone>
+              <a:schemeClr val="bg1">
+                <a:shade val="76000"/>
+                <a:satMod val="180000"/>
+              </a:schemeClr>
+              <a:schemeClr val="bg1">
+                <a:tint val="80000"/>
+                <a:satMod val="120000"/>
+                <a:lumMod val="180000"/>
+              </a:schemeClr>
+            </a:duotone>
+          </a:blip>
+          <a:stretch/>
+        </a:blipFill>
+        <a:effectLst/>
+      </p:bgPr>
+    </p:bg>
+    <p:spTree>
+      <p:nvGrpSpPr>
+        <p:cNvPr id="1" name=""/>
+        <p:cNvGrpSpPr/>
+        <p:nvPr/>
+      </p:nvGrpSpPr>
+      <p:grpSpPr>
+        <a:xfrm>
+          <a:off x="0" y="0"/>
+          <a:ext cx="0" cy="0"/>
+          <a:chOff x="0" y="0"/>
+          <a:chExt cx="0" cy="0"/>
+        </a:xfrm>
+      </p:grpSpPr>
+      <p:grpSp>
+        <p:nvGrpSpPr>
+          <p:cNvPr id="10" name="Group 9">
+            <a:extLst>
+              <a:ext uri="{FF2B5EF4-FFF2-40B4-BE49-F238E27FC236}">
+                <a16:creationId xmlns:a16="http://schemas.microsoft.com/office/drawing/2014/main" id="{089D35B1-0ED5-4358-8CAE-A9E49412AAA1}"/>
+              </a:ext>
+              <a:ext uri="{C183D7F6-B498-43B3-948B-1728B52AA6E4}">
+                <adec:decorative xmlns:adec="http://schemas.microsoft.com/office/drawing/2017/decorative" val="1"/>
+              </a:ext>
+            </a:extLst>
+          </p:cNvPr>
+          <p:cNvGrpSpPr>
+            <a:grpSpLocks noGrp="1" noUngrp="1" noRot="1" noChangeAspect="1" noMove="1" noResize="1"/>
+          </p:cNvGrpSpPr>
+          <p:nvPr>
+            <p:extLst>
+              <p:ext uri="{386F3935-93C4-4BCD-93E2-E3B085C9AB24}">
+                <p16:designElem xmlns:p16="http://schemas.microsoft.com/office/powerpoint/2015/main" val="1"/>
+              </p:ext>
+            </p:extLst>
+          </p:nvPr>
+        </p:nvGrpSpPr>
+        <p:grpSpPr>
+          <a:xfrm>
+            <a:off x="150812" y="0"/>
+            <a:ext cx="2436813" cy="6858001"/>
+            <a:chOff x="1320800" y="0"/>
+            <a:chExt cx="2436813" cy="6858001"/>
+          </a:xfrm>
+        </p:grpSpPr>
+        <p:sp>
+          <p:nvSpPr>
+            <p:cNvPr id="11" name="Freeform 6">
+              <a:extLst>
+                <a:ext uri="{FF2B5EF4-FFF2-40B4-BE49-F238E27FC236}">
+                  <a16:creationId xmlns:a16="http://schemas.microsoft.com/office/drawing/2014/main" id="{DDEF6545-5A42-469E-8778-86CA01CD461E}"/>
+                </a:ext>
+                <a:ext uri="{C183D7F6-B498-43B3-948B-1728B52AA6E4}">
+                  <adec:decorative xmlns:adec="http://schemas.microsoft.com/office/drawing/2017/decorative" val="1"/>
+                </a:ext>
+              </a:extLst>
+            </p:cNvPr>
+            <p:cNvSpPr/>
+            <p:nvPr>
+              <p:extLst>
+                <p:ext uri="{386F3935-93C4-4BCD-93E2-E3B085C9AB24}">
+                  <p16:designElem xmlns:p16="http://schemas.microsoft.com/office/powerpoint/2015/main" val="1"/>
+                </p:ext>
+              </p:extLst>
+            </p:nvPr>
+          </p:nvSpPr>
+          <p:spPr bwMode="auto">
+            <a:xfrm>
+              <a:off x="1627188" y="0"/>
+              <a:ext cx="1122363" cy="5329238"/>
+            </a:xfrm>
+            <a:custGeom>
+              <a:avLst/>
+              <a:gdLst/>
+              <a:ahLst/>
+              <a:cxnLst/>
+              <a:rect l="0" t="0" r="r" b="b"/>
+              <a:pathLst>
+                <a:path w="707" h="3357">
+                  <a:moveTo>
+                    <a:pt x="0" y="3330"/>
+                  </a:moveTo>
+                  <a:lnTo>
+                    <a:pt x="156" y="3357"/>
+                  </a:lnTo>
+                  <a:lnTo>
+                    <a:pt x="707" y="0"/>
+                  </a:lnTo>
+                  <a:lnTo>
+                    <a:pt x="547" y="0"/>
+                  </a:lnTo>
+                  <a:lnTo>
+                    <a:pt x="0" y="3330"/>
+                  </a:lnTo>
+                  <a:close/>
+                </a:path>
+              </a:pathLst>
+            </a:custGeom>
+            <a:solidFill>
+              <a:schemeClr val="accent1"/>
+            </a:solidFill>
+            <a:ln>
+              <a:noFill/>
+            </a:ln>
+          </p:spPr>
+        </p:sp>
+        <p:sp>
+          <p:nvSpPr>
+            <p:cNvPr id="12" name="Freeform 7">
+              <a:extLst>
+                <a:ext uri="{FF2B5EF4-FFF2-40B4-BE49-F238E27FC236}">
+                  <a16:creationId xmlns:a16="http://schemas.microsoft.com/office/drawing/2014/main" id="{3B08853F-842C-4D0A-9A89-D05CB3990377}"/>
+                </a:ext>
+                <a:ext uri="{C183D7F6-B498-43B3-948B-1728B52AA6E4}">
+                  <adec:decorative xmlns:adec="http://schemas.microsoft.com/office/drawing/2017/decorative" val="1"/>
+                </a:ext>
+              </a:extLst>
+            </p:cNvPr>
+            <p:cNvSpPr/>
+            <p:nvPr>
+              <p:extLst>
+                <p:ext uri="{386F3935-93C4-4BCD-93E2-E3B085C9AB24}">
+                  <p16:designElem xmlns:p16="http://schemas.microsoft.com/office/powerpoint/2015/main" val="1"/>
+                </p:ext>
+              </p:extLst>
+            </p:nvPr>
+          </p:nvSpPr>
+          <p:spPr bwMode="auto">
+            <a:xfrm>
+              <a:off x="1320800" y="0"/>
+              <a:ext cx="1117600" cy="5276850"/>
+            </a:xfrm>
+            <a:custGeom>
+              <a:avLst/>
+              <a:gdLst/>
+              <a:ahLst/>
+              <a:cxnLst/>
+              <a:rect l="0" t="0" r="r" b="b"/>
+              <a:pathLst>
+                <a:path w="704" h="3324">
+                  <a:moveTo>
+                    <a:pt x="704" y="0"/>
+                  </a:moveTo>
+                  <a:lnTo>
+                    <a:pt x="545" y="0"/>
+                  </a:lnTo>
+                  <a:lnTo>
+                    <a:pt x="0" y="3300"/>
+                  </a:lnTo>
+                  <a:lnTo>
+                    <a:pt x="157" y="3324"/>
+                  </a:lnTo>
+                  <a:lnTo>
+                    <a:pt x="704" y="0"/>
+                  </a:lnTo>
+                  <a:close/>
+                </a:path>
+              </a:pathLst>
+            </a:custGeom>
+            <a:solidFill>
+              <a:schemeClr val="tx1">
+                <a:lumMod val="65000"/>
+                <a:lumOff val="35000"/>
+              </a:schemeClr>
+            </a:solidFill>
+            <a:ln>
+              <a:noFill/>
+            </a:ln>
+          </p:spPr>
+        </p:sp>
+        <p:sp>
+          <p:nvSpPr>
+            <p:cNvPr id="13" name="Freeform 8">
+              <a:extLst>
+                <a:ext uri="{FF2B5EF4-FFF2-40B4-BE49-F238E27FC236}">
+                  <a16:creationId xmlns:a16="http://schemas.microsoft.com/office/drawing/2014/main" id="{A436FB18-2D01-4AAB-AD10-2D1208310FE4}"/>
+                </a:ext>
+                <a:ext uri="{C183D7F6-B498-43B3-948B-1728B52AA6E4}">
+                  <adec:decorative xmlns:adec="http://schemas.microsoft.com/office/drawing/2017/decorative" val="1"/>
+                </a:ext>
+              </a:extLst>
+            </p:cNvPr>
+            <p:cNvSpPr/>
+            <p:nvPr>
+              <p:extLst>
+                <p:ext uri="{386F3935-93C4-4BCD-93E2-E3B085C9AB24}">
+                  <p16:designElem xmlns:p16="http://schemas.microsoft.com/office/powerpoint/2015/main" val="1"/>
+                </p:ext>
+              </p:extLst>
+            </p:nvPr>
+          </p:nvSpPr>
+          <p:spPr bwMode="auto">
+            <a:xfrm>
+              <a:off x="1320800" y="5238750"/>
+              <a:ext cx="1228725" cy="1619250"/>
+            </a:xfrm>
+            <a:custGeom>
+              <a:avLst/>
+              <a:gdLst/>
+              <a:ahLst/>
+              <a:cxnLst/>
+              <a:rect l="0" t="0" r="r" b="b"/>
+              <a:pathLst>
+                <a:path w="774" h="1020">
+                  <a:moveTo>
+                    <a:pt x="0" y="0"/>
+                  </a:moveTo>
+                  <a:lnTo>
+                    <a:pt x="740" y="1020"/>
+                  </a:lnTo>
+                  <a:lnTo>
+                    <a:pt x="774" y="1020"/>
+                  </a:lnTo>
+                  <a:lnTo>
+                    <a:pt x="0" y="0"/>
+                  </a:lnTo>
+                  <a:close/>
+                </a:path>
+              </a:pathLst>
+            </a:custGeom>
+            <a:solidFill>
+              <a:schemeClr val="tx1">
+                <a:lumMod val="85000"/>
+                <a:lumOff val="15000"/>
+              </a:schemeClr>
+            </a:solidFill>
+            <a:ln>
+              <a:noFill/>
+            </a:ln>
+          </p:spPr>
+        </p:sp>
+        <p:sp>
+          <p:nvSpPr>
+            <p:cNvPr id="14" name="Freeform 9">
+              <a:extLst>
+                <a:ext uri="{FF2B5EF4-FFF2-40B4-BE49-F238E27FC236}">
+                  <a16:creationId xmlns:a16="http://schemas.microsoft.com/office/drawing/2014/main" id="{9EFB8341-7A7B-46E4-AF94-689147AD0567}"/>
+                </a:ext>
+                <a:ext uri="{C183D7F6-B498-43B3-948B-1728B52AA6E4}">
+                  <adec:decorative xmlns:adec="http://schemas.microsoft.com/office/drawing/2017/decorative" val="1"/>
+                </a:ext>
+              </a:extLst>
+            </p:cNvPr>
+            <p:cNvSpPr/>
+            <p:nvPr>
+              <p:extLst>
+                <p:ext uri="{386F3935-93C4-4BCD-93E2-E3B085C9AB24}">
+                  <p16:designElem xmlns:p16="http://schemas.microsoft.com/office/powerpoint/2015/main" val="1"/>
+                </p:ext>
+              </p:extLst>
+            </p:nvPr>
+          </p:nvSpPr>
+          <p:spPr bwMode="auto">
+            <a:xfrm>
+              <a:off x="1627188" y="5291138"/>
+              <a:ext cx="1495425" cy="1566863"/>
+            </a:xfrm>
+            <a:custGeom>
+              <a:avLst/>
+              <a:gdLst/>
+              <a:ahLst/>
+              <a:cxnLst/>
+              <a:rect l="0" t="0" r="r" b="b"/>
+              <a:pathLst>
+                <a:path w="942" h="987">
+                  <a:moveTo>
+                    <a:pt x="0" y="0"/>
+                  </a:moveTo>
+                  <a:lnTo>
+                    <a:pt x="909" y="987"/>
+                  </a:lnTo>
+                  <a:lnTo>
+                    <a:pt x="942" y="987"/>
+                  </a:lnTo>
+                  <a:lnTo>
+                    <a:pt x="0" y="0"/>
+                  </a:lnTo>
+                  <a:close/>
+                </a:path>
+              </a:pathLst>
+            </a:custGeom>
+            <a:solidFill>
+              <a:schemeClr val="accent1">
+                <a:lumMod val="50000"/>
+              </a:schemeClr>
+            </a:solidFill>
+            <a:ln>
+              <a:noFill/>
+            </a:ln>
+          </p:spPr>
+        </p:sp>
+        <p:sp>
+          <p:nvSpPr>
+            <p:cNvPr id="15" name="Freeform 10">
+              <a:extLst>
+                <a:ext uri="{FF2B5EF4-FFF2-40B4-BE49-F238E27FC236}">
+                  <a16:creationId xmlns:a16="http://schemas.microsoft.com/office/drawing/2014/main" id="{C4D84136-7804-4605-AC9F-238A3665EED7}"/>
+                </a:ext>
+                <a:ext uri="{C183D7F6-B498-43B3-948B-1728B52AA6E4}">
+                  <adec:decorative xmlns:adec="http://schemas.microsoft.com/office/drawing/2017/decorative" val="1"/>
+                </a:ext>
+              </a:extLst>
+            </p:cNvPr>
+            <p:cNvSpPr/>
+            <p:nvPr>
+              <p:extLst>
+                <p:ext uri="{386F3935-93C4-4BCD-93E2-E3B085C9AB24}">
+                  <p16:designElem xmlns:p16="http://schemas.microsoft.com/office/powerpoint/2015/main" val="1"/>
+                </p:ext>
+              </p:extLst>
+            </p:nvPr>
+          </p:nvSpPr>
+          <p:spPr bwMode="auto">
+            <a:xfrm>
+              <a:off x="1627188" y="5286375"/>
+              <a:ext cx="2130425" cy="1571625"/>
+            </a:xfrm>
+            <a:custGeom>
+              <a:avLst/>
+              <a:gdLst/>
+              <a:ahLst/>
+              <a:cxnLst/>
+              <a:rect l="0" t="0" r="r" b="b"/>
+              <a:pathLst>
+                <a:path w="1342" h="990">
+                  <a:moveTo>
+                    <a:pt x="0" y="3"/>
+                  </a:moveTo>
+                  <a:lnTo>
+                    <a:pt x="942" y="990"/>
+                  </a:lnTo>
+                  <a:lnTo>
+                    <a:pt x="1342" y="990"/>
+                  </a:lnTo>
+                  <a:lnTo>
+                    <a:pt x="156" y="27"/>
+                  </a:lnTo>
+                  <a:lnTo>
+                    <a:pt x="0" y="0"/>
+                  </a:lnTo>
+                  <a:lnTo>
+                    <a:pt x="0" y="3"/>
+                  </a:lnTo>
+                  <a:close/>
+                </a:path>
+              </a:pathLst>
+            </a:custGeom>
+            <a:solidFill>
+              <a:schemeClr val="accent1">
+                <a:lumMod val="75000"/>
+              </a:schemeClr>
+            </a:solidFill>
+            <a:ln>
+              <a:noFill/>
+            </a:ln>
+          </p:spPr>
+        </p:sp>
+        <p:sp>
+          <p:nvSpPr>
+            <p:cNvPr id="16" name="Freeform 11">
+              <a:extLst>
+                <a:ext uri="{FF2B5EF4-FFF2-40B4-BE49-F238E27FC236}">
+                  <a16:creationId xmlns:a16="http://schemas.microsoft.com/office/drawing/2014/main" id="{4EC6F81C-51C2-4A6F-8B94-562DA6736220}"/>
+                </a:ext>
+                <a:ext uri="{C183D7F6-B498-43B3-948B-1728B52AA6E4}">
+                  <adec:decorative xmlns:adec="http://schemas.microsoft.com/office/drawing/2017/decorative" val="1"/>
+                </a:ext>
+              </a:extLst>
+            </p:cNvPr>
+            <p:cNvSpPr/>
+            <p:nvPr>
+              <p:extLst>
+                <p:ext uri="{386F3935-93C4-4BCD-93E2-E3B085C9AB24}">
+                  <p16:designElem xmlns:p16="http://schemas.microsoft.com/office/powerpoint/2015/main" val="1"/>
+                </p:ext>
+              </p:extLst>
+            </p:nvPr>
+          </p:nvSpPr>
+          <p:spPr bwMode="auto">
+            <a:xfrm>
+              <a:off x="1320800" y="5238750"/>
+              <a:ext cx="1695450" cy="1619250"/>
+            </a:xfrm>
+            <a:custGeom>
+              <a:avLst/>
+              <a:gdLst/>
+              <a:ahLst/>
+              <a:cxnLst/>
+              <a:rect l="0" t="0" r="r" b="b"/>
+              <a:pathLst>
+                <a:path w="1068" h="1020">
+                  <a:moveTo>
+                    <a:pt x="1068" y="1020"/>
+                  </a:moveTo>
+                  <a:lnTo>
+                    <a:pt x="184" y="60"/>
+                  </a:lnTo>
+                  <a:lnTo>
+                    <a:pt x="154" y="27"/>
+                  </a:lnTo>
+                  <a:lnTo>
+                    <a:pt x="157" y="27"/>
+                  </a:lnTo>
+                  <a:lnTo>
+                    <a:pt x="157" y="24"/>
+                  </a:lnTo>
+                  <a:lnTo>
+                    <a:pt x="154" y="24"/>
+                  </a:lnTo>
+                  <a:lnTo>
+                    <a:pt x="0" y="0"/>
+                  </a:lnTo>
+                  <a:lnTo>
+                    <a:pt x="0" y="0"/>
+                  </a:lnTo>
+                  <a:lnTo>
+                    <a:pt x="774" y="1020"/>
+                  </a:lnTo>
+                  <a:lnTo>
+                    <a:pt x="1068" y="1020"/>
+                  </a:lnTo>
+                  <a:close/>
+                </a:path>
+              </a:pathLst>
+            </a:custGeom>
+            <a:solidFill>
+              <a:schemeClr val="tx1">
+                <a:lumMod val="75000"/>
+                <a:lumOff val="25000"/>
+              </a:schemeClr>
+            </a:solidFill>
+            <a:ln>
+              <a:noFill/>
+            </a:ln>
+          </p:spPr>
+        </p:sp>
+      </p:grpSp>
+      <p:sp useBgFill="1">
+        <p:nvSpPr>
+          <p:cNvPr id="18" name="Rectangle 17">
+            <a:extLst>
+              <a:ext uri="{FF2B5EF4-FFF2-40B4-BE49-F238E27FC236}">
+                <a16:creationId xmlns:a16="http://schemas.microsoft.com/office/drawing/2014/main" id="{36993C3A-0E30-417B-B76B-0B62A3462F06}"/>
+              </a:ext>
+              <a:ext uri="{C183D7F6-B498-43B3-948B-1728B52AA6E4}">
+                <adec:decorative xmlns:adec="http://schemas.microsoft.com/office/drawing/2017/decorative" val="1"/>
+              </a:ext>
+            </a:extLst>
+          </p:cNvPr>
+          <p:cNvSpPr>
+            <a:spLocks noGrp="1" noRot="1" noChangeAspect="1" noMove="1" noResize="1" noEditPoints="1" noAdjustHandles="1" noChangeArrowheads="1" noChangeShapeType="1" noTextEdit="1"/>
+          </p:cNvSpPr>
+          <p:nvPr>
+            <p:extLst>
+              <p:ext uri="{386F3935-93C4-4BCD-93E2-E3B085C9AB24}">
+                <p16:designElem xmlns:p16="http://schemas.microsoft.com/office/powerpoint/2015/main" val="1"/>
+              </p:ext>
+            </p:extLst>
+          </p:nvPr>
+        </p:nvSpPr>
+        <p:spPr>
+          <a:xfrm>
+            <a:off x="0" y="0"/>
+            <a:ext cx="12192000" cy="6858000"/>
+          </a:xfrm>
+          <a:prstGeom prst="rect">
+            <a:avLst/>
+          </a:prstGeom>
+          <a:ln>
+            <a:noFill/>
+          </a:ln>
+        </p:spPr>
+        <p:style>
+          <a:lnRef idx="2">
+            <a:schemeClr val="accent1">
+              <a:shade val="50000"/>
+            </a:schemeClr>
+          </a:lnRef>
+          <a:fillRef idx="1">
+            <a:schemeClr val="accent1"/>
+          </a:fillRef>
+          <a:effectRef idx="0">
+            <a:schemeClr val="accent1"/>
+          </a:effectRef>
+          <a:fontRef idx="minor">
+            <a:schemeClr val="lt1"/>
+          </a:fontRef>
+        </p:style>
+        <p:txBody>
+          <a:bodyPr rtlCol="0" anchor="ctr"/>
+          <a:lstStyle/>
+          <a:p>
+            <a:pPr algn="ctr"/>
+            <a:endParaRPr lang="en-US"/>
+          </a:p>
+        </p:txBody>
+      </p:sp>
+      <p:pic>
+        <p:nvPicPr>
+          <p:cNvPr id="5" name="Content Placeholder 4" descr="Graphical user interface, text, application, email&#10;&#10;Description automatically generated">
+            <a:extLst>
+              <a:ext uri="{FF2B5EF4-FFF2-40B4-BE49-F238E27FC236}">
+                <a16:creationId xmlns:a16="http://schemas.microsoft.com/office/drawing/2014/main" id="{765E5A1C-160C-40CE-B7DF-772EB374DDCD}"/>
+              </a:ext>
+            </a:extLst>
+          </p:cNvPr>
+          <p:cNvPicPr>
+            <a:picLocks noGrp="1" noChangeAspect="1"/>
+          </p:cNvPicPr>
+          <p:nvPr>
+            <p:ph idx="1"/>
+          </p:nvPr>
+        </p:nvPicPr>
+        <p:blipFill>
+          <a:blip r:embed="rId3">
+            <a:extLst>
+              <a:ext uri="{28A0092B-C50C-407E-A947-70E740481C1C}">
+                <a14:useLocalDpi xmlns:a14="http://schemas.microsoft.com/office/drawing/2010/main" val="0"/>
+              </a:ext>
+            </a:extLst>
+          </a:blip>
+          <a:stretch>
+            <a:fillRect/>
+          </a:stretch>
+        </p:blipFill>
+        <p:spPr>
+          <a:xfrm>
+            <a:off x="643467" y="1193462"/>
+            <a:ext cx="10905066" cy="4471076"/>
+          </a:xfrm>
+          <a:prstGeom prst="roundRect">
+            <a:avLst>
+              <a:gd name="adj" fmla="val 4380"/>
+            </a:avLst>
+          </a:prstGeom>
+          <a:ln w="38100">
+            <a:gradFill flip="none" rotWithShape="1">
+              <a:gsLst>
+                <a:gs pos="0">
+                  <a:schemeClr val="bg2"/>
+                </a:gs>
+                <a:gs pos="100000">
+                  <a:schemeClr val="bg2">
+                    <a:lumMod val="75000"/>
+                  </a:schemeClr>
+                </a:gs>
+              </a:gsLst>
+              <a:lin ang="5400000" scaled="0"/>
+              <a:tileRect/>
+            </a:gradFill>
+          </a:ln>
+          <a:effectLst>
+            <a:innerShdw blurRad="57150" dist="38100" dir="14460000">
+              <a:srgbClr val="000000">
+                <a:alpha val="70000"/>
+              </a:srgbClr>
+            </a:innerShdw>
+          </a:effectLst>
+        </p:spPr>
+      </p:pic>
+    </p:spTree>
+    <p:extLst>
+      <p:ext uri="{BB962C8B-B14F-4D97-AF65-F5344CB8AC3E}">
+        <p14:creationId xmlns:p14="http://schemas.microsoft.com/office/powerpoint/2010/main" val="3045819323"/>
+      </p:ext>
+    </p:extLst>
+  </p:cSld>
+  <p:clrMapOvr>
+    <a:overrideClrMapping bg1="lt1" tx1="dk1" bg2="lt2" tx2="dk2" accent1="accent1" accent2="accent2" accent3="accent3" accent4="accent4" accent5="accent5" accent6="accent6" hlink="hlink" folHlink="folHlink"/>
+  </p:clrMapOvr>
+</p:sld>
+</file>
+
+<file path=ppt/slides/slide14.xml><?xml version="1.0" encoding="utf-8"?>
+<p:sld xmlns:a="http://schemas.openxmlformats.org/drawingml/2006/main" xmlns:r="http://schemas.openxmlformats.org/officeDocument/2006/relationships" xmlns:p="http://schemas.openxmlformats.org/presentationml/2006/main">
+  <p:cSld>
     <p:bg>
       <p:bgPr>
         <a:blipFill rotWithShape="1">
@@ -14286,7 +15073,7 @@
 </p:sld>
 </file>
 
-<file path=ppt/slides/slide13.xml><?xml version="1.0" encoding="utf-8"?>
+<file path=ppt/slides/slide15.xml><?xml version="1.0" encoding="utf-8"?>
 <p:sld xmlns:a="http://schemas.openxmlformats.org/drawingml/2006/main" xmlns:r="http://schemas.openxmlformats.org/officeDocument/2006/relationships" xmlns:p="http://schemas.openxmlformats.org/presentationml/2006/main">
   <p:cSld>
     <p:bg>
@@ -14795,7 +15582,7 @@
 </p:sld>
 </file>
 
-<file path=ppt/slides/slide14.xml><?xml version="1.0" encoding="utf-8"?>
+<file path=ppt/slides/slide16.xml><?xml version="1.0" encoding="utf-8"?>
 <p:sld xmlns:a="http://schemas.openxmlformats.org/drawingml/2006/main" xmlns:r="http://schemas.openxmlformats.org/officeDocument/2006/relationships" xmlns:p="http://schemas.openxmlformats.org/presentationml/2006/main">
   <p:cSld>
     <p:spTree>
@@ -14941,7 +15728,7 @@
 </p:sld>
 </file>
 
-<file path=ppt/slides/slide15.xml><?xml version="1.0" encoding="utf-8"?>
+<file path=ppt/slides/slide17.xml><?xml version="1.0" encoding="utf-8"?>
 <p:sld xmlns:a="http://schemas.openxmlformats.org/drawingml/2006/main" xmlns:r="http://schemas.openxmlformats.org/officeDocument/2006/relationships" xmlns:p="http://schemas.openxmlformats.org/presentationml/2006/main">
   <p:cSld>
     <p:bg>

--- a/src/Additional/Presentation/PresentationAirlineReservationSystem.pptx
+++ b/src/Additional/Presentation/PresentationAirlineReservationSystem.pptx
@@ -1848,10 +1848,18 @@
         <a:lstStyle/>
         <a:p>
           <a:r>
-            <a:rPr lang="fr-FR" b="1"/>
-            <a:t>IV. Method of conding in team</a:t>
+            <a:rPr lang="fr-FR" b="1" dirty="0"/>
+            <a:t>V. Method of </a:t>
           </a:r>
-          <a:endParaRPr lang="en-US"/>
+          <a:r>
+            <a:rPr lang="fr-FR" b="1" dirty="0" err="1"/>
+            <a:t>conding</a:t>
+          </a:r>
+          <a:r>
+            <a:rPr lang="fr-FR" b="1" dirty="0"/>
+            <a:t> in team</a:t>
+          </a:r>
+          <a:endParaRPr lang="en-US" dirty="0"/>
         </a:p>
       </dgm:t>
     </dgm:pt>
@@ -1885,10 +1893,14 @@
         <a:lstStyle/>
         <a:p>
           <a:r>
-            <a:rPr lang="fr-FR" b="1"/>
-            <a:t>V. Application Demo</a:t>
+            <a:rPr lang="fr-FR" b="1" dirty="0"/>
+            <a:t>VI. Application </a:t>
           </a:r>
-          <a:endParaRPr lang="en-US"/>
+          <a:r>
+            <a:rPr lang="fr-FR" b="1" dirty="0" err="1"/>
+            <a:t>Demo</a:t>
+          </a:r>
+          <a:endParaRPr lang="en-US" dirty="0"/>
         </a:p>
       </dgm:t>
     </dgm:pt>
@@ -1914,6 +1926,50 @@
         </a:p>
       </dgm:t>
     </dgm:pt>
+    <dgm:pt modelId="{1E237DB1-B31F-4D34-ABE0-09B45E794058}">
+      <dgm:prSet/>
+      <dgm:spPr/>
+      <dgm:t>
+        <a:bodyPr/>
+        <a:lstStyle/>
+        <a:p>
+          <a:r>
+            <a:rPr lang="fr-FR" b="1" dirty="0"/>
+            <a:t>IV. </a:t>
+          </a:r>
+          <a:r>
+            <a:rPr lang="en-US" dirty="0" err="1"/>
+            <a:t>DataBase</a:t>
+          </a:r>
+          <a:r>
+            <a:rPr lang="en-US" dirty="0"/>
+            <a:t> Design</a:t>
+          </a:r>
+        </a:p>
+      </dgm:t>
+    </dgm:pt>
+    <dgm:pt modelId="{7DD0AFA9-162A-4F4E-9F15-264E42A5A124}" type="parTrans" cxnId="{CFC16195-F4DA-4C3D-9B8B-44299602CAB3}">
+      <dgm:prSet/>
+      <dgm:spPr/>
+      <dgm:t>
+        <a:bodyPr/>
+        <a:lstStyle/>
+        <a:p>
+          <a:endParaRPr lang="en-US"/>
+        </a:p>
+      </dgm:t>
+    </dgm:pt>
+    <dgm:pt modelId="{AAE64610-0BC1-4E0B-86A7-041C664CAC9B}" type="sibTrans" cxnId="{CFC16195-F4DA-4C3D-9B8B-44299602CAB3}">
+      <dgm:prSet/>
+      <dgm:spPr/>
+      <dgm:t>
+        <a:bodyPr/>
+        <a:lstStyle/>
+        <a:p>
+          <a:endParaRPr lang="en-US"/>
+        </a:p>
+      </dgm:t>
+    </dgm:pt>
     <dgm:pt modelId="{A4D08B3B-0E62-4447-9213-70F1A74B869A}" type="pres">
       <dgm:prSet presAssocID="{433D23DA-79AB-4A17-9B70-11C62AB080DA}" presName="linear" presStyleCnt="0">
         <dgm:presLayoutVars>
@@ -1924,7 +1980,7 @@
       <dgm:spPr/>
     </dgm:pt>
     <dgm:pt modelId="{B0A1FAF7-3590-4A7D-B8EA-9E231ECE056C}" type="pres">
-      <dgm:prSet presAssocID="{C639E17D-CA0C-4A8A-9ACD-CC6EF7E890EF}" presName="parentText" presStyleLbl="node1" presStyleIdx="0" presStyleCnt="5">
+      <dgm:prSet presAssocID="{C639E17D-CA0C-4A8A-9ACD-CC6EF7E890EF}" presName="parentText" presStyleLbl="node1" presStyleIdx="0" presStyleCnt="6">
         <dgm:presLayoutVars>
           <dgm:chMax val="0"/>
           <dgm:bulletEnabled val="1"/>
@@ -1937,7 +1993,7 @@
       <dgm:spPr/>
     </dgm:pt>
     <dgm:pt modelId="{82CD4AF4-FA40-4F09-ABEB-0F0947031FCE}" type="pres">
-      <dgm:prSet presAssocID="{2556C963-2523-44F5-B227-63ED7F0ABCBE}" presName="parentText" presStyleLbl="node1" presStyleIdx="1" presStyleCnt="5">
+      <dgm:prSet presAssocID="{2556C963-2523-44F5-B227-63ED7F0ABCBE}" presName="parentText" presStyleLbl="node1" presStyleIdx="1" presStyleCnt="6">
         <dgm:presLayoutVars>
           <dgm:chMax val="0"/>
           <dgm:bulletEnabled val="1"/>
@@ -1950,7 +2006,7 @@
       <dgm:spPr/>
     </dgm:pt>
     <dgm:pt modelId="{61DC6C56-3CB6-4E59-A23D-F3D565666BDA}" type="pres">
-      <dgm:prSet presAssocID="{2F740643-1B03-46F6-A62F-75AAA3D4ABDE}" presName="parentText" presStyleLbl="node1" presStyleIdx="2" presStyleCnt="5">
+      <dgm:prSet presAssocID="{2F740643-1B03-46F6-A62F-75AAA3D4ABDE}" presName="parentText" presStyleLbl="node1" presStyleIdx="2" presStyleCnt="6">
         <dgm:presLayoutVars>
           <dgm:chMax val="0"/>
           <dgm:bulletEnabled val="1"/>
@@ -1962,8 +2018,21 @@
       <dgm:prSet presAssocID="{1C09E3DC-8154-4AD3-805C-9A2608A62053}" presName="spacer" presStyleCnt="0"/>
       <dgm:spPr/>
     </dgm:pt>
+    <dgm:pt modelId="{489E0305-6467-456F-B5DA-20A31AE19126}" type="pres">
+      <dgm:prSet presAssocID="{1E237DB1-B31F-4D34-ABE0-09B45E794058}" presName="parentText" presStyleLbl="node1" presStyleIdx="3" presStyleCnt="6" custLinFactNeighborX="-1100" custLinFactNeighborY="-50000">
+        <dgm:presLayoutVars>
+          <dgm:chMax val="0"/>
+          <dgm:bulletEnabled val="1"/>
+        </dgm:presLayoutVars>
+      </dgm:prSet>
+      <dgm:spPr/>
+    </dgm:pt>
+    <dgm:pt modelId="{3403E36A-8DA8-48EA-836B-B1D4C67B47C1}" type="pres">
+      <dgm:prSet presAssocID="{AAE64610-0BC1-4E0B-86A7-041C664CAC9B}" presName="spacer" presStyleCnt="0"/>
+      <dgm:spPr/>
+    </dgm:pt>
     <dgm:pt modelId="{E23F0068-B35C-4995-B796-EF350D2C4E9D}" type="pres">
-      <dgm:prSet presAssocID="{7D9AA5B7-4199-4524-8D05-80008AA0B4B2}" presName="parentText" presStyleLbl="node1" presStyleIdx="3" presStyleCnt="5">
+      <dgm:prSet presAssocID="{7D9AA5B7-4199-4524-8D05-80008AA0B4B2}" presName="parentText" presStyleLbl="node1" presStyleIdx="4" presStyleCnt="6">
         <dgm:presLayoutVars>
           <dgm:chMax val="0"/>
           <dgm:bulletEnabled val="1"/>
@@ -1976,7 +2045,7 @@
       <dgm:spPr/>
     </dgm:pt>
     <dgm:pt modelId="{84D7883C-C6C0-4BB3-9D29-BD13E2E1C582}" type="pres">
-      <dgm:prSet presAssocID="{FA294663-CE12-457B-AEBF-6240D835D575}" presName="parentText" presStyleLbl="node1" presStyleIdx="4" presStyleCnt="5">
+      <dgm:prSet presAssocID="{FA294663-CE12-457B-AEBF-6240D835D575}" presName="parentText" presStyleLbl="node1" presStyleIdx="5" presStyleCnt="6">
         <dgm:presLayoutVars>
           <dgm:chMax val="0"/>
           <dgm:bulletEnabled val="1"/>
@@ -1990,11 +2059,13 @@
     <dgm:cxn modelId="{FD5EE10B-CC0B-4AC1-9191-6DD92DC2B108}" srcId="{433D23DA-79AB-4A17-9B70-11C62AB080DA}" destId="{2556C963-2523-44F5-B227-63ED7F0ABCBE}" srcOrd="1" destOrd="0" parTransId="{649EAD7C-CC57-4AB9-AE5F-79295EBE911D}" sibTransId="{A893461A-A25E-496C-904A-C800C13398A9}"/>
     <dgm:cxn modelId="{31E3661C-6110-4C50-88DB-0A686F920702}" type="presOf" srcId="{7D9AA5B7-4199-4524-8D05-80008AA0B4B2}" destId="{E23F0068-B35C-4995-B796-EF350D2C4E9D}" srcOrd="0" destOrd="0" presId="urn:microsoft.com/office/officeart/2005/8/layout/vList2"/>
     <dgm:cxn modelId="{92FE1E2B-E1FD-46B0-B205-FE05A0B43A0F}" srcId="{433D23DA-79AB-4A17-9B70-11C62AB080DA}" destId="{C639E17D-CA0C-4A8A-9ACD-CC6EF7E890EF}" srcOrd="0" destOrd="0" parTransId="{BDAA597E-1A4B-4684-98DC-9DBC85E0B894}" sibTransId="{468315FB-C426-47BF-9CFB-DB65E3ED5E89}"/>
-    <dgm:cxn modelId="{FED7E32B-99AD-48A4-8A10-2B58089B4F3F}" srcId="{433D23DA-79AB-4A17-9B70-11C62AB080DA}" destId="{7D9AA5B7-4199-4524-8D05-80008AA0B4B2}" srcOrd="3" destOrd="0" parTransId="{87DFA350-2D61-477E-9C10-3932AC68E958}" sibTransId="{CE6660A0-B2BE-4B43-886D-E2808B92AA62}"/>
+    <dgm:cxn modelId="{FED7E32B-99AD-48A4-8A10-2B58089B4F3F}" srcId="{433D23DA-79AB-4A17-9B70-11C62AB080DA}" destId="{7D9AA5B7-4199-4524-8D05-80008AA0B4B2}" srcOrd="4" destOrd="0" parTransId="{87DFA350-2D61-477E-9C10-3932AC68E958}" sibTransId="{CE6660A0-B2BE-4B43-886D-E2808B92AA62}"/>
+    <dgm:cxn modelId="{1C394137-9B6E-4DD9-859C-8E9B6F7EF72A}" type="presOf" srcId="{1E237DB1-B31F-4D34-ABE0-09B45E794058}" destId="{489E0305-6467-456F-B5DA-20A31AE19126}" srcOrd="0" destOrd="0" presId="urn:microsoft.com/office/officeart/2005/8/layout/vList2"/>
     <dgm:cxn modelId="{568E1762-B676-4B5A-8BDB-7E8C7F00A452}" type="presOf" srcId="{FA294663-CE12-457B-AEBF-6240D835D575}" destId="{84D7883C-C6C0-4BB3-9D29-BD13E2E1C582}" srcOrd="0" destOrd="0" presId="urn:microsoft.com/office/officeart/2005/8/layout/vList2"/>
     <dgm:cxn modelId="{EBBB068A-7CE8-460B-A3B0-95DF7068B932}" type="presOf" srcId="{2556C963-2523-44F5-B227-63ED7F0ABCBE}" destId="{82CD4AF4-FA40-4F09-ABEB-0F0947031FCE}" srcOrd="0" destOrd="0" presId="urn:microsoft.com/office/officeart/2005/8/layout/vList2"/>
     <dgm:cxn modelId="{3B7DC38D-87EA-4BFC-8C96-FB71B1C34D15}" srcId="{433D23DA-79AB-4A17-9B70-11C62AB080DA}" destId="{2F740643-1B03-46F6-A62F-75AAA3D4ABDE}" srcOrd="2" destOrd="0" parTransId="{BAFCD2E2-8826-4C78-B92C-3EB204B83F9C}" sibTransId="{1C09E3DC-8154-4AD3-805C-9A2608A62053}"/>
-    <dgm:cxn modelId="{E97392AA-54F3-4C6C-995B-013A4BD0147B}" srcId="{433D23DA-79AB-4A17-9B70-11C62AB080DA}" destId="{FA294663-CE12-457B-AEBF-6240D835D575}" srcOrd="4" destOrd="0" parTransId="{56845AA5-9AF3-4A82-AA76-7DD5E21E2227}" sibTransId="{A0AB9431-6D9C-4DF1-98F6-301853F0C5EF}"/>
+    <dgm:cxn modelId="{CFC16195-F4DA-4C3D-9B8B-44299602CAB3}" srcId="{433D23DA-79AB-4A17-9B70-11C62AB080DA}" destId="{1E237DB1-B31F-4D34-ABE0-09B45E794058}" srcOrd="3" destOrd="0" parTransId="{7DD0AFA9-162A-4F4E-9F15-264E42A5A124}" sibTransId="{AAE64610-0BC1-4E0B-86A7-041C664CAC9B}"/>
+    <dgm:cxn modelId="{E97392AA-54F3-4C6C-995B-013A4BD0147B}" srcId="{433D23DA-79AB-4A17-9B70-11C62AB080DA}" destId="{FA294663-CE12-457B-AEBF-6240D835D575}" srcOrd="5" destOrd="0" parTransId="{56845AA5-9AF3-4A82-AA76-7DD5E21E2227}" sibTransId="{A0AB9431-6D9C-4DF1-98F6-301853F0C5EF}"/>
     <dgm:cxn modelId="{85A4E1C0-D02A-4EBE-8205-34273D4D619B}" type="presOf" srcId="{C639E17D-CA0C-4A8A-9ACD-CC6EF7E890EF}" destId="{B0A1FAF7-3590-4A7D-B8EA-9E231ECE056C}" srcOrd="0" destOrd="0" presId="urn:microsoft.com/office/officeart/2005/8/layout/vList2"/>
     <dgm:cxn modelId="{6D2575D5-78BD-40BA-B38B-8B34947B415F}" type="presOf" srcId="{2F740643-1B03-46F6-A62F-75AAA3D4ABDE}" destId="{61DC6C56-3CB6-4E59-A23D-F3D565666BDA}" srcOrd="0" destOrd="0" presId="urn:microsoft.com/office/officeart/2005/8/layout/vList2"/>
     <dgm:cxn modelId="{8F24E6C7-5351-4CDF-B7AF-5EC9EB11E3D5}" type="presParOf" srcId="{A4D08B3B-0E62-4447-9213-70F1A74B869A}" destId="{B0A1FAF7-3590-4A7D-B8EA-9E231ECE056C}" srcOrd="0" destOrd="0" presId="urn:microsoft.com/office/officeart/2005/8/layout/vList2"/>
@@ -2003,9 +2074,11 @@
     <dgm:cxn modelId="{B7686FB7-1834-4061-B374-F1588F478C45}" type="presParOf" srcId="{A4D08B3B-0E62-4447-9213-70F1A74B869A}" destId="{7C3CCA28-CCAF-4E4A-8A0A-6B137E26A4AC}" srcOrd="3" destOrd="0" presId="urn:microsoft.com/office/officeart/2005/8/layout/vList2"/>
     <dgm:cxn modelId="{C2BA2C4F-2FF5-4D32-B05C-1ED294A215C5}" type="presParOf" srcId="{A4D08B3B-0E62-4447-9213-70F1A74B869A}" destId="{61DC6C56-3CB6-4E59-A23D-F3D565666BDA}" srcOrd="4" destOrd="0" presId="urn:microsoft.com/office/officeart/2005/8/layout/vList2"/>
     <dgm:cxn modelId="{3C8996FB-3A9B-4FED-BF79-98B19F5943AB}" type="presParOf" srcId="{A4D08B3B-0E62-4447-9213-70F1A74B869A}" destId="{676DBFF7-3965-4956-ADD4-E2B93C13BF22}" srcOrd="5" destOrd="0" presId="urn:microsoft.com/office/officeart/2005/8/layout/vList2"/>
-    <dgm:cxn modelId="{09D38916-4F57-4C19-A1FD-1345828B83F9}" type="presParOf" srcId="{A4D08B3B-0E62-4447-9213-70F1A74B869A}" destId="{E23F0068-B35C-4995-B796-EF350D2C4E9D}" srcOrd="6" destOrd="0" presId="urn:microsoft.com/office/officeart/2005/8/layout/vList2"/>
-    <dgm:cxn modelId="{02DA0CCC-53FE-4C9C-B4B4-192C6184F8CB}" type="presParOf" srcId="{A4D08B3B-0E62-4447-9213-70F1A74B869A}" destId="{FC3D0555-5CB9-405C-B5D4-3F9190F75224}" srcOrd="7" destOrd="0" presId="urn:microsoft.com/office/officeart/2005/8/layout/vList2"/>
-    <dgm:cxn modelId="{DB481230-16A7-467A-8EF8-A18F9E3899D9}" type="presParOf" srcId="{A4D08B3B-0E62-4447-9213-70F1A74B869A}" destId="{84D7883C-C6C0-4BB3-9D29-BD13E2E1C582}" srcOrd="8" destOrd="0" presId="urn:microsoft.com/office/officeart/2005/8/layout/vList2"/>
+    <dgm:cxn modelId="{C8199773-9770-4BC7-8EAF-0633998D44A1}" type="presParOf" srcId="{A4D08B3B-0E62-4447-9213-70F1A74B869A}" destId="{489E0305-6467-456F-B5DA-20A31AE19126}" srcOrd="6" destOrd="0" presId="urn:microsoft.com/office/officeart/2005/8/layout/vList2"/>
+    <dgm:cxn modelId="{236BADEE-F910-4804-9012-ED039334D253}" type="presParOf" srcId="{A4D08B3B-0E62-4447-9213-70F1A74B869A}" destId="{3403E36A-8DA8-48EA-836B-B1D4C67B47C1}" srcOrd="7" destOrd="0" presId="urn:microsoft.com/office/officeart/2005/8/layout/vList2"/>
+    <dgm:cxn modelId="{09D38916-4F57-4C19-A1FD-1345828B83F9}" type="presParOf" srcId="{A4D08B3B-0E62-4447-9213-70F1A74B869A}" destId="{E23F0068-B35C-4995-B796-EF350D2C4E9D}" srcOrd="8" destOrd="0" presId="urn:microsoft.com/office/officeart/2005/8/layout/vList2"/>
+    <dgm:cxn modelId="{02DA0CCC-53FE-4C9C-B4B4-192C6184F8CB}" type="presParOf" srcId="{A4D08B3B-0E62-4447-9213-70F1A74B869A}" destId="{FC3D0555-5CB9-405C-B5D4-3F9190F75224}" srcOrd="9" destOrd="0" presId="urn:microsoft.com/office/officeart/2005/8/layout/vList2"/>
+    <dgm:cxn modelId="{DB481230-16A7-467A-8EF8-A18F9E3899D9}" type="presParOf" srcId="{A4D08B3B-0E62-4447-9213-70F1A74B869A}" destId="{84D7883C-C6C0-4BB3-9D29-BD13E2E1C582}" srcOrd="10" destOrd="0" presId="urn:microsoft.com/office/officeart/2005/8/layout/vList2"/>
   </dgm:cxnLst>
   <dgm:bg/>
   <dgm:whole/>
@@ -2635,8 +2708,8 @@
       </dsp:nvSpPr>
       <dsp:spPr>
         <a:xfrm>
-          <a:off x="0" y="120967"/>
-          <a:ext cx="6492875" cy="887445"/>
+          <a:off x="0" y="19739"/>
+          <a:ext cx="6492875" cy="767520"/>
         </a:xfrm>
         <a:prstGeom prst="roundRect">
           <a:avLst/>
@@ -2677,12 +2750,12 @@
         </a:fontRef>
       </dsp:style>
       <dsp:txBody>
-        <a:bodyPr spcFirstLastPara="0" vert="horz" wrap="square" lIns="140970" tIns="140970" rIns="140970" bIns="140970" numCol="1" spcCol="1270" anchor="ctr" anchorCtr="0">
+        <a:bodyPr spcFirstLastPara="0" vert="horz" wrap="square" lIns="121920" tIns="121920" rIns="121920" bIns="121920" numCol="1" spcCol="1270" anchor="ctr" anchorCtr="0">
           <a:noAutofit/>
         </a:bodyPr>
         <a:lstStyle/>
         <a:p>
-          <a:pPr marL="0" lvl="0" indent="0" algn="l" defTabSz="1644650">
+          <a:pPr marL="0" lvl="0" indent="0" algn="l" defTabSz="1422400">
             <a:lnSpc>
               <a:spcPct val="90000"/>
             </a:lnSpc>
@@ -2695,15 +2768,15 @@
             <a:buNone/>
           </a:pPr>
           <a:r>
-            <a:rPr lang="fr-FR" sz="3700" b="1" kern="1200"/>
+            <a:rPr lang="fr-FR" sz="3200" b="1" kern="1200"/>
             <a:t>I. Class Diagram </a:t>
           </a:r>
-          <a:endParaRPr lang="en-US" sz="3700" kern="1200"/>
+          <a:endParaRPr lang="en-US" sz="3200" kern="1200"/>
         </a:p>
       </dsp:txBody>
       <dsp:txXfrm>
-        <a:off x="43321" y="164288"/>
-        <a:ext cx="6406233" cy="800803"/>
+        <a:off x="37467" y="57206"/>
+        <a:ext cx="6417941" cy="692586"/>
       </dsp:txXfrm>
     </dsp:sp>
     <dsp:sp modelId="{82CD4AF4-FA40-4F09-ABEB-0F0947031FCE}">
@@ -2713,17 +2786,17 @@
       </dsp:nvSpPr>
       <dsp:spPr>
         <a:xfrm>
-          <a:off x="0" y="1114972"/>
-          <a:ext cx="6492875" cy="887445"/>
+          <a:off x="0" y="879419"/>
+          <a:ext cx="6492875" cy="767520"/>
         </a:xfrm>
         <a:prstGeom prst="roundRect">
           <a:avLst/>
         </a:prstGeom>
         <a:solidFill>
           <a:schemeClr val="accent2">
-            <a:hueOff val="-898490"/>
-            <a:satOff val="6181"/>
-            <a:lumOff val="686"/>
+            <a:hueOff val="-718792"/>
+            <a:satOff val="4944"/>
+            <a:lumOff val="549"/>
             <a:alphaOff val="0"/>
           </a:schemeClr>
         </a:solidFill>
@@ -2755,12 +2828,12 @@
         </a:fontRef>
       </dsp:style>
       <dsp:txBody>
-        <a:bodyPr spcFirstLastPara="0" vert="horz" wrap="square" lIns="140970" tIns="140970" rIns="140970" bIns="140970" numCol="1" spcCol="1270" anchor="ctr" anchorCtr="0">
+        <a:bodyPr spcFirstLastPara="0" vert="horz" wrap="square" lIns="121920" tIns="121920" rIns="121920" bIns="121920" numCol="1" spcCol="1270" anchor="ctr" anchorCtr="0">
           <a:noAutofit/>
         </a:bodyPr>
         <a:lstStyle/>
         <a:p>
-          <a:pPr marL="0" lvl="0" indent="0" algn="l" defTabSz="1644650">
+          <a:pPr marL="0" lvl="0" indent="0" algn="l" defTabSz="1422400">
             <a:lnSpc>
               <a:spcPct val="90000"/>
             </a:lnSpc>
@@ -2773,19 +2846,19 @@
             <a:buNone/>
           </a:pPr>
           <a:r>
-            <a:rPr lang="fr-FR" sz="3700" b="1" kern="1200" dirty="0"/>
+            <a:rPr lang="fr-FR" sz="3200" b="1" kern="1200" dirty="0"/>
             <a:t>II. System </a:t>
           </a:r>
           <a:r>
-            <a:rPr lang="fr-FR" sz="3700" b="1" kern="1200" dirty="0" err="1"/>
+            <a:rPr lang="fr-FR" sz="3200" b="1" kern="1200" dirty="0" err="1"/>
             <a:t>Features</a:t>
           </a:r>
-          <a:endParaRPr lang="en-US" sz="3700" kern="1200" dirty="0"/>
+          <a:endParaRPr lang="en-US" sz="3200" kern="1200" dirty="0"/>
         </a:p>
       </dsp:txBody>
       <dsp:txXfrm>
-        <a:off x="43321" y="1158293"/>
-        <a:ext cx="6406233" cy="800803"/>
+        <a:off x="37467" y="916886"/>
+        <a:ext cx="6417941" cy="692586"/>
       </dsp:txXfrm>
     </dsp:sp>
     <dsp:sp modelId="{61DC6C56-3CB6-4E59-A23D-F3D565666BDA}">
@@ -2795,17 +2868,17 @@
       </dsp:nvSpPr>
       <dsp:spPr>
         <a:xfrm>
-          <a:off x="0" y="2108977"/>
-          <a:ext cx="6492875" cy="887445"/>
+          <a:off x="0" y="1739099"/>
+          <a:ext cx="6492875" cy="767520"/>
         </a:xfrm>
         <a:prstGeom prst="roundRect">
           <a:avLst/>
         </a:prstGeom>
         <a:solidFill>
           <a:schemeClr val="accent2">
-            <a:hueOff val="-1796981"/>
-            <a:satOff val="12361"/>
-            <a:lumOff val="1372"/>
+            <a:hueOff val="-1437584"/>
+            <a:satOff val="9889"/>
+            <a:lumOff val="1098"/>
             <a:alphaOff val="0"/>
           </a:schemeClr>
         </a:solidFill>
@@ -2837,12 +2910,12 @@
         </a:fontRef>
       </dsp:style>
       <dsp:txBody>
-        <a:bodyPr spcFirstLastPara="0" vert="horz" wrap="square" lIns="140970" tIns="140970" rIns="140970" bIns="140970" numCol="1" spcCol="1270" anchor="ctr" anchorCtr="0">
+        <a:bodyPr spcFirstLastPara="0" vert="horz" wrap="square" lIns="121920" tIns="121920" rIns="121920" bIns="121920" numCol="1" spcCol="1270" anchor="ctr" anchorCtr="0">
           <a:noAutofit/>
         </a:bodyPr>
         <a:lstStyle/>
         <a:p>
-          <a:pPr marL="0" lvl="0" indent="0" algn="l" defTabSz="1644650">
+          <a:pPr marL="0" lvl="0" indent="0" algn="l" defTabSz="1422400">
             <a:lnSpc>
               <a:spcPct val="90000"/>
             </a:lnSpc>
@@ -2855,43 +2928,43 @@
             <a:buNone/>
           </a:pPr>
           <a:r>
-            <a:rPr lang="fr-FR" sz="3700" b="1" kern="1200" dirty="0"/>
+            <a:rPr lang="fr-FR" sz="3200" b="1" kern="1200" dirty="0"/>
             <a:t>III. </a:t>
           </a:r>
           <a:r>
-            <a:rPr lang="fr-FR" sz="3700" b="1" kern="1200" dirty="0" err="1"/>
+            <a:rPr lang="fr-FR" sz="3200" b="1" kern="1200" dirty="0" err="1"/>
             <a:t>Sequence</a:t>
           </a:r>
           <a:r>
-            <a:rPr lang="fr-FR" sz="3700" b="1" kern="1200" dirty="0"/>
+            <a:rPr lang="fr-FR" sz="3200" b="1" kern="1200" dirty="0"/>
             <a:t> Diagram</a:t>
           </a:r>
-          <a:endParaRPr lang="en-US" sz="3700" kern="1200" dirty="0"/>
+          <a:endParaRPr lang="en-US" sz="3200" kern="1200" dirty="0"/>
         </a:p>
       </dsp:txBody>
       <dsp:txXfrm>
-        <a:off x="43321" y="2152298"/>
-        <a:ext cx="6406233" cy="800803"/>
+        <a:off x="37467" y="1776566"/>
+        <a:ext cx="6417941" cy="692586"/>
       </dsp:txXfrm>
     </dsp:sp>
-    <dsp:sp modelId="{E23F0068-B35C-4995-B796-EF350D2C4E9D}">
+    <dsp:sp modelId="{489E0305-6467-456F-B5DA-20A31AE19126}">
       <dsp:nvSpPr>
         <dsp:cNvPr id="0" name=""/>
         <dsp:cNvSpPr/>
       </dsp:nvSpPr>
       <dsp:spPr>
         <a:xfrm>
-          <a:off x="0" y="3102982"/>
-          <a:ext cx="6492875" cy="887445"/>
+          <a:off x="0" y="2552700"/>
+          <a:ext cx="6492875" cy="767520"/>
         </a:xfrm>
         <a:prstGeom prst="roundRect">
           <a:avLst/>
         </a:prstGeom>
         <a:solidFill>
           <a:schemeClr val="accent2">
-            <a:hueOff val="-2695471"/>
-            <a:satOff val="18542"/>
-            <a:lumOff val="2058"/>
+            <a:hueOff val="-2156377"/>
+            <a:satOff val="14833"/>
+            <a:lumOff val="1646"/>
             <a:alphaOff val="0"/>
           </a:schemeClr>
         </a:solidFill>
@@ -2923,12 +2996,12 @@
         </a:fontRef>
       </dsp:style>
       <dsp:txBody>
-        <a:bodyPr spcFirstLastPara="0" vert="horz" wrap="square" lIns="140970" tIns="140970" rIns="140970" bIns="140970" numCol="1" spcCol="1270" anchor="ctr" anchorCtr="0">
+        <a:bodyPr spcFirstLastPara="0" vert="horz" wrap="square" lIns="121920" tIns="121920" rIns="121920" bIns="121920" numCol="1" spcCol="1270" anchor="ctr" anchorCtr="0">
           <a:noAutofit/>
         </a:bodyPr>
         <a:lstStyle/>
         <a:p>
-          <a:pPr marL="0" lvl="0" indent="0" algn="l" defTabSz="1644650">
+          <a:pPr marL="0" lvl="0" indent="0" algn="l" defTabSz="1422400">
             <a:lnSpc>
               <a:spcPct val="90000"/>
             </a:lnSpc>
@@ -2941,15 +3014,108 @@
             <a:buNone/>
           </a:pPr>
           <a:r>
-            <a:rPr lang="fr-FR" sz="3700" b="1" kern="1200"/>
-            <a:t>IV. Method of conding in team</a:t>
+            <a:rPr lang="fr-FR" sz="3200" b="1" kern="1200" dirty="0"/>
+            <a:t>IV. </a:t>
           </a:r>
-          <a:endParaRPr lang="en-US" sz="3700" kern="1200"/>
+          <a:r>
+            <a:rPr lang="en-US" sz="3200" kern="1200" dirty="0" err="1"/>
+            <a:t>DataBase</a:t>
+          </a:r>
+          <a:r>
+            <a:rPr lang="en-US" sz="3200" kern="1200" dirty="0"/>
+            <a:t> Design</a:t>
+          </a:r>
         </a:p>
       </dsp:txBody>
       <dsp:txXfrm>
-        <a:off x="43321" y="3146303"/>
-        <a:ext cx="6406233" cy="800803"/>
+        <a:off x="37467" y="2590167"/>
+        <a:ext cx="6417941" cy="692586"/>
+      </dsp:txXfrm>
+    </dsp:sp>
+    <dsp:sp modelId="{E23F0068-B35C-4995-B796-EF350D2C4E9D}">
+      <dsp:nvSpPr>
+        <dsp:cNvPr id="0" name=""/>
+        <dsp:cNvSpPr/>
+      </dsp:nvSpPr>
+      <dsp:spPr>
+        <a:xfrm>
+          <a:off x="0" y="3458460"/>
+          <a:ext cx="6492875" cy="767520"/>
+        </a:xfrm>
+        <a:prstGeom prst="roundRect">
+          <a:avLst/>
+        </a:prstGeom>
+        <a:solidFill>
+          <a:schemeClr val="accent2">
+            <a:hueOff val="-2875169"/>
+            <a:satOff val="19778"/>
+            <a:lumOff val="2195"/>
+            <a:alphaOff val="0"/>
+          </a:schemeClr>
+        </a:solidFill>
+        <a:ln w="15875" cap="rnd" cmpd="sng" algn="ctr">
+          <a:solidFill>
+            <a:schemeClr val="lt1">
+              <a:hueOff val="0"/>
+              <a:satOff val="0"/>
+              <a:lumOff val="0"/>
+              <a:alphaOff val="0"/>
+            </a:schemeClr>
+          </a:solidFill>
+          <a:prstDash val="solid"/>
+        </a:ln>
+        <a:effectLst/>
+      </dsp:spPr>
+      <dsp:style>
+        <a:lnRef idx="2">
+          <a:scrgbClr r="0" g="0" b="0"/>
+        </a:lnRef>
+        <a:fillRef idx="1">
+          <a:scrgbClr r="0" g="0" b="0"/>
+        </a:fillRef>
+        <a:effectRef idx="0">
+          <a:scrgbClr r="0" g="0" b="0"/>
+        </a:effectRef>
+        <a:fontRef idx="minor">
+          <a:schemeClr val="lt1"/>
+        </a:fontRef>
+      </dsp:style>
+      <dsp:txBody>
+        <a:bodyPr spcFirstLastPara="0" vert="horz" wrap="square" lIns="121920" tIns="121920" rIns="121920" bIns="121920" numCol="1" spcCol="1270" anchor="ctr" anchorCtr="0">
+          <a:noAutofit/>
+        </a:bodyPr>
+        <a:lstStyle/>
+        <a:p>
+          <a:pPr marL="0" lvl="0" indent="0" algn="l" defTabSz="1422400">
+            <a:lnSpc>
+              <a:spcPct val="90000"/>
+            </a:lnSpc>
+            <a:spcBef>
+              <a:spcPct val="0"/>
+            </a:spcBef>
+            <a:spcAft>
+              <a:spcPct val="35000"/>
+            </a:spcAft>
+            <a:buNone/>
+          </a:pPr>
+          <a:r>
+            <a:rPr lang="fr-FR" sz="3200" b="1" kern="1200" dirty="0"/>
+            <a:t>V. Method of </a:t>
+          </a:r>
+          <a:r>
+            <a:rPr lang="fr-FR" sz="3200" b="1" kern="1200" dirty="0" err="1"/>
+            <a:t>conding</a:t>
+          </a:r>
+          <a:r>
+            <a:rPr lang="fr-FR" sz="3200" b="1" kern="1200" dirty="0"/>
+            <a:t> in team</a:t>
+          </a:r>
+          <a:endParaRPr lang="en-US" sz="3200" kern="1200" dirty="0"/>
+        </a:p>
+      </dsp:txBody>
+      <dsp:txXfrm>
+        <a:off x="37467" y="3495927"/>
+        <a:ext cx="6417941" cy="692586"/>
       </dsp:txXfrm>
     </dsp:sp>
     <dsp:sp modelId="{84D7883C-C6C0-4BB3-9D29-BD13E2E1C582}">
@@ -2959,8 +3125,8 @@
       </dsp:nvSpPr>
       <dsp:spPr>
         <a:xfrm>
-          <a:off x="0" y="4096987"/>
-          <a:ext cx="6492875" cy="887445"/>
+          <a:off x="0" y="4318140"/>
+          <a:ext cx="6492875" cy="767520"/>
         </a:xfrm>
         <a:prstGeom prst="roundRect">
           <a:avLst/>
@@ -3001,12 +3167,12 @@
         </a:fontRef>
       </dsp:style>
       <dsp:txBody>
-        <a:bodyPr spcFirstLastPara="0" vert="horz" wrap="square" lIns="140970" tIns="140970" rIns="140970" bIns="140970" numCol="1" spcCol="1270" anchor="ctr" anchorCtr="0">
+        <a:bodyPr spcFirstLastPara="0" vert="horz" wrap="square" lIns="121920" tIns="121920" rIns="121920" bIns="121920" numCol="1" spcCol="1270" anchor="ctr" anchorCtr="0">
           <a:noAutofit/>
         </a:bodyPr>
         <a:lstStyle/>
         <a:p>
-          <a:pPr marL="0" lvl="0" indent="0" algn="l" defTabSz="1644650">
+          <a:pPr marL="0" lvl="0" indent="0" algn="l" defTabSz="1422400">
             <a:lnSpc>
               <a:spcPct val="90000"/>
             </a:lnSpc>
@@ -3019,15 +3185,19 @@
             <a:buNone/>
           </a:pPr>
           <a:r>
-            <a:rPr lang="fr-FR" sz="3700" b="1" kern="1200"/>
-            <a:t>V. Application Demo</a:t>
+            <a:rPr lang="fr-FR" sz="3200" b="1" kern="1200" dirty="0"/>
+            <a:t>VI. Application </a:t>
           </a:r>
-          <a:endParaRPr lang="en-US" sz="3700" kern="1200"/>
+          <a:r>
+            <a:rPr lang="fr-FR" sz="3200" b="1" kern="1200" dirty="0" err="1"/>
+            <a:t>Demo</a:t>
+          </a:r>
+          <a:endParaRPr lang="en-US" sz="3200" kern="1200" dirty="0"/>
         </a:p>
       </dsp:txBody>
       <dsp:txXfrm>
-        <a:off x="43321" y="4140308"/>
-        <a:ext cx="6406233" cy="800803"/>
+        <a:off x="37467" y="4355607"/>
+        <a:ext cx="6417941" cy="692586"/>
       </dsp:txXfrm>
     </dsp:sp>
   </dsp:spTree>
@@ -16965,7 +17135,7 @@
             <p:ph idx="1"/>
             <p:extLst>
               <p:ext uri="{D42A27DB-BD31-4B8C-83A1-F6EECF244321}">
-                <p14:modId xmlns:p14="http://schemas.microsoft.com/office/powerpoint/2010/main" val="1941904266"/>
+                <p14:modId xmlns:p14="http://schemas.microsoft.com/office/powerpoint/2010/main" val="1376287450"/>
               </p:ext>
             </p:extLst>
           </p:nvPr>

--- a/src/Additional/Presentation/PresentationAirlineReservationSystem.pptx
+++ b/src/Additional/Presentation/PresentationAirlineReservationSystem.pptx
@@ -10,18 +10,20 @@
     <p:sldId id="258" r:id="rId4"/>
     <p:sldId id="273" r:id="rId5"/>
     <p:sldId id="259" r:id="rId6"/>
-    <p:sldId id="283" r:id="rId7"/>
-    <p:sldId id="260" r:id="rId8"/>
-    <p:sldId id="286" r:id="rId9"/>
-    <p:sldId id="287" r:id="rId10"/>
-    <p:sldId id="289" r:id="rId11"/>
-    <p:sldId id="290" r:id="rId12"/>
-    <p:sldId id="292" r:id="rId13"/>
-    <p:sldId id="291" r:id="rId14"/>
-    <p:sldId id="261" r:id="rId15"/>
-    <p:sldId id="288" r:id="rId16"/>
-    <p:sldId id="274" r:id="rId17"/>
-    <p:sldId id="284" r:id="rId18"/>
+    <p:sldId id="294" r:id="rId7"/>
+    <p:sldId id="293" r:id="rId8"/>
+    <p:sldId id="283" r:id="rId9"/>
+    <p:sldId id="260" r:id="rId10"/>
+    <p:sldId id="286" r:id="rId11"/>
+    <p:sldId id="287" r:id="rId12"/>
+    <p:sldId id="289" r:id="rId13"/>
+    <p:sldId id="290" r:id="rId14"/>
+    <p:sldId id="292" r:id="rId15"/>
+    <p:sldId id="291" r:id="rId16"/>
+    <p:sldId id="261" r:id="rId17"/>
+    <p:sldId id="288" r:id="rId18"/>
+    <p:sldId id="274" r:id="rId19"/>
+    <p:sldId id="284" r:id="rId20"/>
   </p:sldIdLst>
   <p:sldSz cx="12192000" cy="6858000"/>
   <p:notesSz cx="6858000" cy="9144000"/>
@@ -1725,10 +1727,10 @@
         <a:lstStyle/>
         <a:p>
           <a:r>
-            <a:rPr lang="fr-FR" b="1"/>
+            <a:rPr lang="fr-FR" b="1" dirty="0"/>
             <a:t>I. Class Diagram </a:t>
           </a:r>
-          <a:endParaRPr lang="en-US"/>
+          <a:endParaRPr lang="en-US" dirty="0"/>
         </a:p>
       </dgm:t>
     </dgm:pt>
@@ -1763,7 +1765,7 @@
         <a:p>
           <a:r>
             <a:rPr lang="fr-FR" b="1" dirty="0"/>
-            <a:t>II. System </a:t>
+            <a:t>III. System </a:t>
           </a:r>
           <a:r>
             <a:rPr lang="fr-FR" b="1" dirty="0" err="1"/>
@@ -1804,7 +1806,7 @@
         <a:p>
           <a:r>
             <a:rPr lang="fr-FR" b="1" dirty="0"/>
-            <a:t>III. </a:t>
+            <a:t>IV. </a:t>
           </a:r>
           <a:r>
             <a:rPr lang="fr-FR" b="1" dirty="0" err="1"/>
@@ -1849,7 +1851,7 @@
         <a:p>
           <a:r>
             <a:rPr lang="fr-FR" b="1" dirty="0"/>
-            <a:t>V. Method of </a:t>
+            <a:t>VI. Method of </a:t>
           </a:r>
           <a:r>
             <a:rPr lang="fr-FR" b="1" dirty="0" err="1"/>
@@ -1894,7 +1896,7 @@
         <a:p>
           <a:r>
             <a:rPr lang="fr-FR" b="1" dirty="0"/>
-            <a:t>VI. Application </a:t>
+            <a:t>VII. Application </a:t>
           </a:r>
           <a:r>
             <a:rPr lang="fr-FR" b="1" dirty="0" err="1"/>
@@ -1935,14 +1937,14 @@
         <a:p>
           <a:r>
             <a:rPr lang="fr-FR" b="1" dirty="0"/>
-            <a:t>IV. </a:t>
+            <a:t>V. </a:t>
           </a:r>
           <a:r>
-            <a:rPr lang="en-US" dirty="0" err="1"/>
+            <a:rPr lang="en-US" b="1" dirty="0" err="1"/>
             <a:t>DataBase</a:t>
           </a:r>
           <a:r>
-            <a:rPr lang="en-US" dirty="0"/>
+            <a:rPr lang="en-US" b="1" dirty="0"/>
             <a:t> Design</a:t>
           </a:r>
         </a:p>
@@ -1970,6 +1972,43 @@
         </a:p>
       </dgm:t>
     </dgm:pt>
+    <dgm:pt modelId="{F4642EA4-42BD-4B88-B132-853840F3885E}">
+      <dgm:prSet/>
+      <dgm:spPr/>
+      <dgm:t>
+        <a:bodyPr/>
+        <a:lstStyle/>
+        <a:p>
+          <a:r>
+            <a:rPr lang="fr-FR" b="1" dirty="0"/>
+            <a:t>II Use Case Diagram</a:t>
+          </a:r>
+          <a:endParaRPr lang="en-US" dirty="0"/>
+        </a:p>
+      </dgm:t>
+    </dgm:pt>
+    <dgm:pt modelId="{BD5BD7C3-73AA-4BEF-B377-0CBAA6254BE7}" type="parTrans" cxnId="{5AD7865C-5729-46F8-80C3-A98BF2FD0863}">
+      <dgm:prSet/>
+      <dgm:spPr/>
+      <dgm:t>
+        <a:bodyPr/>
+        <a:lstStyle/>
+        <a:p>
+          <a:endParaRPr lang="en-US"/>
+        </a:p>
+      </dgm:t>
+    </dgm:pt>
+    <dgm:pt modelId="{5451A6C0-B55B-470B-B268-A9A7BC356BE7}" type="sibTrans" cxnId="{5AD7865C-5729-46F8-80C3-A98BF2FD0863}">
+      <dgm:prSet/>
+      <dgm:spPr/>
+      <dgm:t>
+        <a:bodyPr/>
+        <a:lstStyle/>
+        <a:p>
+          <a:endParaRPr lang="en-US"/>
+        </a:p>
+      </dgm:t>
+    </dgm:pt>
     <dgm:pt modelId="{A4D08B3B-0E62-4447-9213-70F1A74B869A}" type="pres">
       <dgm:prSet presAssocID="{433D23DA-79AB-4A17-9B70-11C62AB080DA}" presName="linear" presStyleCnt="0">
         <dgm:presLayoutVars>
@@ -1980,7 +2019,7 @@
       <dgm:spPr/>
     </dgm:pt>
     <dgm:pt modelId="{B0A1FAF7-3590-4A7D-B8EA-9E231ECE056C}" type="pres">
-      <dgm:prSet presAssocID="{C639E17D-CA0C-4A8A-9ACD-CC6EF7E890EF}" presName="parentText" presStyleLbl="node1" presStyleIdx="0" presStyleCnt="6">
+      <dgm:prSet presAssocID="{C639E17D-CA0C-4A8A-9ACD-CC6EF7E890EF}" presName="parentText" presStyleLbl="node1" presStyleIdx="0" presStyleCnt="7">
         <dgm:presLayoutVars>
           <dgm:chMax val="0"/>
           <dgm:bulletEnabled val="1"/>
@@ -1992,8 +2031,21 @@
       <dgm:prSet presAssocID="{468315FB-C426-47BF-9CFB-DB65E3ED5E89}" presName="spacer" presStyleCnt="0"/>
       <dgm:spPr/>
     </dgm:pt>
+    <dgm:pt modelId="{04E7E8C3-84D0-4FE6-8C6B-258B6AD9002C}" type="pres">
+      <dgm:prSet presAssocID="{F4642EA4-42BD-4B88-B132-853840F3885E}" presName="parentText" presStyleLbl="node1" presStyleIdx="1" presStyleCnt="7">
+        <dgm:presLayoutVars>
+          <dgm:chMax val="0"/>
+          <dgm:bulletEnabled val="1"/>
+        </dgm:presLayoutVars>
+      </dgm:prSet>
+      <dgm:spPr/>
+    </dgm:pt>
+    <dgm:pt modelId="{8B53D5A1-F3C3-4503-AB44-5B14FD7EDA76}" type="pres">
+      <dgm:prSet presAssocID="{5451A6C0-B55B-470B-B268-A9A7BC356BE7}" presName="spacer" presStyleCnt="0"/>
+      <dgm:spPr/>
+    </dgm:pt>
     <dgm:pt modelId="{82CD4AF4-FA40-4F09-ABEB-0F0947031FCE}" type="pres">
-      <dgm:prSet presAssocID="{2556C963-2523-44F5-B227-63ED7F0ABCBE}" presName="parentText" presStyleLbl="node1" presStyleIdx="1" presStyleCnt="6">
+      <dgm:prSet presAssocID="{2556C963-2523-44F5-B227-63ED7F0ABCBE}" presName="parentText" presStyleLbl="node1" presStyleIdx="2" presStyleCnt="7">
         <dgm:presLayoutVars>
           <dgm:chMax val="0"/>
           <dgm:bulletEnabled val="1"/>
@@ -2006,7 +2058,7 @@
       <dgm:spPr/>
     </dgm:pt>
     <dgm:pt modelId="{61DC6C56-3CB6-4E59-A23D-F3D565666BDA}" type="pres">
-      <dgm:prSet presAssocID="{2F740643-1B03-46F6-A62F-75AAA3D4ABDE}" presName="parentText" presStyleLbl="node1" presStyleIdx="2" presStyleCnt="6">
+      <dgm:prSet presAssocID="{2F740643-1B03-46F6-A62F-75AAA3D4ABDE}" presName="parentText" presStyleLbl="node1" presStyleIdx="3" presStyleCnt="7">
         <dgm:presLayoutVars>
           <dgm:chMax val="0"/>
           <dgm:bulletEnabled val="1"/>
@@ -2019,7 +2071,7 @@
       <dgm:spPr/>
     </dgm:pt>
     <dgm:pt modelId="{489E0305-6467-456F-B5DA-20A31AE19126}" type="pres">
-      <dgm:prSet presAssocID="{1E237DB1-B31F-4D34-ABE0-09B45E794058}" presName="parentText" presStyleLbl="node1" presStyleIdx="3" presStyleCnt="6" custLinFactNeighborX="-1100" custLinFactNeighborY="-50000">
+      <dgm:prSet presAssocID="{1E237DB1-B31F-4D34-ABE0-09B45E794058}" presName="parentText" presStyleLbl="node1" presStyleIdx="4" presStyleCnt="7" custLinFactNeighborX="-1100" custLinFactNeighborY="-50000">
         <dgm:presLayoutVars>
           <dgm:chMax val="0"/>
           <dgm:bulletEnabled val="1"/>
@@ -2032,7 +2084,7 @@
       <dgm:spPr/>
     </dgm:pt>
     <dgm:pt modelId="{E23F0068-B35C-4995-B796-EF350D2C4E9D}" type="pres">
-      <dgm:prSet presAssocID="{7D9AA5B7-4199-4524-8D05-80008AA0B4B2}" presName="parentText" presStyleLbl="node1" presStyleIdx="4" presStyleCnt="6">
+      <dgm:prSet presAssocID="{7D9AA5B7-4199-4524-8D05-80008AA0B4B2}" presName="parentText" presStyleLbl="node1" presStyleIdx="5" presStyleCnt="7">
         <dgm:presLayoutVars>
           <dgm:chMax val="0"/>
           <dgm:bulletEnabled val="1"/>
@@ -2045,7 +2097,7 @@
       <dgm:spPr/>
     </dgm:pt>
     <dgm:pt modelId="{84D7883C-C6C0-4BB3-9D29-BD13E2E1C582}" type="pres">
-      <dgm:prSet presAssocID="{FA294663-CE12-457B-AEBF-6240D835D575}" presName="parentText" presStyleLbl="node1" presStyleIdx="5" presStyleCnt="6">
+      <dgm:prSet presAssocID="{FA294663-CE12-457B-AEBF-6240D835D575}" presName="parentText" presStyleLbl="node1" presStyleIdx="6" presStyleCnt="7">
         <dgm:presLayoutVars>
           <dgm:chMax val="0"/>
           <dgm:bulletEnabled val="1"/>
@@ -2056,29 +2108,33 @@
   </dgm:ptLst>
   <dgm:cxnLst>
     <dgm:cxn modelId="{929BD901-88D5-4C12-8C26-BC9185897950}" type="presOf" srcId="{433D23DA-79AB-4A17-9B70-11C62AB080DA}" destId="{A4D08B3B-0E62-4447-9213-70F1A74B869A}" srcOrd="0" destOrd="0" presId="urn:microsoft.com/office/officeart/2005/8/layout/vList2"/>
-    <dgm:cxn modelId="{FD5EE10B-CC0B-4AC1-9191-6DD92DC2B108}" srcId="{433D23DA-79AB-4A17-9B70-11C62AB080DA}" destId="{2556C963-2523-44F5-B227-63ED7F0ABCBE}" srcOrd="1" destOrd="0" parTransId="{649EAD7C-CC57-4AB9-AE5F-79295EBE911D}" sibTransId="{A893461A-A25E-496C-904A-C800C13398A9}"/>
+    <dgm:cxn modelId="{FD5EE10B-CC0B-4AC1-9191-6DD92DC2B108}" srcId="{433D23DA-79AB-4A17-9B70-11C62AB080DA}" destId="{2556C963-2523-44F5-B227-63ED7F0ABCBE}" srcOrd="2" destOrd="0" parTransId="{649EAD7C-CC57-4AB9-AE5F-79295EBE911D}" sibTransId="{A893461A-A25E-496C-904A-C800C13398A9}"/>
     <dgm:cxn modelId="{31E3661C-6110-4C50-88DB-0A686F920702}" type="presOf" srcId="{7D9AA5B7-4199-4524-8D05-80008AA0B4B2}" destId="{E23F0068-B35C-4995-B796-EF350D2C4E9D}" srcOrd="0" destOrd="0" presId="urn:microsoft.com/office/officeart/2005/8/layout/vList2"/>
     <dgm:cxn modelId="{92FE1E2B-E1FD-46B0-B205-FE05A0B43A0F}" srcId="{433D23DA-79AB-4A17-9B70-11C62AB080DA}" destId="{C639E17D-CA0C-4A8A-9ACD-CC6EF7E890EF}" srcOrd="0" destOrd="0" parTransId="{BDAA597E-1A4B-4684-98DC-9DBC85E0B894}" sibTransId="{468315FB-C426-47BF-9CFB-DB65E3ED5E89}"/>
-    <dgm:cxn modelId="{FED7E32B-99AD-48A4-8A10-2B58089B4F3F}" srcId="{433D23DA-79AB-4A17-9B70-11C62AB080DA}" destId="{7D9AA5B7-4199-4524-8D05-80008AA0B4B2}" srcOrd="4" destOrd="0" parTransId="{87DFA350-2D61-477E-9C10-3932AC68E958}" sibTransId="{CE6660A0-B2BE-4B43-886D-E2808B92AA62}"/>
+    <dgm:cxn modelId="{FED7E32B-99AD-48A4-8A10-2B58089B4F3F}" srcId="{433D23DA-79AB-4A17-9B70-11C62AB080DA}" destId="{7D9AA5B7-4199-4524-8D05-80008AA0B4B2}" srcOrd="5" destOrd="0" parTransId="{87DFA350-2D61-477E-9C10-3932AC68E958}" sibTransId="{CE6660A0-B2BE-4B43-886D-E2808B92AA62}"/>
     <dgm:cxn modelId="{1C394137-9B6E-4DD9-859C-8E9B6F7EF72A}" type="presOf" srcId="{1E237DB1-B31F-4D34-ABE0-09B45E794058}" destId="{489E0305-6467-456F-B5DA-20A31AE19126}" srcOrd="0" destOrd="0" presId="urn:microsoft.com/office/officeart/2005/8/layout/vList2"/>
+    <dgm:cxn modelId="{5AD7865C-5729-46F8-80C3-A98BF2FD0863}" srcId="{433D23DA-79AB-4A17-9B70-11C62AB080DA}" destId="{F4642EA4-42BD-4B88-B132-853840F3885E}" srcOrd="1" destOrd="0" parTransId="{BD5BD7C3-73AA-4BEF-B377-0CBAA6254BE7}" sibTransId="{5451A6C0-B55B-470B-B268-A9A7BC356BE7}"/>
     <dgm:cxn modelId="{568E1762-B676-4B5A-8BDB-7E8C7F00A452}" type="presOf" srcId="{FA294663-CE12-457B-AEBF-6240D835D575}" destId="{84D7883C-C6C0-4BB3-9D29-BD13E2E1C582}" srcOrd="0" destOrd="0" presId="urn:microsoft.com/office/officeart/2005/8/layout/vList2"/>
     <dgm:cxn modelId="{EBBB068A-7CE8-460B-A3B0-95DF7068B932}" type="presOf" srcId="{2556C963-2523-44F5-B227-63ED7F0ABCBE}" destId="{82CD4AF4-FA40-4F09-ABEB-0F0947031FCE}" srcOrd="0" destOrd="0" presId="urn:microsoft.com/office/officeart/2005/8/layout/vList2"/>
-    <dgm:cxn modelId="{3B7DC38D-87EA-4BFC-8C96-FB71B1C34D15}" srcId="{433D23DA-79AB-4A17-9B70-11C62AB080DA}" destId="{2F740643-1B03-46F6-A62F-75AAA3D4ABDE}" srcOrd="2" destOrd="0" parTransId="{BAFCD2E2-8826-4C78-B92C-3EB204B83F9C}" sibTransId="{1C09E3DC-8154-4AD3-805C-9A2608A62053}"/>
-    <dgm:cxn modelId="{CFC16195-F4DA-4C3D-9B8B-44299602CAB3}" srcId="{433D23DA-79AB-4A17-9B70-11C62AB080DA}" destId="{1E237DB1-B31F-4D34-ABE0-09B45E794058}" srcOrd="3" destOrd="0" parTransId="{7DD0AFA9-162A-4F4E-9F15-264E42A5A124}" sibTransId="{AAE64610-0BC1-4E0B-86A7-041C664CAC9B}"/>
-    <dgm:cxn modelId="{E97392AA-54F3-4C6C-995B-013A4BD0147B}" srcId="{433D23DA-79AB-4A17-9B70-11C62AB080DA}" destId="{FA294663-CE12-457B-AEBF-6240D835D575}" srcOrd="5" destOrd="0" parTransId="{56845AA5-9AF3-4A82-AA76-7DD5E21E2227}" sibTransId="{A0AB9431-6D9C-4DF1-98F6-301853F0C5EF}"/>
+    <dgm:cxn modelId="{3B7DC38D-87EA-4BFC-8C96-FB71B1C34D15}" srcId="{433D23DA-79AB-4A17-9B70-11C62AB080DA}" destId="{2F740643-1B03-46F6-A62F-75AAA3D4ABDE}" srcOrd="3" destOrd="0" parTransId="{BAFCD2E2-8826-4C78-B92C-3EB204B83F9C}" sibTransId="{1C09E3DC-8154-4AD3-805C-9A2608A62053}"/>
+    <dgm:cxn modelId="{CFC16195-F4DA-4C3D-9B8B-44299602CAB3}" srcId="{433D23DA-79AB-4A17-9B70-11C62AB080DA}" destId="{1E237DB1-B31F-4D34-ABE0-09B45E794058}" srcOrd="4" destOrd="0" parTransId="{7DD0AFA9-162A-4F4E-9F15-264E42A5A124}" sibTransId="{AAE64610-0BC1-4E0B-86A7-041C664CAC9B}"/>
+    <dgm:cxn modelId="{E97392AA-54F3-4C6C-995B-013A4BD0147B}" srcId="{433D23DA-79AB-4A17-9B70-11C62AB080DA}" destId="{FA294663-CE12-457B-AEBF-6240D835D575}" srcOrd="6" destOrd="0" parTransId="{56845AA5-9AF3-4A82-AA76-7DD5E21E2227}" sibTransId="{A0AB9431-6D9C-4DF1-98F6-301853F0C5EF}"/>
     <dgm:cxn modelId="{85A4E1C0-D02A-4EBE-8205-34273D4D619B}" type="presOf" srcId="{C639E17D-CA0C-4A8A-9ACD-CC6EF7E890EF}" destId="{B0A1FAF7-3590-4A7D-B8EA-9E231ECE056C}" srcOrd="0" destOrd="0" presId="urn:microsoft.com/office/officeart/2005/8/layout/vList2"/>
+    <dgm:cxn modelId="{189145C7-4836-4D40-A549-0F04FC7F1518}" type="presOf" srcId="{F4642EA4-42BD-4B88-B132-853840F3885E}" destId="{04E7E8C3-84D0-4FE6-8C6B-258B6AD9002C}" srcOrd="0" destOrd="0" presId="urn:microsoft.com/office/officeart/2005/8/layout/vList2"/>
     <dgm:cxn modelId="{6D2575D5-78BD-40BA-B38B-8B34947B415F}" type="presOf" srcId="{2F740643-1B03-46F6-A62F-75AAA3D4ABDE}" destId="{61DC6C56-3CB6-4E59-A23D-F3D565666BDA}" srcOrd="0" destOrd="0" presId="urn:microsoft.com/office/officeart/2005/8/layout/vList2"/>
     <dgm:cxn modelId="{8F24E6C7-5351-4CDF-B7AF-5EC9EB11E3D5}" type="presParOf" srcId="{A4D08B3B-0E62-4447-9213-70F1A74B869A}" destId="{B0A1FAF7-3590-4A7D-B8EA-9E231ECE056C}" srcOrd="0" destOrd="0" presId="urn:microsoft.com/office/officeart/2005/8/layout/vList2"/>
     <dgm:cxn modelId="{582B6E73-F818-44EF-A43B-39A937EFF2C5}" type="presParOf" srcId="{A4D08B3B-0E62-4447-9213-70F1A74B869A}" destId="{7B0B1C9B-E44D-4E5A-9E8A-B613542CC191}" srcOrd="1" destOrd="0" presId="urn:microsoft.com/office/officeart/2005/8/layout/vList2"/>
-    <dgm:cxn modelId="{488B0713-0614-44A5-AD49-F44DD9CE7872}" type="presParOf" srcId="{A4D08B3B-0E62-4447-9213-70F1A74B869A}" destId="{82CD4AF4-FA40-4F09-ABEB-0F0947031FCE}" srcOrd="2" destOrd="0" presId="urn:microsoft.com/office/officeart/2005/8/layout/vList2"/>
-    <dgm:cxn modelId="{B7686FB7-1834-4061-B374-F1588F478C45}" type="presParOf" srcId="{A4D08B3B-0E62-4447-9213-70F1A74B869A}" destId="{7C3CCA28-CCAF-4E4A-8A0A-6B137E26A4AC}" srcOrd="3" destOrd="0" presId="urn:microsoft.com/office/officeart/2005/8/layout/vList2"/>
-    <dgm:cxn modelId="{C2BA2C4F-2FF5-4D32-B05C-1ED294A215C5}" type="presParOf" srcId="{A4D08B3B-0E62-4447-9213-70F1A74B869A}" destId="{61DC6C56-3CB6-4E59-A23D-F3D565666BDA}" srcOrd="4" destOrd="0" presId="urn:microsoft.com/office/officeart/2005/8/layout/vList2"/>
-    <dgm:cxn modelId="{3C8996FB-3A9B-4FED-BF79-98B19F5943AB}" type="presParOf" srcId="{A4D08B3B-0E62-4447-9213-70F1A74B869A}" destId="{676DBFF7-3965-4956-ADD4-E2B93C13BF22}" srcOrd="5" destOrd="0" presId="urn:microsoft.com/office/officeart/2005/8/layout/vList2"/>
-    <dgm:cxn modelId="{C8199773-9770-4BC7-8EAF-0633998D44A1}" type="presParOf" srcId="{A4D08B3B-0E62-4447-9213-70F1A74B869A}" destId="{489E0305-6467-456F-B5DA-20A31AE19126}" srcOrd="6" destOrd="0" presId="urn:microsoft.com/office/officeart/2005/8/layout/vList2"/>
-    <dgm:cxn modelId="{236BADEE-F910-4804-9012-ED039334D253}" type="presParOf" srcId="{A4D08B3B-0E62-4447-9213-70F1A74B869A}" destId="{3403E36A-8DA8-48EA-836B-B1D4C67B47C1}" srcOrd="7" destOrd="0" presId="urn:microsoft.com/office/officeart/2005/8/layout/vList2"/>
-    <dgm:cxn modelId="{09D38916-4F57-4C19-A1FD-1345828B83F9}" type="presParOf" srcId="{A4D08B3B-0E62-4447-9213-70F1A74B869A}" destId="{E23F0068-B35C-4995-B796-EF350D2C4E9D}" srcOrd="8" destOrd="0" presId="urn:microsoft.com/office/officeart/2005/8/layout/vList2"/>
-    <dgm:cxn modelId="{02DA0CCC-53FE-4C9C-B4B4-192C6184F8CB}" type="presParOf" srcId="{A4D08B3B-0E62-4447-9213-70F1A74B869A}" destId="{FC3D0555-5CB9-405C-B5D4-3F9190F75224}" srcOrd="9" destOrd="0" presId="urn:microsoft.com/office/officeart/2005/8/layout/vList2"/>
-    <dgm:cxn modelId="{DB481230-16A7-467A-8EF8-A18F9E3899D9}" type="presParOf" srcId="{A4D08B3B-0E62-4447-9213-70F1A74B869A}" destId="{84D7883C-C6C0-4BB3-9D29-BD13E2E1C582}" srcOrd="10" destOrd="0" presId="urn:microsoft.com/office/officeart/2005/8/layout/vList2"/>
+    <dgm:cxn modelId="{9FD9AFAD-A3F6-453A-8E0B-50D3701422B5}" type="presParOf" srcId="{A4D08B3B-0E62-4447-9213-70F1A74B869A}" destId="{04E7E8C3-84D0-4FE6-8C6B-258B6AD9002C}" srcOrd="2" destOrd="0" presId="urn:microsoft.com/office/officeart/2005/8/layout/vList2"/>
+    <dgm:cxn modelId="{43A98313-9A61-4DF8-9442-A6C42CD1537D}" type="presParOf" srcId="{A4D08B3B-0E62-4447-9213-70F1A74B869A}" destId="{8B53D5A1-F3C3-4503-AB44-5B14FD7EDA76}" srcOrd="3" destOrd="0" presId="urn:microsoft.com/office/officeart/2005/8/layout/vList2"/>
+    <dgm:cxn modelId="{488B0713-0614-44A5-AD49-F44DD9CE7872}" type="presParOf" srcId="{A4D08B3B-0E62-4447-9213-70F1A74B869A}" destId="{82CD4AF4-FA40-4F09-ABEB-0F0947031FCE}" srcOrd="4" destOrd="0" presId="urn:microsoft.com/office/officeart/2005/8/layout/vList2"/>
+    <dgm:cxn modelId="{B7686FB7-1834-4061-B374-F1588F478C45}" type="presParOf" srcId="{A4D08B3B-0E62-4447-9213-70F1A74B869A}" destId="{7C3CCA28-CCAF-4E4A-8A0A-6B137E26A4AC}" srcOrd="5" destOrd="0" presId="urn:microsoft.com/office/officeart/2005/8/layout/vList2"/>
+    <dgm:cxn modelId="{C2BA2C4F-2FF5-4D32-B05C-1ED294A215C5}" type="presParOf" srcId="{A4D08B3B-0E62-4447-9213-70F1A74B869A}" destId="{61DC6C56-3CB6-4E59-A23D-F3D565666BDA}" srcOrd="6" destOrd="0" presId="urn:microsoft.com/office/officeart/2005/8/layout/vList2"/>
+    <dgm:cxn modelId="{3C8996FB-3A9B-4FED-BF79-98B19F5943AB}" type="presParOf" srcId="{A4D08B3B-0E62-4447-9213-70F1A74B869A}" destId="{676DBFF7-3965-4956-ADD4-E2B93C13BF22}" srcOrd="7" destOrd="0" presId="urn:microsoft.com/office/officeart/2005/8/layout/vList2"/>
+    <dgm:cxn modelId="{C8199773-9770-4BC7-8EAF-0633998D44A1}" type="presParOf" srcId="{A4D08B3B-0E62-4447-9213-70F1A74B869A}" destId="{489E0305-6467-456F-B5DA-20A31AE19126}" srcOrd="8" destOrd="0" presId="urn:microsoft.com/office/officeart/2005/8/layout/vList2"/>
+    <dgm:cxn modelId="{236BADEE-F910-4804-9012-ED039334D253}" type="presParOf" srcId="{A4D08B3B-0E62-4447-9213-70F1A74B869A}" destId="{3403E36A-8DA8-48EA-836B-B1D4C67B47C1}" srcOrd="9" destOrd="0" presId="urn:microsoft.com/office/officeart/2005/8/layout/vList2"/>
+    <dgm:cxn modelId="{09D38916-4F57-4C19-A1FD-1345828B83F9}" type="presParOf" srcId="{A4D08B3B-0E62-4447-9213-70F1A74B869A}" destId="{E23F0068-B35C-4995-B796-EF350D2C4E9D}" srcOrd="10" destOrd="0" presId="urn:microsoft.com/office/officeart/2005/8/layout/vList2"/>
+    <dgm:cxn modelId="{02DA0CCC-53FE-4C9C-B4B4-192C6184F8CB}" type="presParOf" srcId="{A4D08B3B-0E62-4447-9213-70F1A74B869A}" destId="{FC3D0555-5CB9-405C-B5D4-3F9190F75224}" srcOrd="11" destOrd="0" presId="urn:microsoft.com/office/officeart/2005/8/layout/vList2"/>
+    <dgm:cxn modelId="{DB481230-16A7-467A-8EF8-A18F9E3899D9}" type="presParOf" srcId="{A4D08B3B-0E62-4447-9213-70F1A74B869A}" destId="{84D7883C-C6C0-4BB3-9D29-BD13E2E1C582}" srcOrd="12" destOrd="0" presId="urn:microsoft.com/office/officeart/2005/8/layout/vList2"/>
   </dgm:cxnLst>
   <dgm:bg/>
   <dgm:whole/>
@@ -2094,7 +2150,7 @@
 <dgm:dataModel xmlns:dgm="http://schemas.openxmlformats.org/drawingml/2006/diagram" xmlns:a="http://schemas.openxmlformats.org/drawingml/2006/main">
   <dgm:ptLst>
     <dgm:pt modelId="{780891F9-DF78-4D74-B714-7779D95D1352}" type="doc">
-      <dgm:prSet loTypeId="urn:microsoft.com/office/officeart/2005/8/layout/vList2" loCatId="list" qsTypeId="urn:microsoft.com/office/officeart/2005/8/quickstyle/simple1" qsCatId="simple" csTypeId="urn:microsoft.com/office/officeart/2005/8/colors/colorful5" csCatId="colorful"/>
+      <dgm:prSet loTypeId="urn:microsoft.com/office/officeart/2005/8/layout/vList2" loCatId="list" qsTypeId="urn:microsoft.com/office/officeart/2005/8/quickstyle/simple1" qsCatId="simple" csTypeId="urn:microsoft.com/office/officeart/2005/8/colors/colorful5" csCatId="colorful" phldr="1"/>
       <dgm:spPr/>
       <dgm:t>
         <a:bodyPr/>
@@ -2112,8 +2168,28 @@
         <a:lstStyle/>
         <a:p>
           <a:r>
-            <a:rPr lang="fr-FR"/>
-            <a:t>View the list of all airports </a:t>
+            <a:rPr lang="fr-FR" dirty="0" err="1"/>
+            <a:t>View</a:t>
+          </a:r>
+          <a:r>
+            <a:rPr lang="fr-FR" dirty="0"/>
+            <a:t> the </a:t>
+          </a:r>
+          <a:r>
+            <a:rPr lang="fr-FR" dirty="0" err="1"/>
+            <a:t>list</a:t>
+          </a:r>
+          <a:r>
+            <a:rPr lang="fr-FR" dirty="0"/>
+            <a:t> of all </a:t>
+          </a:r>
+          <a:r>
+            <a:rPr lang="fr-FR" dirty="0" err="1"/>
+            <a:t>airports</a:t>
+          </a:r>
+          <a:r>
+            <a:rPr lang="fr-FR" dirty="0"/>
+            <a:t> </a:t>
           </a:r>
         </a:p>
       </dgm:t>
@@ -2505,6 +2581,51 @@
         </a:p>
       </dgm:t>
     </dgm:pt>
+    <dgm:pt modelId="{D665E577-0CF1-4F40-AEEA-7FE957548956}">
+      <dgm:prSet/>
+      <dgm:spPr/>
+      <dgm:t>
+        <a:bodyPr/>
+        <a:lstStyle/>
+        <a:p>
+          <a:r>
+            <a:rPr lang="en-US" b="0" i="0" dirty="0"/>
+            <a:t>Log-In Page (Passenger , Agent , </a:t>
+          </a:r>
+          <a:r>
+            <a:rPr lang="en-US" b="0" i="0" dirty="0" err="1"/>
+            <a:t>Admim</a:t>
+          </a:r>
+          <a:r>
+            <a:rPr lang="en-US" b="0" i="0" dirty="0"/>
+            <a:t>)</a:t>
+          </a:r>
+          <a:endParaRPr lang="fr-FR" dirty="0"/>
+        </a:p>
+      </dgm:t>
+    </dgm:pt>
+    <dgm:pt modelId="{B43CAA69-89D4-4C26-8A67-849A8533FD32}" type="parTrans" cxnId="{AF8817F1-767C-49B9-9ECD-6CB4FB20A9CC}">
+      <dgm:prSet/>
+      <dgm:spPr/>
+      <dgm:t>
+        <a:bodyPr/>
+        <a:lstStyle/>
+        <a:p>
+          <a:endParaRPr lang="en-US"/>
+        </a:p>
+      </dgm:t>
+    </dgm:pt>
+    <dgm:pt modelId="{6A2D717B-4C1C-49D8-8119-B67728E158C5}" type="sibTrans" cxnId="{AF8817F1-767C-49B9-9ECD-6CB4FB20A9CC}">
+      <dgm:prSet/>
+      <dgm:spPr/>
+      <dgm:t>
+        <a:bodyPr/>
+        <a:lstStyle/>
+        <a:p>
+          <a:endParaRPr lang="en-US"/>
+        </a:p>
+      </dgm:t>
+    </dgm:pt>
     <dgm:pt modelId="{497384B5-8793-4C16-81DF-B039E2FA9EB6}" type="pres">
       <dgm:prSet presAssocID="{780891F9-DF78-4D74-B714-7779D95D1352}" presName="linear" presStyleCnt="0">
         <dgm:presLayoutVars>
@@ -2514,8 +2635,21 @@
       </dgm:prSet>
       <dgm:spPr/>
     </dgm:pt>
+    <dgm:pt modelId="{E0B61BB2-6BCD-4E95-9559-15AF8ACB2CC9}" type="pres">
+      <dgm:prSet presAssocID="{D665E577-0CF1-4F40-AEEA-7FE957548956}" presName="parentText" presStyleLbl="node1" presStyleIdx="0" presStyleCnt="11">
+        <dgm:presLayoutVars>
+          <dgm:chMax val="0"/>
+          <dgm:bulletEnabled val="1"/>
+        </dgm:presLayoutVars>
+      </dgm:prSet>
+      <dgm:spPr/>
+    </dgm:pt>
+    <dgm:pt modelId="{AB78E75B-ABB0-403D-BFB7-A12805434F42}" type="pres">
+      <dgm:prSet presAssocID="{6A2D717B-4C1C-49D8-8119-B67728E158C5}" presName="spacer" presStyleCnt="0"/>
+      <dgm:spPr/>
+    </dgm:pt>
     <dgm:pt modelId="{C02E614C-9038-4DED-B1BB-CBFC07CE45AC}" type="pres">
-      <dgm:prSet presAssocID="{7BADDADD-13E7-4B43-BC74-EF686B071D43}" presName="parentText" presStyleLbl="node1" presStyleIdx="0" presStyleCnt="10">
+      <dgm:prSet presAssocID="{7BADDADD-13E7-4B43-BC74-EF686B071D43}" presName="parentText" presStyleLbl="node1" presStyleIdx="1" presStyleCnt="11">
         <dgm:presLayoutVars>
           <dgm:chMax val="0"/>
           <dgm:bulletEnabled val="1"/>
@@ -2528,7 +2662,7 @@
       <dgm:spPr/>
     </dgm:pt>
     <dgm:pt modelId="{40004248-51FD-4628-BFA5-05791140AD45}" type="pres">
-      <dgm:prSet presAssocID="{39539120-7641-4B46-9A86-A9A3A8FF69EA}" presName="parentText" presStyleLbl="node1" presStyleIdx="1" presStyleCnt="10">
+      <dgm:prSet presAssocID="{39539120-7641-4B46-9A86-A9A3A8FF69EA}" presName="parentText" presStyleLbl="node1" presStyleIdx="2" presStyleCnt="11">
         <dgm:presLayoutVars>
           <dgm:chMax val="0"/>
           <dgm:bulletEnabled val="1"/>
@@ -2541,7 +2675,7 @@
       <dgm:spPr/>
     </dgm:pt>
     <dgm:pt modelId="{272F1F9F-E896-4CA4-8D2A-7CE5448C2509}" type="pres">
-      <dgm:prSet presAssocID="{1CE7AE68-BBAB-427E-A2EC-FE168EF3EDE4}" presName="parentText" presStyleLbl="node1" presStyleIdx="2" presStyleCnt="10">
+      <dgm:prSet presAssocID="{1CE7AE68-BBAB-427E-A2EC-FE168EF3EDE4}" presName="parentText" presStyleLbl="node1" presStyleIdx="3" presStyleCnt="11">
         <dgm:presLayoutVars>
           <dgm:chMax val="0"/>
           <dgm:bulletEnabled val="1"/>
@@ -2554,7 +2688,7 @@
       <dgm:spPr/>
     </dgm:pt>
     <dgm:pt modelId="{5A46431E-BBC6-408D-AF69-942C309A7EF2}" type="pres">
-      <dgm:prSet presAssocID="{02BAE35E-D62F-4E0D-A775-A18ECF7FE4E1}" presName="parentText" presStyleLbl="node1" presStyleIdx="3" presStyleCnt="10">
+      <dgm:prSet presAssocID="{02BAE35E-D62F-4E0D-A775-A18ECF7FE4E1}" presName="parentText" presStyleLbl="node1" presStyleIdx="4" presStyleCnt="11">
         <dgm:presLayoutVars>
           <dgm:chMax val="0"/>
           <dgm:bulletEnabled val="1"/>
@@ -2567,7 +2701,7 @@
       <dgm:spPr/>
     </dgm:pt>
     <dgm:pt modelId="{AF067A90-A435-4842-844B-28910CA41C9A}" type="pres">
-      <dgm:prSet presAssocID="{F4568599-FA64-4AD1-B9CB-CDC85E129CA1}" presName="parentText" presStyleLbl="node1" presStyleIdx="4" presStyleCnt="10">
+      <dgm:prSet presAssocID="{F4568599-FA64-4AD1-B9CB-CDC85E129CA1}" presName="parentText" presStyleLbl="node1" presStyleIdx="5" presStyleCnt="11">
         <dgm:presLayoutVars>
           <dgm:chMax val="0"/>
           <dgm:bulletEnabled val="1"/>
@@ -2580,7 +2714,7 @@
       <dgm:spPr/>
     </dgm:pt>
     <dgm:pt modelId="{8CD73BD3-896B-4CEE-A7D2-57D3AF512A7B}" type="pres">
-      <dgm:prSet presAssocID="{C5EF121C-125D-4EEF-80A9-7F431ADD1714}" presName="parentText" presStyleLbl="node1" presStyleIdx="5" presStyleCnt="10">
+      <dgm:prSet presAssocID="{C5EF121C-125D-4EEF-80A9-7F431ADD1714}" presName="parentText" presStyleLbl="node1" presStyleIdx="6" presStyleCnt="11">
         <dgm:presLayoutVars>
           <dgm:chMax val="0"/>
           <dgm:bulletEnabled val="1"/>
@@ -2593,7 +2727,7 @@
       <dgm:spPr/>
     </dgm:pt>
     <dgm:pt modelId="{49E80434-60B9-48E7-A393-518D7A4F5889}" type="pres">
-      <dgm:prSet presAssocID="{574A7F65-A07B-40A9-BF13-99B7B6E4638B}" presName="parentText" presStyleLbl="node1" presStyleIdx="6" presStyleCnt="10">
+      <dgm:prSet presAssocID="{574A7F65-A07B-40A9-BF13-99B7B6E4638B}" presName="parentText" presStyleLbl="node1" presStyleIdx="7" presStyleCnt="11">
         <dgm:presLayoutVars>
           <dgm:chMax val="0"/>
           <dgm:bulletEnabled val="1"/>
@@ -2606,7 +2740,7 @@
       <dgm:spPr/>
     </dgm:pt>
     <dgm:pt modelId="{D8B90D86-E4D9-4D4F-8BEE-2FD48843AB91}" type="pres">
-      <dgm:prSet presAssocID="{A9138B4A-6AC6-4B58-AFBB-CEADEA6A2C3F}" presName="parentText" presStyleLbl="node1" presStyleIdx="7" presStyleCnt="10">
+      <dgm:prSet presAssocID="{A9138B4A-6AC6-4B58-AFBB-CEADEA6A2C3F}" presName="parentText" presStyleLbl="node1" presStyleIdx="8" presStyleCnt="11">
         <dgm:presLayoutVars>
           <dgm:chMax val="0"/>
           <dgm:bulletEnabled val="1"/>
@@ -2619,7 +2753,7 @@
       <dgm:spPr/>
     </dgm:pt>
     <dgm:pt modelId="{FC11AE97-C06B-4327-9120-E5D532115634}" type="pres">
-      <dgm:prSet presAssocID="{D5674D9B-DF8C-4F40-B480-236DCF4C4B82}" presName="parentText" presStyleLbl="node1" presStyleIdx="8" presStyleCnt="10">
+      <dgm:prSet presAssocID="{D5674D9B-DF8C-4F40-B480-236DCF4C4B82}" presName="parentText" presStyleLbl="node1" presStyleIdx="9" presStyleCnt="11">
         <dgm:presLayoutVars>
           <dgm:chMax val="0"/>
           <dgm:bulletEnabled val="1"/>
@@ -2632,7 +2766,7 @@
       <dgm:spPr/>
     </dgm:pt>
     <dgm:pt modelId="{E74F98D0-A209-41DD-9364-AB9E7CF86E98}" type="pres">
-      <dgm:prSet presAssocID="{3A8433C1-3570-4A5C-ADED-AF772FD01B92}" presName="parentText" presStyleLbl="node1" presStyleIdx="9" presStyleCnt="10">
+      <dgm:prSet presAssocID="{3A8433C1-3570-4A5C-ADED-AF772FD01B92}" presName="parentText" presStyleLbl="node1" presStyleIdx="10" presStyleCnt="11">
         <dgm:presLayoutVars>
           <dgm:chMax val="0"/>
           <dgm:bulletEnabled val="1"/>
@@ -2643,45 +2777,49 @@
   </dgm:ptLst>
   <dgm:cxnLst>
     <dgm:cxn modelId="{0169F410-7908-47BD-84A6-B4670E79A896}" type="presOf" srcId="{F4568599-FA64-4AD1-B9CB-CDC85E129CA1}" destId="{AF067A90-A435-4842-844B-28910CA41C9A}" srcOrd="0" destOrd="0" presId="urn:microsoft.com/office/officeart/2005/8/layout/vList2"/>
-    <dgm:cxn modelId="{93CE5E15-2536-4AD9-B8B6-EDDC6183D2BC}" srcId="{780891F9-DF78-4D74-B714-7779D95D1352}" destId="{02BAE35E-D62F-4E0D-A775-A18ECF7FE4E1}" srcOrd="3" destOrd="0" parTransId="{F01E08EF-4763-4B87-A3D3-701E5DF777F2}" sibTransId="{FC25DFEE-53DB-4A7C-9AF2-C5BDFCDAA1EC}"/>
-    <dgm:cxn modelId="{ECA1ED1E-9099-4343-B590-8A48A660F296}" srcId="{780891F9-DF78-4D74-B714-7779D95D1352}" destId="{C5EF121C-125D-4EEF-80A9-7F431ADD1714}" srcOrd="5" destOrd="0" parTransId="{32288C99-8550-40C0-9C5C-5936008199C6}" sibTransId="{F6B86745-3027-47F2-BD0C-D53502D3479A}"/>
-    <dgm:cxn modelId="{00E23421-CA81-4AFD-AF88-7D3945099D34}" srcId="{780891F9-DF78-4D74-B714-7779D95D1352}" destId="{1CE7AE68-BBAB-427E-A2EC-FE168EF3EDE4}" srcOrd="2" destOrd="0" parTransId="{4A2CFBBC-4E2C-4DFB-A3E0-D1D6257FDFBC}" sibTransId="{0A18399B-FDAE-42C8-9E91-85CF20D008AF}"/>
-    <dgm:cxn modelId="{A746212F-7239-4C1B-9598-F7891F400B68}" srcId="{780891F9-DF78-4D74-B714-7779D95D1352}" destId="{F4568599-FA64-4AD1-B9CB-CDC85E129CA1}" srcOrd="4" destOrd="0" parTransId="{8AF12CBE-D312-4C68-8583-57076183B5D4}" sibTransId="{43DA0103-A942-446A-86C9-9C3933030868}"/>
+    <dgm:cxn modelId="{93CE5E15-2536-4AD9-B8B6-EDDC6183D2BC}" srcId="{780891F9-DF78-4D74-B714-7779D95D1352}" destId="{02BAE35E-D62F-4E0D-A775-A18ECF7FE4E1}" srcOrd="4" destOrd="0" parTransId="{F01E08EF-4763-4B87-A3D3-701E5DF777F2}" sibTransId="{FC25DFEE-53DB-4A7C-9AF2-C5BDFCDAA1EC}"/>
+    <dgm:cxn modelId="{ECA1ED1E-9099-4343-B590-8A48A660F296}" srcId="{780891F9-DF78-4D74-B714-7779D95D1352}" destId="{C5EF121C-125D-4EEF-80A9-7F431ADD1714}" srcOrd="6" destOrd="0" parTransId="{32288C99-8550-40C0-9C5C-5936008199C6}" sibTransId="{F6B86745-3027-47F2-BD0C-D53502D3479A}"/>
+    <dgm:cxn modelId="{00E23421-CA81-4AFD-AF88-7D3945099D34}" srcId="{780891F9-DF78-4D74-B714-7779D95D1352}" destId="{1CE7AE68-BBAB-427E-A2EC-FE168EF3EDE4}" srcOrd="3" destOrd="0" parTransId="{4A2CFBBC-4E2C-4DFB-A3E0-D1D6257FDFBC}" sibTransId="{0A18399B-FDAE-42C8-9E91-85CF20D008AF}"/>
+    <dgm:cxn modelId="{A746212F-7239-4C1B-9598-F7891F400B68}" srcId="{780891F9-DF78-4D74-B714-7779D95D1352}" destId="{F4568599-FA64-4AD1-B9CB-CDC85E129CA1}" srcOrd="5" destOrd="0" parTransId="{8AF12CBE-D312-4C68-8583-57076183B5D4}" sibTransId="{43DA0103-A942-446A-86C9-9C3933030868}"/>
     <dgm:cxn modelId="{F7189234-178E-42E9-9B26-7ADCDA0C5501}" type="presOf" srcId="{02BAE35E-D62F-4E0D-A775-A18ECF7FE4E1}" destId="{5A46431E-BBC6-408D-AF69-942C309A7EF2}" srcOrd="0" destOrd="0" presId="urn:microsoft.com/office/officeart/2005/8/layout/vList2"/>
     <dgm:cxn modelId="{9B267A35-A80D-4323-98C9-B9EA3BDBB817}" type="presOf" srcId="{3A8433C1-3570-4A5C-ADED-AF772FD01B92}" destId="{E74F98D0-A209-41DD-9364-AB9E7CF86E98}" srcOrd="0" destOrd="0" presId="urn:microsoft.com/office/officeart/2005/8/layout/vList2"/>
-    <dgm:cxn modelId="{BD4E513D-F377-4F0C-8599-6B68989C053D}" srcId="{780891F9-DF78-4D74-B714-7779D95D1352}" destId="{39539120-7641-4B46-9A86-A9A3A8FF69EA}" srcOrd="1" destOrd="0" parTransId="{1C1A2060-7E3F-424E-9A29-7E4ED2C48509}" sibTransId="{FC41B2C0-C4DA-4684-AE7D-9A4D6666209B}"/>
-    <dgm:cxn modelId="{070DBD3E-8DC5-4E6D-8D0D-95E4C0C42B0B}" srcId="{780891F9-DF78-4D74-B714-7779D95D1352}" destId="{A9138B4A-6AC6-4B58-AFBB-CEADEA6A2C3F}" srcOrd="7" destOrd="0" parTransId="{67EA4A1E-13B9-4139-ABB9-D281986E819B}" sibTransId="{4DD22DD2-8D9F-491A-805E-16F7C709BBB1}"/>
-    <dgm:cxn modelId="{2A2AF16F-7F88-4A44-8912-31C601C7BD20}" srcId="{780891F9-DF78-4D74-B714-7779D95D1352}" destId="{D5674D9B-DF8C-4F40-B480-236DCF4C4B82}" srcOrd="8" destOrd="0" parTransId="{772DED3F-0F56-4D24-8E7B-B82CF9EB0A25}" sibTransId="{976915CD-4E8C-4449-B872-33573AD88D34}"/>
+    <dgm:cxn modelId="{BD4E513D-F377-4F0C-8599-6B68989C053D}" srcId="{780891F9-DF78-4D74-B714-7779D95D1352}" destId="{39539120-7641-4B46-9A86-A9A3A8FF69EA}" srcOrd="2" destOrd="0" parTransId="{1C1A2060-7E3F-424E-9A29-7E4ED2C48509}" sibTransId="{FC41B2C0-C4DA-4684-AE7D-9A4D6666209B}"/>
+    <dgm:cxn modelId="{070DBD3E-8DC5-4E6D-8D0D-95E4C0C42B0B}" srcId="{780891F9-DF78-4D74-B714-7779D95D1352}" destId="{A9138B4A-6AC6-4B58-AFBB-CEADEA6A2C3F}" srcOrd="8" destOrd="0" parTransId="{67EA4A1E-13B9-4139-ABB9-D281986E819B}" sibTransId="{4DD22DD2-8D9F-491A-805E-16F7C709BBB1}"/>
+    <dgm:cxn modelId="{2A2AF16F-7F88-4A44-8912-31C601C7BD20}" srcId="{780891F9-DF78-4D74-B714-7779D95D1352}" destId="{D5674D9B-DF8C-4F40-B480-236DCF4C4B82}" srcOrd="9" destOrd="0" parTransId="{772DED3F-0F56-4D24-8E7B-B82CF9EB0A25}" sibTransId="{976915CD-4E8C-4449-B872-33573AD88D34}"/>
     <dgm:cxn modelId="{19C64170-615C-41E8-A2F1-C716269133E5}" type="presOf" srcId="{780891F9-DF78-4D74-B714-7779D95D1352}" destId="{497384B5-8793-4C16-81DF-B039E2FA9EB6}" srcOrd="0" destOrd="0" presId="urn:microsoft.com/office/officeart/2005/8/layout/vList2"/>
     <dgm:cxn modelId="{DA976058-D704-4956-8671-CF2673B88EC4}" type="presOf" srcId="{7BADDADD-13E7-4B43-BC74-EF686B071D43}" destId="{C02E614C-9038-4DED-B1BB-CBFC07CE45AC}" srcOrd="0" destOrd="0" presId="urn:microsoft.com/office/officeart/2005/8/layout/vList2"/>
     <dgm:cxn modelId="{985F4658-D341-4174-BAB5-976A4AE8A90B}" type="presOf" srcId="{D5674D9B-DF8C-4F40-B480-236DCF4C4B82}" destId="{FC11AE97-C06B-4327-9120-E5D532115634}" srcOrd="0" destOrd="0" presId="urn:microsoft.com/office/officeart/2005/8/layout/vList2"/>
     <dgm:cxn modelId="{456F2798-DF91-4D71-B1B0-87CFC1EA3AEE}" type="presOf" srcId="{574A7F65-A07B-40A9-BF13-99B7B6E4638B}" destId="{49E80434-60B9-48E7-A393-518D7A4F5889}" srcOrd="0" destOrd="0" presId="urn:microsoft.com/office/officeart/2005/8/layout/vList2"/>
     <dgm:cxn modelId="{4968349F-2951-4883-8044-2282B7AA8D38}" type="presOf" srcId="{C5EF121C-125D-4EEF-80A9-7F431ADD1714}" destId="{8CD73BD3-896B-4CEE-A7D2-57D3AF512A7B}" srcOrd="0" destOrd="0" presId="urn:microsoft.com/office/officeart/2005/8/layout/vList2"/>
-    <dgm:cxn modelId="{E76D85B2-7069-4DFE-89CC-B8ADAB9E8239}" srcId="{780891F9-DF78-4D74-B714-7779D95D1352}" destId="{7BADDADD-13E7-4B43-BC74-EF686B071D43}" srcOrd="0" destOrd="0" parTransId="{D8616F46-FB4F-49E1-B446-A4695A253A88}" sibTransId="{CA899929-1EEC-4876-9A32-CA9B2058431A}"/>
+    <dgm:cxn modelId="{E76D85B2-7069-4DFE-89CC-B8ADAB9E8239}" srcId="{780891F9-DF78-4D74-B714-7779D95D1352}" destId="{7BADDADD-13E7-4B43-BC74-EF686B071D43}" srcOrd="1" destOrd="0" parTransId="{D8616F46-FB4F-49E1-B446-A4695A253A88}" sibTransId="{CA899929-1EEC-4876-9A32-CA9B2058431A}"/>
     <dgm:cxn modelId="{26E0E3C4-6A32-4AF3-9BBD-F935EDA0BEA6}" type="presOf" srcId="{1CE7AE68-BBAB-427E-A2EC-FE168EF3EDE4}" destId="{272F1F9F-E896-4CA4-8D2A-7CE5448C2509}" srcOrd="0" destOrd="0" presId="urn:microsoft.com/office/officeart/2005/8/layout/vList2"/>
     <dgm:cxn modelId="{381E53C6-F009-41F3-AE80-79B5A26E794C}" type="presOf" srcId="{A9138B4A-6AC6-4B58-AFBB-CEADEA6A2C3F}" destId="{D8B90D86-E4D9-4D4F-8BEE-2FD48843AB91}" srcOrd="0" destOrd="0" presId="urn:microsoft.com/office/officeart/2005/8/layout/vList2"/>
     <dgm:cxn modelId="{F84A9DD4-AE08-44BD-920E-80977A23BCD7}" type="presOf" srcId="{39539120-7641-4B46-9A86-A9A3A8FF69EA}" destId="{40004248-51FD-4628-BFA5-05791140AD45}" srcOrd="0" destOrd="0" presId="urn:microsoft.com/office/officeart/2005/8/layout/vList2"/>
-    <dgm:cxn modelId="{E8A537DE-B539-419C-AEA9-7E2CE8C573AE}" srcId="{780891F9-DF78-4D74-B714-7779D95D1352}" destId="{3A8433C1-3570-4A5C-ADED-AF772FD01B92}" srcOrd="9" destOrd="0" parTransId="{267EB8B5-91C2-412A-8512-5C3B0E9B70CB}" sibTransId="{222A02F4-9115-46BD-B069-500C430084C2}"/>
-    <dgm:cxn modelId="{D0A33CE0-E808-4D04-8390-E8B6E9187A1C}" srcId="{780891F9-DF78-4D74-B714-7779D95D1352}" destId="{574A7F65-A07B-40A9-BF13-99B7B6E4638B}" srcOrd="6" destOrd="0" parTransId="{E3F2F70E-22DE-4B16-8BFE-479AA030C6A0}" sibTransId="{A427B03F-02A9-401C-AF54-4AEC2A1F772C}"/>
-    <dgm:cxn modelId="{48E8982B-362D-4555-9FBC-91346708B467}" type="presParOf" srcId="{497384B5-8793-4C16-81DF-B039E2FA9EB6}" destId="{C02E614C-9038-4DED-B1BB-CBFC07CE45AC}" srcOrd="0" destOrd="0" presId="urn:microsoft.com/office/officeart/2005/8/layout/vList2"/>
-    <dgm:cxn modelId="{9836F6BA-BE7D-4BD9-A26C-D30D2A8F52E9}" type="presParOf" srcId="{497384B5-8793-4C16-81DF-B039E2FA9EB6}" destId="{D2D3B44B-9856-452A-BE8A-BED8155150DD}" srcOrd="1" destOrd="0" presId="urn:microsoft.com/office/officeart/2005/8/layout/vList2"/>
-    <dgm:cxn modelId="{3EE1C332-F735-45EE-A752-D6AEC4D0966B}" type="presParOf" srcId="{497384B5-8793-4C16-81DF-B039E2FA9EB6}" destId="{40004248-51FD-4628-BFA5-05791140AD45}" srcOrd="2" destOrd="0" presId="urn:microsoft.com/office/officeart/2005/8/layout/vList2"/>
-    <dgm:cxn modelId="{F10E622E-7E18-486E-877E-39B727C0AC18}" type="presParOf" srcId="{497384B5-8793-4C16-81DF-B039E2FA9EB6}" destId="{082D5E15-0D72-4F54-AAC4-02728201D5D5}" srcOrd="3" destOrd="0" presId="urn:microsoft.com/office/officeart/2005/8/layout/vList2"/>
-    <dgm:cxn modelId="{9912674D-C241-4D83-8228-E00B9A7DEBA7}" type="presParOf" srcId="{497384B5-8793-4C16-81DF-B039E2FA9EB6}" destId="{272F1F9F-E896-4CA4-8D2A-7CE5448C2509}" srcOrd="4" destOrd="0" presId="urn:microsoft.com/office/officeart/2005/8/layout/vList2"/>
-    <dgm:cxn modelId="{E3B35A56-6D7B-4FA9-A506-32E5952A7CBD}" type="presParOf" srcId="{497384B5-8793-4C16-81DF-B039E2FA9EB6}" destId="{145BBD35-BAB1-48FC-AC4D-EA2632581BC8}" srcOrd="5" destOrd="0" presId="urn:microsoft.com/office/officeart/2005/8/layout/vList2"/>
-    <dgm:cxn modelId="{CE52F339-FA2C-4CC6-997A-CB1812286BC9}" type="presParOf" srcId="{497384B5-8793-4C16-81DF-B039E2FA9EB6}" destId="{5A46431E-BBC6-408D-AF69-942C309A7EF2}" srcOrd="6" destOrd="0" presId="urn:microsoft.com/office/officeart/2005/8/layout/vList2"/>
-    <dgm:cxn modelId="{EC37CA15-E02E-4F43-82DE-8A4A4BD266E0}" type="presParOf" srcId="{497384B5-8793-4C16-81DF-B039E2FA9EB6}" destId="{98BF9784-ABEC-45BE-9B77-9D98E2A71BA8}" srcOrd="7" destOrd="0" presId="urn:microsoft.com/office/officeart/2005/8/layout/vList2"/>
-    <dgm:cxn modelId="{1A2A7F52-2AD8-4A16-B1CA-2CBD972D0013}" type="presParOf" srcId="{497384B5-8793-4C16-81DF-B039E2FA9EB6}" destId="{AF067A90-A435-4842-844B-28910CA41C9A}" srcOrd="8" destOrd="0" presId="urn:microsoft.com/office/officeart/2005/8/layout/vList2"/>
-    <dgm:cxn modelId="{60A0014E-8857-4E97-A740-C754004132AF}" type="presParOf" srcId="{497384B5-8793-4C16-81DF-B039E2FA9EB6}" destId="{3225C85C-E79E-4995-B99C-5C97585B15E6}" srcOrd="9" destOrd="0" presId="urn:microsoft.com/office/officeart/2005/8/layout/vList2"/>
-    <dgm:cxn modelId="{3FB6D317-7839-4041-A209-49284DD76CBF}" type="presParOf" srcId="{497384B5-8793-4C16-81DF-B039E2FA9EB6}" destId="{8CD73BD3-896B-4CEE-A7D2-57D3AF512A7B}" srcOrd="10" destOrd="0" presId="urn:microsoft.com/office/officeart/2005/8/layout/vList2"/>
-    <dgm:cxn modelId="{2538F8DC-E257-4C85-8C08-F86455EB583E}" type="presParOf" srcId="{497384B5-8793-4C16-81DF-B039E2FA9EB6}" destId="{382AADF9-E128-4DBA-8551-6567AC3D851E}" srcOrd="11" destOrd="0" presId="urn:microsoft.com/office/officeart/2005/8/layout/vList2"/>
-    <dgm:cxn modelId="{89A98249-A5B7-42BC-8063-6CAF7B69C56D}" type="presParOf" srcId="{497384B5-8793-4C16-81DF-B039E2FA9EB6}" destId="{49E80434-60B9-48E7-A393-518D7A4F5889}" srcOrd="12" destOrd="0" presId="urn:microsoft.com/office/officeart/2005/8/layout/vList2"/>
-    <dgm:cxn modelId="{2485CD23-85D7-46CE-AD68-07C522ED1F65}" type="presParOf" srcId="{497384B5-8793-4C16-81DF-B039E2FA9EB6}" destId="{7B38A30A-D709-49DA-B594-43F2529A8452}" srcOrd="13" destOrd="0" presId="urn:microsoft.com/office/officeart/2005/8/layout/vList2"/>
-    <dgm:cxn modelId="{1806DC4D-B5D5-4B0E-95E7-B947D9AC8F4E}" type="presParOf" srcId="{497384B5-8793-4C16-81DF-B039E2FA9EB6}" destId="{D8B90D86-E4D9-4D4F-8BEE-2FD48843AB91}" srcOrd="14" destOrd="0" presId="urn:microsoft.com/office/officeart/2005/8/layout/vList2"/>
-    <dgm:cxn modelId="{AABE2A1B-F809-44DC-BD08-BC23694E4EE6}" type="presParOf" srcId="{497384B5-8793-4C16-81DF-B039E2FA9EB6}" destId="{E3E31563-1451-46C0-BF0E-61DF0CFD72D9}" srcOrd="15" destOrd="0" presId="urn:microsoft.com/office/officeart/2005/8/layout/vList2"/>
-    <dgm:cxn modelId="{180728D9-FAE7-41C1-A48C-990A3EDEF4EC}" type="presParOf" srcId="{497384B5-8793-4C16-81DF-B039E2FA9EB6}" destId="{FC11AE97-C06B-4327-9120-E5D532115634}" srcOrd="16" destOrd="0" presId="urn:microsoft.com/office/officeart/2005/8/layout/vList2"/>
-    <dgm:cxn modelId="{417671DE-5075-4C67-8E66-39916011FE65}" type="presParOf" srcId="{497384B5-8793-4C16-81DF-B039E2FA9EB6}" destId="{4D8C2D6D-007E-4DCC-8F8C-321AC5E9FC84}" srcOrd="17" destOrd="0" presId="urn:microsoft.com/office/officeart/2005/8/layout/vList2"/>
-    <dgm:cxn modelId="{EDB25089-02D9-41E5-9B4B-663800C70003}" type="presParOf" srcId="{497384B5-8793-4C16-81DF-B039E2FA9EB6}" destId="{E74F98D0-A209-41DD-9364-AB9E7CF86E98}" srcOrd="18" destOrd="0" presId="urn:microsoft.com/office/officeart/2005/8/layout/vList2"/>
+    <dgm:cxn modelId="{E8A537DE-B539-419C-AEA9-7E2CE8C573AE}" srcId="{780891F9-DF78-4D74-B714-7779D95D1352}" destId="{3A8433C1-3570-4A5C-ADED-AF772FD01B92}" srcOrd="10" destOrd="0" parTransId="{267EB8B5-91C2-412A-8512-5C3B0E9B70CB}" sibTransId="{222A02F4-9115-46BD-B069-500C430084C2}"/>
+    <dgm:cxn modelId="{D0A33CE0-E808-4D04-8390-E8B6E9187A1C}" srcId="{780891F9-DF78-4D74-B714-7779D95D1352}" destId="{574A7F65-A07B-40A9-BF13-99B7B6E4638B}" srcOrd="7" destOrd="0" parTransId="{E3F2F70E-22DE-4B16-8BFE-479AA030C6A0}" sibTransId="{A427B03F-02A9-401C-AF54-4AEC2A1F772C}"/>
+    <dgm:cxn modelId="{2ADE15F1-36E6-4075-A8CA-6DEB4134D927}" type="presOf" srcId="{D665E577-0CF1-4F40-AEEA-7FE957548956}" destId="{E0B61BB2-6BCD-4E95-9559-15AF8ACB2CC9}" srcOrd="0" destOrd="0" presId="urn:microsoft.com/office/officeart/2005/8/layout/vList2"/>
+    <dgm:cxn modelId="{AF8817F1-767C-49B9-9ECD-6CB4FB20A9CC}" srcId="{780891F9-DF78-4D74-B714-7779D95D1352}" destId="{D665E577-0CF1-4F40-AEEA-7FE957548956}" srcOrd="0" destOrd="0" parTransId="{B43CAA69-89D4-4C26-8A67-849A8533FD32}" sibTransId="{6A2D717B-4C1C-49D8-8119-B67728E158C5}"/>
+    <dgm:cxn modelId="{ADD9A012-CCF4-436F-9274-761B77CF1F37}" type="presParOf" srcId="{497384B5-8793-4C16-81DF-B039E2FA9EB6}" destId="{E0B61BB2-6BCD-4E95-9559-15AF8ACB2CC9}" srcOrd="0" destOrd="0" presId="urn:microsoft.com/office/officeart/2005/8/layout/vList2"/>
+    <dgm:cxn modelId="{852DD8BC-CF2A-4A2C-9A2C-F433F7AD33DE}" type="presParOf" srcId="{497384B5-8793-4C16-81DF-B039E2FA9EB6}" destId="{AB78E75B-ABB0-403D-BFB7-A12805434F42}" srcOrd="1" destOrd="0" presId="urn:microsoft.com/office/officeart/2005/8/layout/vList2"/>
+    <dgm:cxn modelId="{48E8982B-362D-4555-9FBC-91346708B467}" type="presParOf" srcId="{497384B5-8793-4C16-81DF-B039E2FA9EB6}" destId="{C02E614C-9038-4DED-B1BB-CBFC07CE45AC}" srcOrd="2" destOrd="0" presId="urn:microsoft.com/office/officeart/2005/8/layout/vList2"/>
+    <dgm:cxn modelId="{9836F6BA-BE7D-4BD9-A26C-D30D2A8F52E9}" type="presParOf" srcId="{497384B5-8793-4C16-81DF-B039E2FA9EB6}" destId="{D2D3B44B-9856-452A-BE8A-BED8155150DD}" srcOrd="3" destOrd="0" presId="urn:microsoft.com/office/officeart/2005/8/layout/vList2"/>
+    <dgm:cxn modelId="{3EE1C332-F735-45EE-A752-D6AEC4D0966B}" type="presParOf" srcId="{497384B5-8793-4C16-81DF-B039E2FA9EB6}" destId="{40004248-51FD-4628-BFA5-05791140AD45}" srcOrd="4" destOrd="0" presId="urn:microsoft.com/office/officeart/2005/8/layout/vList2"/>
+    <dgm:cxn modelId="{F10E622E-7E18-486E-877E-39B727C0AC18}" type="presParOf" srcId="{497384B5-8793-4C16-81DF-B039E2FA9EB6}" destId="{082D5E15-0D72-4F54-AAC4-02728201D5D5}" srcOrd="5" destOrd="0" presId="urn:microsoft.com/office/officeart/2005/8/layout/vList2"/>
+    <dgm:cxn modelId="{9912674D-C241-4D83-8228-E00B9A7DEBA7}" type="presParOf" srcId="{497384B5-8793-4C16-81DF-B039E2FA9EB6}" destId="{272F1F9F-E896-4CA4-8D2A-7CE5448C2509}" srcOrd="6" destOrd="0" presId="urn:microsoft.com/office/officeart/2005/8/layout/vList2"/>
+    <dgm:cxn modelId="{E3B35A56-6D7B-4FA9-A506-32E5952A7CBD}" type="presParOf" srcId="{497384B5-8793-4C16-81DF-B039E2FA9EB6}" destId="{145BBD35-BAB1-48FC-AC4D-EA2632581BC8}" srcOrd="7" destOrd="0" presId="urn:microsoft.com/office/officeart/2005/8/layout/vList2"/>
+    <dgm:cxn modelId="{CE52F339-FA2C-4CC6-997A-CB1812286BC9}" type="presParOf" srcId="{497384B5-8793-4C16-81DF-B039E2FA9EB6}" destId="{5A46431E-BBC6-408D-AF69-942C309A7EF2}" srcOrd="8" destOrd="0" presId="urn:microsoft.com/office/officeart/2005/8/layout/vList2"/>
+    <dgm:cxn modelId="{EC37CA15-E02E-4F43-82DE-8A4A4BD266E0}" type="presParOf" srcId="{497384B5-8793-4C16-81DF-B039E2FA9EB6}" destId="{98BF9784-ABEC-45BE-9B77-9D98E2A71BA8}" srcOrd="9" destOrd="0" presId="urn:microsoft.com/office/officeart/2005/8/layout/vList2"/>
+    <dgm:cxn modelId="{1A2A7F52-2AD8-4A16-B1CA-2CBD972D0013}" type="presParOf" srcId="{497384B5-8793-4C16-81DF-B039E2FA9EB6}" destId="{AF067A90-A435-4842-844B-28910CA41C9A}" srcOrd="10" destOrd="0" presId="urn:microsoft.com/office/officeart/2005/8/layout/vList2"/>
+    <dgm:cxn modelId="{60A0014E-8857-4E97-A740-C754004132AF}" type="presParOf" srcId="{497384B5-8793-4C16-81DF-B039E2FA9EB6}" destId="{3225C85C-E79E-4995-B99C-5C97585B15E6}" srcOrd="11" destOrd="0" presId="urn:microsoft.com/office/officeart/2005/8/layout/vList2"/>
+    <dgm:cxn modelId="{3FB6D317-7839-4041-A209-49284DD76CBF}" type="presParOf" srcId="{497384B5-8793-4C16-81DF-B039E2FA9EB6}" destId="{8CD73BD3-896B-4CEE-A7D2-57D3AF512A7B}" srcOrd="12" destOrd="0" presId="urn:microsoft.com/office/officeart/2005/8/layout/vList2"/>
+    <dgm:cxn modelId="{2538F8DC-E257-4C85-8C08-F86455EB583E}" type="presParOf" srcId="{497384B5-8793-4C16-81DF-B039E2FA9EB6}" destId="{382AADF9-E128-4DBA-8551-6567AC3D851E}" srcOrd="13" destOrd="0" presId="urn:microsoft.com/office/officeart/2005/8/layout/vList2"/>
+    <dgm:cxn modelId="{89A98249-A5B7-42BC-8063-6CAF7B69C56D}" type="presParOf" srcId="{497384B5-8793-4C16-81DF-B039E2FA9EB6}" destId="{49E80434-60B9-48E7-A393-518D7A4F5889}" srcOrd="14" destOrd="0" presId="urn:microsoft.com/office/officeart/2005/8/layout/vList2"/>
+    <dgm:cxn modelId="{2485CD23-85D7-46CE-AD68-07C522ED1F65}" type="presParOf" srcId="{497384B5-8793-4C16-81DF-B039E2FA9EB6}" destId="{7B38A30A-D709-49DA-B594-43F2529A8452}" srcOrd="15" destOrd="0" presId="urn:microsoft.com/office/officeart/2005/8/layout/vList2"/>
+    <dgm:cxn modelId="{1806DC4D-B5D5-4B0E-95E7-B947D9AC8F4E}" type="presParOf" srcId="{497384B5-8793-4C16-81DF-B039E2FA9EB6}" destId="{D8B90D86-E4D9-4D4F-8BEE-2FD48843AB91}" srcOrd="16" destOrd="0" presId="urn:microsoft.com/office/officeart/2005/8/layout/vList2"/>
+    <dgm:cxn modelId="{AABE2A1B-F809-44DC-BD08-BC23694E4EE6}" type="presParOf" srcId="{497384B5-8793-4C16-81DF-B039E2FA9EB6}" destId="{E3E31563-1451-46C0-BF0E-61DF0CFD72D9}" srcOrd="17" destOrd="0" presId="urn:microsoft.com/office/officeart/2005/8/layout/vList2"/>
+    <dgm:cxn modelId="{180728D9-FAE7-41C1-A48C-990A3EDEF4EC}" type="presParOf" srcId="{497384B5-8793-4C16-81DF-B039E2FA9EB6}" destId="{FC11AE97-C06B-4327-9120-E5D532115634}" srcOrd="18" destOrd="0" presId="urn:microsoft.com/office/officeart/2005/8/layout/vList2"/>
+    <dgm:cxn modelId="{417671DE-5075-4C67-8E66-39916011FE65}" type="presParOf" srcId="{497384B5-8793-4C16-81DF-B039E2FA9EB6}" destId="{4D8C2D6D-007E-4DCC-8F8C-321AC5E9FC84}" srcOrd="19" destOrd="0" presId="urn:microsoft.com/office/officeart/2005/8/layout/vList2"/>
+    <dgm:cxn modelId="{EDB25089-02D9-41E5-9B4B-663800C70003}" type="presParOf" srcId="{497384B5-8793-4C16-81DF-B039E2FA9EB6}" destId="{E74F98D0-A209-41DD-9364-AB9E7CF86E98}" srcOrd="20" destOrd="0" presId="urn:microsoft.com/office/officeart/2005/8/layout/vList2"/>
   </dgm:cxnLst>
   <dgm:bg/>
   <dgm:whole/>
@@ -2708,8 +2846,8 @@
       </dsp:nvSpPr>
       <dsp:spPr>
         <a:xfrm>
-          <a:off x="0" y="19739"/>
-          <a:ext cx="6492875" cy="767520"/>
+          <a:off x="0" y="52837"/>
+          <a:ext cx="6492875" cy="647595"/>
         </a:xfrm>
         <a:prstGeom prst="roundRect">
           <a:avLst/>
@@ -2750,12 +2888,12 @@
         </a:fontRef>
       </dsp:style>
       <dsp:txBody>
-        <a:bodyPr spcFirstLastPara="0" vert="horz" wrap="square" lIns="121920" tIns="121920" rIns="121920" bIns="121920" numCol="1" spcCol="1270" anchor="ctr" anchorCtr="0">
+        <a:bodyPr spcFirstLastPara="0" vert="horz" wrap="square" lIns="102870" tIns="102870" rIns="102870" bIns="102870" numCol="1" spcCol="1270" anchor="ctr" anchorCtr="0">
           <a:noAutofit/>
         </a:bodyPr>
         <a:lstStyle/>
         <a:p>
-          <a:pPr marL="0" lvl="0" indent="0" algn="l" defTabSz="1422400">
+          <a:pPr marL="0" lvl="0" indent="0" algn="l" defTabSz="1200150">
             <a:lnSpc>
               <a:spcPct val="90000"/>
             </a:lnSpc>
@@ -2768,35 +2906,35 @@
             <a:buNone/>
           </a:pPr>
           <a:r>
-            <a:rPr lang="fr-FR" sz="3200" b="1" kern="1200"/>
+            <a:rPr lang="fr-FR" sz="2700" b="1" kern="1200" dirty="0"/>
             <a:t>I. Class Diagram </a:t>
           </a:r>
-          <a:endParaRPr lang="en-US" sz="3200" kern="1200"/>
+          <a:endParaRPr lang="en-US" sz="2700" kern="1200" dirty="0"/>
         </a:p>
       </dsp:txBody>
       <dsp:txXfrm>
-        <a:off x="37467" y="57206"/>
-        <a:ext cx="6417941" cy="692586"/>
+        <a:off x="31613" y="84450"/>
+        <a:ext cx="6429649" cy="584369"/>
       </dsp:txXfrm>
     </dsp:sp>
-    <dsp:sp modelId="{82CD4AF4-FA40-4F09-ABEB-0F0947031FCE}">
+    <dsp:sp modelId="{04E7E8C3-84D0-4FE6-8C6B-258B6AD9002C}">
       <dsp:nvSpPr>
         <dsp:cNvPr id="0" name=""/>
         <dsp:cNvSpPr/>
       </dsp:nvSpPr>
       <dsp:spPr>
         <a:xfrm>
-          <a:off x="0" y="879419"/>
-          <a:ext cx="6492875" cy="767520"/>
+          <a:off x="0" y="778192"/>
+          <a:ext cx="6492875" cy="647595"/>
         </a:xfrm>
         <a:prstGeom prst="roundRect">
           <a:avLst/>
         </a:prstGeom>
         <a:solidFill>
           <a:schemeClr val="accent2">
-            <a:hueOff val="-718792"/>
-            <a:satOff val="4944"/>
-            <a:lumOff val="549"/>
+            <a:hueOff val="-598994"/>
+            <a:satOff val="4120"/>
+            <a:lumOff val="457"/>
             <a:alphaOff val="0"/>
           </a:schemeClr>
         </a:solidFill>
@@ -2828,12 +2966,12 @@
         </a:fontRef>
       </dsp:style>
       <dsp:txBody>
-        <a:bodyPr spcFirstLastPara="0" vert="horz" wrap="square" lIns="121920" tIns="121920" rIns="121920" bIns="121920" numCol="1" spcCol="1270" anchor="ctr" anchorCtr="0">
+        <a:bodyPr spcFirstLastPara="0" vert="horz" wrap="square" lIns="102870" tIns="102870" rIns="102870" bIns="102870" numCol="1" spcCol="1270" anchor="ctr" anchorCtr="0">
           <a:noAutofit/>
         </a:bodyPr>
         <a:lstStyle/>
         <a:p>
-          <a:pPr marL="0" lvl="0" indent="0" algn="l" defTabSz="1422400">
+          <a:pPr marL="0" lvl="0" indent="0" algn="l" defTabSz="1200150">
             <a:lnSpc>
               <a:spcPct val="90000"/>
             </a:lnSpc>
@@ -2846,39 +2984,35 @@
             <a:buNone/>
           </a:pPr>
           <a:r>
-            <a:rPr lang="fr-FR" sz="3200" b="1" kern="1200" dirty="0"/>
-            <a:t>II. System </a:t>
+            <a:rPr lang="fr-FR" sz="2700" b="1" kern="1200" dirty="0"/>
+            <a:t>II Use Case Diagram</a:t>
           </a:r>
-          <a:r>
-            <a:rPr lang="fr-FR" sz="3200" b="1" kern="1200" dirty="0" err="1"/>
-            <a:t>Features</a:t>
-          </a:r>
-          <a:endParaRPr lang="en-US" sz="3200" kern="1200" dirty="0"/>
+          <a:endParaRPr lang="en-US" sz="2700" kern="1200" dirty="0"/>
         </a:p>
       </dsp:txBody>
       <dsp:txXfrm>
-        <a:off x="37467" y="916886"/>
-        <a:ext cx="6417941" cy="692586"/>
+        <a:off x="31613" y="809805"/>
+        <a:ext cx="6429649" cy="584369"/>
       </dsp:txXfrm>
     </dsp:sp>
-    <dsp:sp modelId="{61DC6C56-3CB6-4E59-A23D-F3D565666BDA}">
+    <dsp:sp modelId="{82CD4AF4-FA40-4F09-ABEB-0F0947031FCE}">
       <dsp:nvSpPr>
         <dsp:cNvPr id="0" name=""/>
         <dsp:cNvSpPr/>
       </dsp:nvSpPr>
       <dsp:spPr>
         <a:xfrm>
-          <a:off x="0" y="1739099"/>
-          <a:ext cx="6492875" cy="767520"/>
+          <a:off x="0" y="1503547"/>
+          <a:ext cx="6492875" cy="647595"/>
         </a:xfrm>
         <a:prstGeom prst="roundRect">
           <a:avLst/>
         </a:prstGeom>
         <a:solidFill>
           <a:schemeClr val="accent2">
-            <a:hueOff val="-1437584"/>
-            <a:satOff val="9889"/>
-            <a:lumOff val="1098"/>
+            <a:hueOff val="-1197987"/>
+            <a:satOff val="8241"/>
+            <a:lumOff val="915"/>
             <a:alphaOff val="0"/>
           </a:schemeClr>
         </a:solidFill>
@@ -2910,12 +3044,12 @@
         </a:fontRef>
       </dsp:style>
       <dsp:txBody>
-        <a:bodyPr spcFirstLastPara="0" vert="horz" wrap="square" lIns="121920" tIns="121920" rIns="121920" bIns="121920" numCol="1" spcCol="1270" anchor="ctr" anchorCtr="0">
+        <a:bodyPr spcFirstLastPara="0" vert="horz" wrap="square" lIns="102870" tIns="102870" rIns="102870" bIns="102870" numCol="1" spcCol="1270" anchor="ctr" anchorCtr="0">
           <a:noAutofit/>
         </a:bodyPr>
         <a:lstStyle/>
         <a:p>
-          <a:pPr marL="0" lvl="0" indent="0" algn="l" defTabSz="1422400">
+          <a:pPr marL="0" lvl="0" indent="0" algn="l" defTabSz="1200150">
             <a:lnSpc>
               <a:spcPct val="90000"/>
             </a:lnSpc>
@@ -2928,43 +3062,39 @@
             <a:buNone/>
           </a:pPr>
           <a:r>
-            <a:rPr lang="fr-FR" sz="3200" b="1" kern="1200" dirty="0"/>
-            <a:t>III. </a:t>
+            <a:rPr lang="fr-FR" sz="2700" b="1" kern="1200" dirty="0"/>
+            <a:t>III. System </a:t>
           </a:r>
           <a:r>
-            <a:rPr lang="fr-FR" sz="3200" b="1" kern="1200" dirty="0" err="1"/>
-            <a:t>Sequence</a:t>
+            <a:rPr lang="fr-FR" sz="2700" b="1" kern="1200" dirty="0" err="1"/>
+            <a:t>Features</a:t>
           </a:r>
-          <a:r>
-            <a:rPr lang="fr-FR" sz="3200" b="1" kern="1200" dirty="0"/>
-            <a:t> Diagram</a:t>
-          </a:r>
-          <a:endParaRPr lang="en-US" sz="3200" kern="1200" dirty="0"/>
+          <a:endParaRPr lang="en-US" sz="2700" kern="1200" dirty="0"/>
         </a:p>
       </dsp:txBody>
       <dsp:txXfrm>
-        <a:off x="37467" y="1776566"/>
-        <a:ext cx="6417941" cy="692586"/>
+        <a:off x="31613" y="1535160"/>
+        <a:ext cx="6429649" cy="584369"/>
       </dsp:txXfrm>
     </dsp:sp>
-    <dsp:sp modelId="{489E0305-6467-456F-B5DA-20A31AE19126}">
+    <dsp:sp modelId="{61DC6C56-3CB6-4E59-A23D-F3D565666BDA}">
       <dsp:nvSpPr>
         <dsp:cNvPr id="0" name=""/>
         <dsp:cNvSpPr/>
       </dsp:nvSpPr>
       <dsp:spPr>
         <a:xfrm>
-          <a:off x="0" y="2552700"/>
-          <a:ext cx="6492875" cy="767520"/>
+          <a:off x="0" y="2228902"/>
+          <a:ext cx="6492875" cy="647595"/>
         </a:xfrm>
         <a:prstGeom prst="roundRect">
           <a:avLst/>
         </a:prstGeom>
         <a:solidFill>
           <a:schemeClr val="accent2">
-            <a:hueOff val="-2156377"/>
-            <a:satOff val="14833"/>
-            <a:lumOff val="1646"/>
+            <a:hueOff val="-1796981"/>
+            <a:satOff val="12361"/>
+            <a:lumOff val="1372"/>
             <a:alphaOff val="0"/>
           </a:schemeClr>
         </a:solidFill>
@@ -2996,12 +3126,12 @@
         </a:fontRef>
       </dsp:style>
       <dsp:txBody>
-        <a:bodyPr spcFirstLastPara="0" vert="horz" wrap="square" lIns="121920" tIns="121920" rIns="121920" bIns="121920" numCol="1" spcCol="1270" anchor="ctr" anchorCtr="0">
+        <a:bodyPr spcFirstLastPara="0" vert="horz" wrap="square" lIns="102870" tIns="102870" rIns="102870" bIns="102870" numCol="1" spcCol="1270" anchor="ctr" anchorCtr="0">
           <a:noAutofit/>
         </a:bodyPr>
         <a:lstStyle/>
         <a:p>
-          <a:pPr marL="0" lvl="0" indent="0" algn="l" defTabSz="1422400">
+          <a:pPr marL="0" lvl="0" indent="0" algn="l" defTabSz="1200150">
             <a:lnSpc>
               <a:spcPct val="90000"/>
             </a:lnSpc>
@@ -3014,42 +3144,43 @@
             <a:buNone/>
           </a:pPr>
           <a:r>
-            <a:rPr lang="fr-FR" sz="3200" b="1" kern="1200" dirty="0"/>
+            <a:rPr lang="fr-FR" sz="2700" b="1" kern="1200" dirty="0"/>
             <a:t>IV. </a:t>
           </a:r>
           <a:r>
-            <a:rPr lang="en-US" sz="3200" kern="1200" dirty="0" err="1"/>
-            <a:t>DataBase</a:t>
+            <a:rPr lang="fr-FR" sz="2700" b="1" kern="1200" dirty="0" err="1"/>
+            <a:t>Sequence</a:t>
           </a:r>
           <a:r>
-            <a:rPr lang="en-US" sz="3200" kern="1200" dirty="0"/>
-            <a:t> Design</a:t>
+            <a:rPr lang="fr-FR" sz="2700" b="1" kern="1200" dirty="0"/>
+            <a:t> Diagram</a:t>
           </a:r>
+          <a:endParaRPr lang="en-US" sz="2700" kern="1200" dirty="0"/>
         </a:p>
       </dsp:txBody>
       <dsp:txXfrm>
-        <a:off x="37467" y="2590167"/>
-        <a:ext cx="6417941" cy="692586"/>
+        <a:off x="31613" y="2260515"/>
+        <a:ext cx="6429649" cy="584369"/>
       </dsp:txXfrm>
     </dsp:sp>
-    <dsp:sp modelId="{E23F0068-B35C-4995-B796-EF350D2C4E9D}">
+    <dsp:sp modelId="{489E0305-6467-456F-B5DA-20A31AE19126}">
       <dsp:nvSpPr>
         <dsp:cNvPr id="0" name=""/>
         <dsp:cNvSpPr/>
       </dsp:nvSpPr>
       <dsp:spPr>
         <a:xfrm>
-          <a:off x="0" y="3458460"/>
-          <a:ext cx="6492875" cy="767520"/>
+          <a:off x="0" y="2915377"/>
+          <a:ext cx="6492875" cy="647595"/>
         </a:xfrm>
         <a:prstGeom prst="roundRect">
           <a:avLst/>
         </a:prstGeom>
         <a:solidFill>
           <a:schemeClr val="accent2">
-            <a:hueOff val="-2875169"/>
-            <a:satOff val="19778"/>
-            <a:lumOff val="2195"/>
+            <a:hueOff val="-2395974"/>
+            <a:satOff val="16481"/>
+            <a:lumOff val="1829"/>
             <a:alphaOff val="0"/>
           </a:schemeClr>
         </a:solidFill>
@@ -3081,12 +3212,12 @@
         </a:fontRef>
       </dsp:style>
       <dsp:txBody>
-        <a:bodyPr spcFirstLastPara="0" vert="horz" wrap="square" lIns="121920" tIns="121920" rIns="121920" bIns="121920" numCol="1" spcCol="1270" anchor="ctr" anchorCtr="0">
+        <a:bodyPr spcFirstLastPara="0" vert="horz" wrap="square" lIns="102870" tIns="102870" rIns="102870" bIns="102870" numCol="1" spcCol="1270" anchor="ctr" anchorCtr="0">
           <a:noAutofit/>
         </a:bodyPr>
         <a:lstStyle/>
         <a:p>
-          <a:pPr marL="0" lvl="0" indent="0" algn="l" defTabSz="1422400">
+          <a:pPr marL="0" lvl="0" indent="0" algn="l" defTabSz="1200150">
             <a:lnSpc>
               <a:spcPct val="90000"/>
             </a:lnSpc>
@@ -3099,23 +3230,108 @@
             <a:buNone/>
           </a:pPr>
           <a:r>
-            <a:rPr lang="fr-FR" sz="3200" b="1" kern="1200" dirty="0"/>
-            <a:t>V. Method of </a:t>
+            <a:rPr lang="fr-FR" sz="2700" b="1" kern="1200" dirty="0"/>
+            <a:t>V. </a:t>
           </a:r>
           <a:r>
-            <a:rPr lang="fr-FR" sz="3200" b="1" kern="1200" dirty="0" err="1"/>
+            <a:rPr lang="en-US" sz="2700" b="1" kern="1200" dirty="0" err="1"/>
+            <a:t>DataBase</a:t>
+          </a:r>
+          <a:r>
+            <a:rPr lang="en-US" sz="2700" b="1" kern="1200" dirty="0"/>
+            <a:t> Design</a:t>
+          </a:r>
+        </a:p>
+      </dsp:txBody>
+      <dsp:txXfrm>
+        <a:off x="31613" y="2946990"/>
+        <a:ext cx="6429649" cy="584369"/>
+      </dsp:txXfrm>
+    </dsp:sp>
+    <dsp:sp modelId="{E23F0068-B35C-4995-B796-EF350D2C4E9D}">
+      <dsp:nvSpPr>
+        <dsp:cNvPr id="0" name=""/>
+        <dsp:cNvSpPr/>
+      </dsp:nvSpPr>
+      <dsp:spPr>
+        <a:xfrm>
+          <a:off x="0" y="3679612"/>
+          <a:ext cx="6492875" cy="647595"/>
+        </a:xfrm>
+        <a:prstGeom prst="roundRect">
+          <a:avLst/>
+        </a:prstGeom>
+        <a:solidFill>
+          <a:schemeClr val="accent2">
+            <a:hueOff val="-2994968"/>
+            <a:satOff val="20602"/>
+            <a:lumOff val="2287"/>
+            <a:alphaOff val="0"/>
+          </a:schemeClr>
+        </a:solidFill>
+        <a:ln w="15875" cap="rnd" cmpd="sng" algn="ctr">
+          <a:solidFill>
+            <a:schemeClr val="lt1">
+              <a:hueOff val="0"/>
+              <a:satOff val="0"/>
+              <a:lumOff val="0"/>
+              <a:alphaOff val="0"/>
+            </a:schemeClr>
+          </a:solidFill>
+          <a:prstDash val="solid"/>
+        </a:ln>
+        <a:effectLst/>
+      </dsp:spPr>
+      <dsp:style>
+        <a:lnRef idx="2">
+          <a:scrgbClr r="0" g="0" b="0"/>
+        </a:lnRef>
+        <a:fillRef idx="1">
+          <a:scrgbClr r="0" g="0" b="0"/>
+        </a:fillRef>
+        <a:effectRef idx="0">
+          <a:scrgbClr r="0" g="0" b="0"/>
+        </a:effectRef>
+        <a:fontRef idx="minor">
+          <a:schemeClr val="lt1"/>
+        </a:fontRef>
+      </dsp:style>
+      <dsp:txBody>
+        <a:bodyPr spcFirstLastPara="0" vert="horz" wrap="square" lIns="102870" tIns="102870" rIns="102870" bIns="102870" numCol="1" spcCol="1270" anchor="ctr" anchorCtr="0">
+          <a:noAutofit/>
+        </a:bodyPr>
+        <a:lstStyle/>
+        <a:p>
+          <a:pPr marL="0" lvl="0" indent="0" algn="l" defTabSz="1200150">
+            <a:lnSpc>
+              <a:spcPct val="90000"/>
+            </a:lnSpc>
+            <a:spcBef>
+              <a:spcPct val="0"/>
+            </a:spcBef>
+            <a:spcAft>
+              <a:spcPct val="35000"/>
+            </a:spcAft>
+            <a:buNone/>
+          </a:pPr>
+          <a:r>
+            <a:rPr lang="fr-FR" sz="2700" b="1" kern="1200" dirty="0"/>
+            <a:t>VI. Method of </a:t>
+          </a:r>
+          <a:r>
+            <a:rPr lang="fr-FR" sz="2700" b="1" kern="1200" dirty="0" err="1"/>
             <a:t>conding</a:t>
           </a:r>
           <a:r>
-            <a:rPr lang="fr-FR" sz="3200" b="1" kern="1200" dirty="0"/>
+            <a:rPr lang="fr-FR" sz="2700" b="1" kern="1200" dirty="0"/>
             <a:t> in team</a:t>
           </a:r>
-          <a:endParaRPr lang="en-US" sz="3200" kern="1200" dirty="0"/>
+          <a:endParaRPr lang="en-US" sz="2700" kern="1200" dirty="0"/>
         </a:p>
       </dsp:txBody>
       <dsp:txXfrm>
-        <a:off x="37467" y="3495927"/>
-        <a:ext cx="6417941" cy="692586"/>
+        <a:off x="31613" y="3711225"/>
+        <a:ext cx="6429649" cy="584369"/>
       </dsp:txXfrm>
     </dsp:sp>
     <dsp:sp modelId="{84D7883C-C6C0-4BB3-9D29-BD13E2E1C582}">
@@ -3125,8 +3341,8 @@
       </dsp:nvSpPr>
       <dsp:spPr>
         <a:xfrm>
-          <a:off x="0" y="4318140"/>
-          <a:ext cx="6492875" cy="767520"/>
+          <a:off x="0" y="4404967"/>
+          <a:ext cx="6492875" cy="647595"/>
         </a:xfrm>
         <a:prstGeom prst="roundRect">
           <a:avLst/>
@@ -3167,12 +3383,12 @@
         </a:fontRef>
       </dsp:style>
       <dsp:txBody>
-        <a:bodyPr spcFirstLastPara="0" vert="horz" wrap="square" lIns="121920" tIns="121920" rIns="121920" bIns="121920" numCol="1" spcCol="1270" anchor="ctr" anchorCtr="0">
+        <a:bodyPr spcFirstLastPara="0" vert="horz" wrap="square" lIns="102870" tIns="102870" rIns="102870" bIns="102870" numCol="1" spcCol="1270" anchor="ctr" anchorCtr="0">
           <a:noAutofit/>
         </a:bodyPr>
         <a:lstStyle/>
         <a:p>
-          <a:pPr marL="0" lvl="0" indent="0" algn="l" defTabSz="1422400">
+          <a:pPr marL="0" lvl="0" indent="0" algn="l" defTabSz="1200150">
             <a:lnSpc>
               <a:spcPct val="90000"/>
             </a:lnSpc>
@@ -3185,19 +3401,19 @@
             <a:buNone/>
           </a:pPr>
           <a:r>
-            <a:rPr lang="fr-FR" sz="3200" b="1" kern="1200" dirty="0"/>
-            <a:t>VI. Application </a:t>
+            <a:rPr lang="fr-FR" sz="2700" b="1" kern="1200" dirty="0"/>
+            <a:t>VII. Application </a:t>
           </a:r>
           <a:r>
-            <a:rPr lang="fr-FR" sz="3200" b="1" kern="1200" dirty="0" err="1"/>
+            <a:rPr lang="fr-FR" sz="2700" b="1" kern="1200" dirty="0" err="1"/>
             <a:t>Demo</a:t>
           </a:r>
-          <a:endParaRPr lang="en-US" sz="3200" kern="1200" dirty="0"/>
+          <a:endParaRPr lang="en-US" sz="2700" kern="1200" dirty="0"/>
         </a:p>
       </dsp:txBody>
       <dsp:txXfrm>
-        <a:off x="37467" y="4355607"/>
-        <a:ext cx="6417941" cy="692586"/>
+        <a:off x="31613" y="4436580"/>
+        <a:ext cx="6429649" cy="584369"/>
       </dsp:txXfrm>
     </dsp:sp>
   </dsp:spTree>
@@ -3212,14 +3428,14 @@
       <dsp:cNvGrpSpPr/>
     </dsp:nvGrpSpPr>
     <dsp:grpSpPr/>
-    <dsp:sp modelId="{C02E614C-9038-4DED-B1BB-CBFC07CE45AC}">
+    <dsp:sp modelId="{E0B61BB2-6BCD-4E95-9559-15AF8ACB2CC9}">
       <dsp:nvSpPr>
         <dsp:cNvPr id="0" name=""/>
         <dsp:cNvSpPr/>
       </dsp:nvSpPr>
       <dsp:spPr>
         <a:xfrm>
-          <a:off x="0" y="293654"/>
+          <a:off x="0" y="65302"/>
           <a:ext cx="6492875" cy="407745"/>
         </a:xfrm>
         <a:prstGeom prst="roundRect">
@@ -3279,13 +3495,119 @@
             <a:buNone/>
           </a:pPr>
           <a:r>
-            <a:rPr lang="fr-FR" sz="1700" kern="1200"/>
-            <a:t>View the list of all airports </a:t>
+            <a:rPr lang="en-US" sz="1700" b="0" i="0" kern="1200" dirty="0"/>
+            <a:t>Log-In Page (Passenger , Agent , </a:t>
+          </a:r>
+          <a:r>
+            <a:rPr lang="en-US" sz="1700" b="0" i="0" kern="1200" dirty="0" err="1"/>
+            <a:t>Admim</a:t>
+          </a:r>
+          <a:r>
+            <a:rPr lang="en-US" sz="1700" b="0" i="0" kern="1200" dirty="0"/>
+            <a:t>)</a:t>
+          </a:r>
+          <a:endParaRPr lang="fr-FR" sz="1700" kern="1200" dirty="0"/>
+        </a:p>
+      </dsp:txBody>
+      <dsp:txXfrm>
+        <a:off x="19904" y="85206"/>
+        <a:ext cx="6453067" cy="367937"/>
+      </dsp:txXfrm>
+    </dsp:sp>
+    <dsp:sp modelId="{C02E614C-9038-4DED-B1BB-CBFC07CE45AC}">
+      <dsp:nvSpPr>
+        <dsp:cNvPr id="0" name=""/>
+        <dsp:cNvSpPr/>
+      </dsp:nvSpPr>
+      <dsp:spPr>
+        <a:xfrm>
+          <a:off x="0" y="522007"/>
+          <a:ext cx="6492875" cy="407745"/>
+        </a:xfrm>
+        <a:prstGeom prst="roundRect">
+          <a:avLst/>
+        </a:prstGeom>
+        <a:solidFill>
+          <a:schemeClr val="accent5">
+            <a:hueOff val="-371562"/>
+            <a:satOff val="366"/>
+            <a:lumOff val="824"/>
+            <a:alphaOff val="0"/>
+          </a:schemeClr>
+        </a:solidFill>
+        <a:ln w="15875" cap="rnd" cmpd="sng" algn="ctr">
+          <a:solidFill>
+            <a:schemeClr val="lt1">
+              <a:hueOff val="0"/>
+              <a:satOff val="0"/>
+              <a:lumOff val="0"/>
+              <a:alphaOff val="0"/>
+            </a:schemeClr>
+          </a:solidFill>
+          <a:prstDash val="solid"/>
+        </a:ln>
+        <a:effectLst/>
+      </dsp:spPr>
+      <dsp:style>
+        <a:lnRef idx="2">
+          <a:scrgbClr r="0" g="0" b="0"/>
+        </a:lnRef>
+        <a:fillRef idx="1">
+          <a:scrgbClr r="0" g="0" b="0"/>
+        </a:fillRef>
+        <a:effectRef idx="0">
+          <a:scrgbClr r="0" g="0" b="0"/>
+        </a:effectRef>
+        <a:fontRef idx="minor">
+          <a:schemeClr val="lt1"/>
+        </a:fontRef>
+      </dsp:style>
+      <dsp:txBody>
+        <a:bodyPr spcFirstLastPara="0" vert="horz" wrap="square" lIns="64770" tIns="64770" rIns="64770" bIns="64770" numCol="1" spcCol="1270" anchor="ctr" anchorCtr="0">
+          <a:noAutofit/>
+        </a:bodyPr>
+        <a:lstStyle/>
+        <a:p>
+          <a:pPr marL="0" lvl="0" indent="0" algn="l" defTabSz="755650">
+            <a:lnSpc>
+              <a:spcPct val="90000"/>
+            </a:lnSpc>
+            <a:spcBef>
+              <a:spcPct val="0"/>
+            </a:spcBef>
+            <a:spcAft>
+              <a:spcPct val="35000"/>
+            </a:spcAft>
+            <a:buNone/>
+          </a:pPr>
+          <a:r>
+            <a:rPr lang="fr-FR" sz="1700" kern="1200" dirty="0" err="1"/>
+            <a:t>View</a:t>
+          </a:r>
+          <a:r>
+            <a:rPr lang="fr-FR" sz="1700" kern="1200" dirty="0"/>
+            <a:t> the </a:t>
+          </a:r>
+          <a:r>
+            <a:rPr lang="fr-FR" sz="1700" kern="1200" dirty="0" err="1"/>
+            <a:t>list</a:t>
+          </a:r>
+          <a:r>
+            <a:rPr lang="fr-FR" sz="1700" kern="1200" dirty="0"/>
+            <a:t> of all </a:t>
+          </a:r>
+          <a:r>
+            <a:rPr lang="fr-FR" sz="1700" kern="1200" dirty="0" err="1"/>
+            <a:t>airports</a:t>
+          </a:r>
+          <a:r>
+            <a:rPr lang="fr-FR" sz="1700" kern="1200" dirty="0"/>
+            <a:t> </a:t>
           </a:r>
         </a:p>
       </dsp:txBody>
       <dsp:txXfrm>
-        <a:off x="19904" y="313558"/>
+        <a:off x="19904" y="541911"/>
         <a:ext cx="6453067" cy="367937"/>
       </dsp:txXfrm>
     </dsp:sp>
@@ -3296,7 +3618,7 @@
       </dsp:nvSpPr>
       <dsp:spPr>
         <a:xfrm>
-          <a:off x="0" y="750359"/>
+          <a:off x="0" y="978712"/>
           <a:ext cx="6492875" cy="407745"/>
         </a:xfrm>
         <a:prstGeom prst="roundRect">
@@ -3304,9 +3626,9 @@
         </a:prstGeom>
         <a:solidFill>
           <a:schemeClr val="accent5">
-            <a:hueOff val="-412847"/>
-            <a:satOff val="406"/>
-            <a:lumOff val="915"/>
+            <a:hueOff val="-743124"/>
+            <a:satOff val="732"/>
+            <a:lumOff val="1647"/>
             <a:alphaOff val="0"/>
           </a:schemeClr>
         </a:solidFill>
@@ -3375,7 +3697,7 @@
         </a:p>
       </dsp:txBody>
       <dsp:txXfrm>
-        <a:off x="19904" y="770263"/>
+        <a:off x="19904" y="998616"/>
         <a:ext cx="6453067" cy="367937"/>
       </dsp:txXfrm>
     </dsp:sp>
@@ -3386,7 +3708,7 @@
       </dsp:nvSpPr>
       <dsp:spPr>
         <a:xfrm>
-          <a:off x="0" y="1207064"/>
+          <a:off x="0" y="1435417"/>
           <a:ext cx="6492875" cy="407745"/>
         </a:xfrm>
         <a:prstGeom prst="roundRect">
@@ -3394,9 +3716,9 @@
         </a:prstGeom>
         <a:solidFill>
           <a:schemeClr val="accent5">
-            <a:hueOff val="-825694"/>
-            <a:satOff val="813"/>
-            <a:lumOff val="1830"/>
+            <a:hueOff val="-1114687"/>
+            <a:satOff val="1097"/>
+            <a:lumOff val="2471"/>
             <a:alphaOff val="0"/>
           </a:schemeClr>
         </a:solidFill>
@@ -3473,7 +3795,7 @@
         </a:p>
       </dsp:txBody>
       <dsp:txXfrm>
-        <a:off x="19904" y="1226968"/>
+        <a:off x="19904" y="1455321"/>
         <a:ext cx="6453067" cy="367937"/>
       </dsp:txXfrm>
     </dsp:sp>
@@ -3484,7 +3806,7 @@
       </dsp:nvSpPr>
       <dsp:spPr>
         <a:xfrm>
-          <a:off x="0" y="1663769"/>
+          <a:off x="0" y="1892122"/>
           <a:ext cx="6492875" cy="407745"/>
         </a:xfrm>
         <a:prstGeom prst="roundRect">
@@ -3492,9 +3814,9 @@
         </a:prstGeom>
         <a:solidFill>
           <a:schemeClr val="accent5">
-            <a:hueOff val="-1238541"/>
-            <a:satOff val="1219"/>
-            <a:lumOff val="2745"/>
+            <a:hueOff val="-1486249"/>
+            <a:satOff val="1463"/>
+            <a:lumOff val="3294"/>
             <a:alphaOff val="0"/>
           </a:schemeClr>
         </a:solidFill>
@@ -3551,7 +3873,7 @@
         </a:p>
       </dsp:txBody>
       <dsp:txXfrm>
-        <a:off x="19904" y="1683673"/>
+        <a:off x="19904" y="1912026"/>
         <a:ext cx="6453067" cy="367937"/>
       </dsp:txXfrm>
     </dsp:sp>
@@ -3562,7 +3884,7 @@
       </dsp:nvSpPr>
       <dsp:spPr>
         <a:xfrm>
-          <a:off x="0" y="2120475"/>
+          <a:off x="0" y="2348827"/>
           <a:ext cx="6492875" cy="407745"/>
         </a:xfrm>
         <a:prstGeom prst="roundRect">
@@ -3570,9 +3892,9 @@
         </a:prstGeom>
         <a:solidFill>
           <a:schemeClr val="accent5">
-            <a:hueOff val="-1651388"/>
-            <a:satOff val="1626"/>
-            <a:lumOff val="3660"/>
+            <a:hueOff val="-1857811"/>
+            <a:satOff val="1829"/>
+            <a:lumOff val="4118"/>
             <a:alphaOff val="0"/>
           </a:schemeClr>
         </a:solidFill>
@@ -3629,7 +3951,7 @@
         </a:p>
       </dsp:txBody>
       <dsp:txXfrm>
-        <a:off x="19904" y="2140379"/>
+        <a:off x="19904" y="2368731"/>
         <a:ext cx="6453067" cy="367937"/>
       </dsp:txXfrm>
     </dsp:sp>
@@ -3640,7 +3962,7 @@
       </dsp:nvSpPr>
       <dsp:spPr>
         <a:xfrm>
-          <a:off x="0" y="2577180"/>
+          <a:off x="0" y="2805532"/>
           <a:ext cx="6492875" cy="407745"/>
         </a:xfrm>
         <a:prstGeom prst="roundRect">
@@ -3648,9 +3970,9 @@
         </a:prstGeom>
         <a:solidFill>
           <a:schemeClr val="accent5">
-            <a:hueOff val="-2064234"/>
-            <a:satOff val="2032"/>
-            <a:lumOff val="4576"/>
+            <a:hueOff val="-2229373"/>
+            <a:satOff val="2195"/>
+            <a:lumOff val="4942"/>
             <a:alphaOff val="0"/>
           </a:schemeClr>
         </a:solidFill>
@@ -3707,7 +4029,7 @@
         </a:p>
       </dsp:txBody>
       <dsp:txXfrm>
-        <a:off x="19904" y="2597084"/>
+        <a:off x="19904" y="2825436"/>
         <a:ext cx="6453067" cy="367937"/>
       </dsp:txXfrm>
     </dsp:sp>
@@ -3718,7 +4040,7 @@
       </dsp:nvSpPr>
       <dsp:spPr>
         <a:xfrm>
-          <a:off x="0" y="3033885"/>
+          <a:off x="0" y="3262237"/>
           <a:ext cx="6492875" cy="407745"/>
         </a:xfrm>
         <a:prstGeom prst="roundRect">
@@ -3726,9 +4048,9 @@
         </a:prstGeom>
         <a:solidFill>
           <a:schemeClr val="accent5">
-            <a:hueOff val="-2477081"/>
-            <a:satOff val="2439"/>
-            <a:lumOff val="5491"/>
+            <a:hueOff val="-2600935"/>
+            <a:satOff val="2561"/>
+            <a:lumOff val="5765"/>
             <a:alphaOff val="0"/>
           </a:schemeClr>
         </a:solidFill>
@@ -3785,7 +4107,7 @@
         </a:p>
       </dsp:txBody>
       <dsp:txXfrm>
-        <a:off x="19904" y="3053789"/>
+        <a:off x="19904" y="3282141"/>
         <a:ext cx="6453067" cy="367937"/>
       </dsp:txXfrm>
     </dsp:sp>
@@ -3796,7 +4118,7 @@
       </dsp:nvSpPr>
       <dsp:spPr>
         <a:xfrm>
-          <a:off x="0" y="3490590"/>
+          <a:off x="0" y="3718942"/>
           <a:ext cx="6492875" cy="407745"/>
         </a:xfrm>
         <a:prstGeom prst="roundRect">
@@ -3804,9 +4126,9 @@
         </a:prstGeom>
         <a:solidFill>
           <a:schemeClr val="accent5">
-            <a:hueOff val="-2889928"/>
-            <a:satOff val="2845"/>
-            <a:lumOff val="6406"/>
+            <a:hueOff val="-2972498"/>
+            <a:satOff val="2926"/>
+            <a:lumOff val="6589"/>
             <a:alphaOff val="0"/>
           </a:schemeClr>
         </a:solidFill>
@@ -3863,7 +4185,7 @@
         </a:p>
       </dsp:txBody>
       <dsp:txXfrm>
-        <a:off x="19904" y="3510494"/>
+        <a:off x="19904" y="3738846"/>
         <a:ext cx="6453067" cy="367937"/>
       </dsp:txXfrm>
     </dsp:sp>
@@ -3874,7 +4196,7 @@
       </dsp:nvSpPr>
       <dsp:spPr>
         <a:xfrm>
-          <a:off x="0" y="3947295"/>
+          <a:off x="0" y="4175647"/>
           <a:ext cx="6492875" cy="407745"/>
         </a:xfrm>
         <a:prstGeom prst="roundRect">
@@ -3882,9 +4204,9 @@
         </a:prstGeom>
         <a:solidFill>
           <a:schemeClr val="accent5">
-            <a:hueOff val="-3302775"/>
-            <a:satOff val="3252"/>
-            <a:lumOff val="7321"/>
+            <a:hueOff val="-3344060"/>
+            <a:satOff val="3292"/>
+            <a:lumOff val="7412"/>
             <a:alphaOff val="0"/>
           </a:schemeClr>
         </a:solidFill>
@@ -3941,7 +4263,7 @@
         </a:p>
       </dsp:txBody>
       <dsp:txXfrm>
-        <a:off x="19904" y="3967199"/>
+        <a:off x="19904" y="4195551"/>
         <a:ext cx="6453067" cy="367937"/>
       </dsp:txXfrm>
     </dsp:sp>
@@ -3952,7 +4274,7 @@
       </dsp:nvSpPr>
       <dsp:spPr>
         <a:xfrm>
-          <a:off x="0" y="4404000"/>
+          <a:off x="0" y="4632352"/>
           <a:ext cx="6492875" cy="407745"/>
         </a:xfrm>
         <a:prstGeom prst="roundRect">
@@ -4019,7 +4341,7 @@
         </a:p>
       </dsp:txBody>
       <dsp:txXfrm>
-        <a:off x="19904" y="4423904"/>
+        <a:off x="19904" y="4652256"/>
         <a:ext cx="6453067" cy="367937"/>
       </dsp:txXfrm>
     </dsp:sp>
@@ -13257,10 +13579,10 @@
       </p:grpSp>
       <p:pic>
         <p:nvPicPr>
-          <p:cNvPr id="5" name="Content Placeholder 4" descr="A picture containing diagram&#10;&#10;Description automatically generated">
+          <p:cNvPr id="5" name="Content Placeholder 4" descr="Diagram&#10;&#10;Description automatically generated">
             <a:extLst>
               <a:ext uri="{FF2B5EF4-FFF2-40B4-BE49-F238E27FC236}">
-                <a16:creationId xmlns:a16="http://schemas.microsoft.com/office/drawing/2014/main" id="{9DF08BB3-C993-43B3-9689-D028546DEFFD}"/>
+                <a16:creationId xmlns:a16="http://schemas.microsoft.com/office/drawing/2014/main" id="{C904553B-3F26-44DF-B561-A2DA063ADEF2}"/>
               </a:ext>
             </a:extLst>
           </p:cNvPr>
@@ -13279,7 +13601,7 @@
               </a:ext>
             </a:extLst>
           </a:blip>
-          <a:srcRect l="444"/>
+          <a:srcRect l="6414" r="22919"/>
           <a:stretch/>
         </p:blipFill>
         <p:spPr>
@@ -13295,7 +13617,7 @@
     </p:spTree>
     <p:extLst>
       <p:ext uri="{BB962C8B-B14F-4D97-AF65-F5344CB8AC3E}">
-        <p14:creationId xmlns:p14="http://schemas.microsoft.com/office/powerpoint/2010/main" val="1980100292"/>
+        <p14:creationId xmlns:p14="http://schemas.microsoft.com/office/powerpoint/2010/main" val="1941309220"/>
       </p:ext>
     </p:extLst>
   </p:cSld>
@@ -13306,6 +13628,515 @@
 </file>
 
 <file path=ppt/slides/slide11.xml><?xml version="1.0" encoding="utf-8"?>
+<p:sld xmlns:a="http://schemas.openxmlformats.org/drawingml/2006/main" xmlns:r="http://schemas.openxmlformats.org/officeDocument/2006/relationships" xmlns:p="http://schemas.openxmlformats.org/presentationml/2006/main">
+  <p:cSld>
+    <p:bg>
+      <p:bgPr>
+        <a:blipFill rotWithShape="1">
+          <a:blip r:embed="rId2">
+            <a:duotone>
+              <a:schemeClr val="bg2">
+                <a:shade val="76000"/>
+                <a:satMod val="180000"/>
+              </a:schemeClr>
+              <a:schemeClr val="bg2">
+                <a:tint val="80000"/>
+                <a:satMod val="120000"/>
+                <a:lumMod val="180000"/>
+              </a:schemeClr>
+            </a:duotone>
+          </a:blip>
+          <a:stretch/>
+        </a:blipFill>
+        <a:effectLst/>
+      </p:bgPr>
+    </p:bg>
+    <p:spTree>
+      <p:nvGrpSpPr>
+        <p:cNvPr id="1" name=""/>
+        <p:cNvGrpSpPr/>
+        <p:nvPr/>
+      </p:nvGrpSpPr>
+      <p:grpSpPr>
+        <a:xfrm>
+          <a:off x="0" y="0"/>
+          <a:ext cx="0" cy="0"/>
+          <a:chOff x="0" y="0"/>
+          <a:chExt cx="0" cy="0"/>
+        </a:xfrm>
+      </p:grpSpPr>
+      <p:grpSp>
+        <p:nvGrpSpPr>
+          <p:cNvPr id="12" name="Group 11">
+            <a:extLst>
+              <a:ext uri="{FF2B5EF4-FFF2-40B4-BE49-F238E27FC236}">
+                <a16:creationId xmlns:a16="http://schemas.microsoft.com/office/drawing/2014/main" id="{6ADA8EC3-01C5-453C-91A6-D01B9E15BF0B}"/>
+              </a:ext>
+              <a:ext uri="{C183D7F6-B498-43B3-948B-1728B52AA6E4}">
+                <adec:decorative xmlns:adec="http://schemas.microsoft.com/office/drawing/2017/decorative" val="1"/>
+              </a:ext>
+            </a:extLst>
+          </p:cNvPr>
+          <p:cNvGrpSpPr>
+            <a:grpSpLocks noGrp="1" noUngrp="1" noRot="1" noChangeAspect="1" noMove="1" noResize="1"/>
+          </p:cNvGrpSpPr>
+          <p:nvPr>
+            <p:extLst>
+              <p:ext uri="{386F3935-93C4-4BCD-93E2-E3B085C9AB24}">
+                <p16:designElem xmlns:p16="http://schemas.microsoft.com/office/powerpoint/2015/main" val="1"/>
+              </p:ext>
+            </p:extLst>
+          </p:nvPr>
+        </p:nvGrpSpPr>
+        <p:grpSpPr>
+          <a:xfrm>
+            <a:off x="150812" y="0"/>
+            <a:ext cx="2436813" cy="6858001"/>
+            <a:chOff x="1320800" y="0"/>
+            <a:chExt cx="2436813" cy="6858001"/>
+          </a:xfrm>
+        </p:grpSpPr>
+        <p:sp>
+          <p:nvSpPr>
+            <p:cNvPr id="13" name="Freeform 6">
+              <a:extLst>
+                <a:ext uri="{FF2B5EF4-FFF2-40B4-BE49-F238E27FC236}">
+                  <a16:creationId xmlns:a16="http://schemas.microsoft.com/office/drawing/2014/main" id="{9A1D7546-68ED-4F66-AA8D-D04BEAD39382}"/>
+                </a:ext>
+                <a:ext uri="{C183D7F6-B498-43B3-948B-1728B52AA6E4}">
+                  <adec:decorative xmlns:adec="http://schemas.microsoft.com/office/drawing/2017/decorative" val="1"/>
+                </a:ext>
+              </a:extLst>
+            </p:cNvPr>
+            <p:cNvSpPr/>
+            <p:nvPr>
+              <p:extLst>
+                <p:ext uri="{386F3935-93C4-4BCD-93E2-E3B085C9AB24}">
+                  <p16:designElem xmlns:p16="http://schemas.microsoft.com/office/powerpoint/2015/main" val="1"/>
+                </p:ext>
+              </p:extLst>
+            </p:nvPr>
+          </p:nvSpPr>
+          <p:spPr bwMode="auto">
+            <a:xfrm>
+              <a:off x="1627188" y="0"/>
+              <a:ext cx="1122363" cy="5329238"/>
+            </a:xfrm>
+            <a:custGeom>
+              <a:avLst/>
+              <a:gdLst/>
+              <a:ahLst/>
+              <a:cxnLst/>
+              <a:rect l="0" t="0" r="r" b="b"/>
+              <a:pathLst>
+                <a:path w="707" h="3357">
+                  <a:moveTo>
+                    <a:pt x="0" y="3330"/>
+                  </a:moveTo>
+                  <a:lnTo>
+                    <a:pt x="156" y="3357"/>
+                  </a:lnTo>
+                  <a:lnTo>
+                    <a:pt x="707" y="0"/>
+                  </a:lnTo>
+                  <a:lnTo>
+                    <a:pt x="547" y="0"/>
+                  </a:lnTo>
+                  <a:lnTo>
+                    <a:pt x="0" y="3330"/>
+                  </a:lnTo>
+                  <a:close/>
+                </a:path>
+              </a:pathLst>
+            </a:custGeom>
+            <a:solidFill>
+              <a:schemeClr val="accent1"/>
+            </a:solidFill>
+            <a:ln>
+              <a:noFill/>
+            </a:ln>
+          </p:spPr>
+        </p:sp>
+        <p:sp>
+          <p:nvSpPr>
+            <p:cNvPr id="14" name="Freeform 7">
+              <a:extLst>
+                <a:ext uri="{FF2B5EF4-FFF2-40B4-BE49-F238E27FC236}">
+                  <a16:creationId xmlns:a16="http://schemas.microsoft.com/office/drawing/2014/main" id="{FCFE8A66-699D-4E05-B8FC-C31AE461D68A}"/>
+                </a:ext>
+                <a:ext uri="{C183D7F6-B498-43B3-948B-1728B52AA6E4}">
+                  <adec:decorative xmlns:adec="http://schemas.microsoft.com/office/drawing/2017/decorative" val="1"/>
+                </a:ext>
+              </a:extLst>
+            </p:cNvPr>
+            <p:cNvSpPr/>
+            <p:nvPr>
+              <p:extLst>
+                <p:ext uri="{386F3935-93C4-4BCD-93E2-E3B085C9AB24}">
+                  <p16:designElem xmlns:p16="http://schemas.microsoft.com/office/powerpoint/2015/main" val="1"/>
+                </p:ext>
+              </p:extLst>
+            </p:nvPr>
+          </p:nvSpPr>
+          <p:spPr bwMode="auto">
+            <a:xfrm>
+              <a:off x="1320800" y="0"/>
+              <a:ext cx="1117600" cy="5276850"/>
+            </a:xfrm>
+            <a:custGeom>
+              <a:avLst/>
+              <a:gdLst/>
+              <a:ahLst/>
+              <a:cxnLst/>
+              <a:rect l="0" t="0" r="r" b="b"/>
+              <a:pathLst>
+                <a:path w="704" h="3324">
+                  <a:moveTo>
+                    <a:pt x="704" y="0"/>
+                  </a:moveTo>
+                  <a:lnTo>
+                    <a:pt x="545" y="0"/>
+                  </a:lnTo>
+                  <a:lnTo>
+                    <a:pt x="0" y="3300"/>
+                  </a:lnTo>
+                  <a:lnTo>
+                    <a:pt x="157" y="3324"/>
+                  </a:lnTo>
+                  <a:lnTo>
+                    <a:pt x="704" y="0"/>
+                  </a:lnTo>
+                  <a:close/>
+                </a:path>
+              </a:pathLst>
+            </a:custGeom>
+            <a:solidFill>
+              <a:schemeClr val="tx1">
+                <a:lumMod val="65000"/>
+                <a:lumOff val="35000"/>
+              </a:schemeClr>
+            </a:solidFill>
+            <a:ln>
+              <a:noFill/>
+            </a:ln>
+          </p:spPr>
+        </p:sp>
+        <p:sp>
+          <p:nvSpPr>
+            <p:cNvPr id="15" name="Freeform 8">
+              <a:extLst>
+                <a:ext uri="{FF2B5EF4-FFF2-40B4-BE49-F238E27FC236}">
+                  <a16:creationId xmlns:a16="http://schemas.microsoft.com/office/drawing/2014/main" id="{A124234B-D5D1-45F9-9B32-264F699BCA58}"/>
+                </a:ext>
+                <a:ext uri="{C183D7F6-B498-43B3-948B-1728B52AA6E4}">
+                  <adec:decorative xmlns:adec="http://schemas.microsoft.com/office/drawing/2017/decorative" val="1"/>
+                </a:ext>
+              </a:extLst>
+            </p:cNvPr>
+            <p:cNvSpPr/>
+            <p:nvPr>
+              <p:extLst>
+                <p:ext uri="{386F3935-93C4-4BCD-93E2-E3B085C9AB24}">
+                  <p16:designElem xmlns:p16="http://schemas.microsoft.com/office/powerpoint/2015/main" val="1"/>
+                </p:ext>
+              </p:extLst>
+            </p:nvPr>
+          </p:nvSpPr>
+          <p:spPr bwMode="auto">
+            <a:xfrm>
+              <a:off x="1320800" y="5238750"/>
+              <a:ext cx="1228725" cy="1619250"/>
+            </a:xfrm>
+            <a:custGeom>
+              <a:avLst/>
+              <a:gdLst/>
+              <a:ahLst/>
+              <a:cxnLst/>
+              <a:rect l="0" t="0" r="r" b="b"/>
+              <a:pathLst>
+                <a:path w="774" h="1020">
+                  <a:moveTo>
+                    <a:pt x="0" y="0"/>
+                  </a:moveTo>
+                  <a:lnTo>
+                    <a:pt x="740" y="1020"/>
+                  </a:lnTo>
+                  <a:lnTo>
+                    <a:pt x="774" y="1020"/>
+                  </a:lnTo>
+                  <a:lnTo>
+                    <a:pt x="0" y="0"/>
+                  </a:lnTo>
+                  <a:close/>
+                </a:path>
+              </a:pathLst>
+            </a:custGeom>
+            <a:solidFill>
+              <a:schemeClr val="tx1">
+                <a:lumMod val="85000"/>
+                <a:lumOff val="15000"/>
+              </a:schemeClr>
+            </a:solidFill>
+            <a:ln>
+              <a:noFill/>
+            </a:ln>
+          </p:spPr>
+        </p:sp>
+        <p:sp>
+          <p:nvSpPr>
+            <p:cNvPr id="16" name="Freeform 9">
+              <a:extLst>
+                <a:ext uri="{FF2B5EF4-FFF2-40B4-BE49-F238E27FC236}">
+                  <a16:creationId xmlns:a16="http://schemas.microsoft.com/office/drawing/2014/main" id="{7A0B0249-AEB7-44A1-BEC3-A0C07E9E31D7}"/>
+                </a:ext>
+                <a:ext uri="{C183D7F6-B498-43B3-948B-1728B52AA6E4}">
+                  <adec:decorative xmlns:adec="http://schemas.microsoft.com/office/drawing/2017/decorative" val="1"/>
+                </a:ext>
+              </a:extLst>
+            </p:cNvPr>
+            <p:cNvSpPr/>
+            <p:nvPr>
+              <p:extLst>
+                <p:ext uri="{386F3935-93C4-4BCD-93E2-E3B085C9AB24}">
+                  <p16:designElem xmlns:p16="http://schemas.microsoft.com/office/powerpoint/2015/main" val="1"/>
+                </p:ext>
+              </p:extLst>
+            </p:nvPr>
+          </p:nvSpPr>
+          <p:spPr bwMode="auto">
+            <a:xfrm>
+              <a:off x="1627188" y="5291138"/>
+              <a:ext cx="1495425" cy="1566863"/>
+            </a:xfrm>
+            <a:custGeom>
+              <a:avLst/>
+              <a:gdLst/>
+              <a:ahLst/>
+              <a:cxnLst/>
+              <a:rect l="0" t="0" r="r" b="b"/>
+              <a:pathLst>
+                <a:path w="942" h="987">
+                  <a:moveTo>
+                    <a:pt x="0" y="0"/>
+                  </a:moveTo>
+                  <a:lnTo>
+                    <a:pt x="909" y="987"/>
+                  </a:lnTo>
+                  <a:lnTo>
+                    <a:pt x="942" y="987"/>
+                  </a:lnTo>
+                  <a:lnTo>
+                    <a:pt x="0" y="0"/>
+                  </a:lnTo>
+                  <a:close/>
+                </a:path>
+              </a:pathLst>
+            </a:custGeom>
+            <a:solidFill>
+              <a:schemeClr val="accent1">
+                <a:lumMod val="50000"/>
+              </a:schemeClr>
+            </a:solidFill>
+            <a:ln>
+              <a:noFill/>
+            </a:ln>
+          </p:spPr>
+        </p:sp>
+        <p:sp>
+          <p:nvSpPr>
+            <p:cNvPr id="17" name="Freeform 10">
+              <a:extLst>
+                <a:ext uri="{FF2B5EF4-FFF2-40B4-BE49-F238E27FC236}">
+                  <a16:creationId xmlns:a16="http://schemas.microsoft.com/office/drawing/2014/main" id="{251D4BF9-284D-4B99-922C-BAB91FB2D98E}"/>
+                </a:ext>
+                <a:ext uri="{C183D7F6-B498-43B3-948B-1728B52AA6E4}">
+                  <adec:decorative xmlns:adec="http://schemas.microsoft.com/office/drawing/2017/decorative" val="1"/>
+                </a:ext>
+              </a:extLst>
+            </p:cNvPr>
+            <p:cNvSpPr/>
+            <p:nvPr>
+              <p:extLst>
+                <p:ext uri="{386F3935-93C4-4BCD-93E2-E3B085C9AB24}">
+                  <p16:designElem xmlns:p16="http://schemas.microsoft.com/office/powerpoint/2015/main" val="1"/>
+                </p:ext>
+              </p:extLst>
+            </p:nvPr>
+          </p:nvSpPr>
+          <p:spPr bwMode="auto">
+            <a:xfrm>
+              <a:off x="1627188" y="5286375"/>
+              <a:ext cx="2130425" cy="1571625"/>
+            </a:xfrm>
+            <a:custGeom>
+              <a:avLst/>
+              <a:gdLst/>
+              <a:ahLst/>
+              <a:cxnLst/>
+              <a:rect l="0" t="0" r="r" b="b"/>
+              <a:pathLst>
+                <a:path w="1342" h="990">
+                  <a:moveTo>
+                    <a:pt x="0" y="3"/>
+                  </a:moveTo>
+                  <a:lnTo>
+                    <a:pt x="942" y="990"/>
+                  </a:lnTo>
+                  <a:lnTo>
+                    <a:pt x="1342" y="990"/>
+                  </a:lnTo>
+                  <a:lnTo>
+                    <a:pt x="156" y="27"/>
+                  </a:lnTo>
+                  <a:lnTo>
+                    <a:pt x="0" y="0"/>
+                  </a:lnTo>
+                  <a:lnTo>
+                    <a:pt x="0" y="3"/>
+                  </a:lnTo>
+                  <a:close/>
+                </a:path>
+              </a:pathLst>
+            </a:custGeom>
+            <a:solidFill>
+              <a:schemeClr val="accent1">
+                <a:lumMod val="75000"/>
+              </a:schemeClr>
+            </a:solidFill>
+            <a:ln>
+              <a:noFill/>
+            </a:ln>
+          </p:spPr>
+        </p:sp>
+        <p:sp>
+          <p:nvSpPr>
+            <p:cNvPr id="18" name="Freeform 11">
+              <a:extLst>
+                <a:ext uri="{FF2B5EF4-FFF2-40B4-BE49-F238E27FC236}">
+                  <a16:creationId xmlns:a16="http://schemas.microsoft.com/office/drawing/2014/main" id="{733E9BD1-CC4F-4B4B-A413-92D6B1F0B3CF}"/>
+                </a:ext>
+                <a:ext uri="{C183D7F6-B498-43B3-948B-1728B52AA6E4}">
+                  <adec:decorative xmlns:adec="http://schemas.microsoft.com/office/drawing/2017/decorative" val="1"/>
+                </a:ext>
+              </a:extLst>
+            </p:cNvPr>
+            <p:cNvSpPr/>
+            <p:nvPr>
+              <p:extLst>
+                <p:ext uri="{386F3935-93C4-4BCD-93E2-E3B085C9AB24}">
+                  <p16:designElem xmlns:p16="http://schemas.microsoft.com/office/powerpoint/2015/main" val="1"/>
+                </p:ext>
+              </p:extLst>
+            </p:nvPr>
+          </p:nvSpPr>
+          <p:spPr bwMode="auto">
+            <a:xfrm>
+              <a:off x="1320800" y="5238750"/>
+              <a:ext cx="1695450" cy="1619250"/>
+            </a:xfrm>
+            <a:custGeom>
+              <a:avLst/>
+              <a:gdLst/>
+              <a:ahLst/>
+              <a:cxnLst/>
+              <a:rect l="0" t="0" r="r" b="b"/>
+              <a:pathLst>
+                <a:path w="1068" h="1020">
+                  <a:moveTo>
+                    <a:pt x="1068" y="1020"/>
+                  </a:moveTo>
+                  <a:lnTo>
+                    <a:pt x="184" y="60"/>
+                  </a:lnTo>
+                  <a:lnTo>
+                    <a:pt x="154" y="27"/>
+                  </a:lnTo>
+                  <a:lnTo>
+                    <a:pt x="157" y="27"/>
+                  </a:lnTo>
+                  <a:lnTo>
+                    <a:pt x="157" y="24"/>
+                  </a:lnTo>
+                  <a:lnTo>
+                    <a:pt x="154" y="24"/>
+                  </a:lnTo>
+                  <a:lnTo>
+                    <a:pt x="0" y="0"/>
+                  </a:lnTo>
+                  <a:lnTo>
+                    <a:pt x="0" y="0"/>
+                  </a:lnTo>
+                  <a:lnTo>
+                    <a:pt x="774" y="1020"/>
+                  </a:lnTo>
+                  <a:lnTo>
+                    <a:pt x="1068" y="1020"/>
+                  </a:lnTo>
+                  <a:close/>
+                </a:path>
+              </a:pathLst>
+            </a:custGeom>
+            <a:solidFill>
+              <a:schemeClr val="tx1">
+                <a:lumMod val="75000"/>
+                <a:lumOff val="25000"/>
+              </a:schemeClr>
+            </a:solidFill>
+            <a:ln>
+              <a:noFill/>
+            </a:ln>
+          </p:spPr>
+        </p:sp>
+      </p:grpSp>
+      <p:pic>
+        <p:nvPicPr>
+          <p:cNvPr id="7" name="Picture 6" descr="Calendar&#10;&#10;Description automatically generated with low confidence">
+            <a:extLst>
+              <a:ext uri="{FF2B5EF4-FFF2-40B4-BE49-F238E27FC236}">
+                <a16:creationId xmlns:a16="http://schemas.microsoft.com/office/drawing/2014/main" id="{983D23A1-9AF2-402D-A6A7-101928E1C3AE}"/>
+              </a:ext>
+            </a:extLst>
+          </p:cNvPr>
+          <p:cNvPicPr>
+            <a:picLocks noChangeAspect="1"/>
+          </p:cNvPicPr>
+          <p:nvPr/>
+        </p:nvPicPr>
+        <p:blipFill rotWithShape="1">
+          <a:blip r:embed="rId3">
+            <a:extLst>
+              <a:ext uri="{28A0092B-C50C-407E-A947-70E740481C1C}">
+                <a14:useLocalDpi xmlns:a14="http://schemas.microsoft.com/office/drawing/2010/main" val="0"/>
+              </a:ext>
+            </a:extLst>
+          </a:blip>
+          <a:srcRect b="16667"/>
+          <a:stretch/>
+        </p:blipFill>
+        <p:spPr>
+          <a:xfrm>
+            <a:off x="20" y="10"/>
+            <a:ext cx="12191980" cy="6857990"/>
+          </a:xfrm>
+          <a:prstGeom prst="rect">
+            <a:avLst/>
+          </a:prstGeom>
+        </p:spPr>
+      </p:pic>
+    </p:spTree>
+    <p:extLst>
+      <p:ext uri="{BB962C8B-B14F-4D97-AF65-F5344CB8AC3E}">
+        <p14:creationId xmlns:p14="http://schemas.microsoft.com/office/powerpoint/2010/main" val="1552603443"/>
+      </p:ext>
+    </p:extLst>
+  </p:cSld>
+  <p:clrMapOvr>
+    <a:masterClrMapping/>
+  </p:clrMapOvr>
+</p:sld>
+</file>
+
+<file path=ppt/slides/slide12.xml><?xml version="1.0" encoding="utf-8"?>
 <p:sld xmlns:a="http://schemas.openxmlformats.org/drawingml/2006/main" xmlns:r="http://schemas.openxmlformats.org/officeDocument/2006/relationships" xmlns:p="http://schemas.openxmlformats.org/presentationml/2006/main">
   <p:cSld>
     <p:bg>
@@ -13768,6 +14599,517 @@
       </p:grpSp>
       <p:pic>
         <p:nvPicPr>
+          <p:cNvPr id="5" name="Content Placeholder 4" descr="A picture containing diagram&#10;&#10;Description automatically generated">
+            <a:extLst>
+              <a:ext uri="{FF2B5EF4-FFF2-40B4-BE49-F238E27FC236}">
+                <a16:creationId xmlns:a16="http://schemas.microsoft.com/office/drawing/2014/main" id="{9DF08BB3-C993-43B3-9689-D028546DEFFD}"/>
+              </a:ext>
+            </a:extLst>
+          </p:cNvPr>
+          <p:cNvPicPr>
+            <a:picLocks noGrp="1" noChangeAspect="1"/>
+          </p:cNvPicPr>
+          <p:nvPr>
+            <p:ph idx="1"/>
+          </p:nvPr>
+        </p:nvPicPr>
+        <p:blipFill rotWithShape="1">
+          <a:blip r:embed="rId3">
+            <a:extLst>
+              <a:ext uri="{28A0092B-C50C-407E-A947-70E740481C1C}">
+                <a14:useLocalDpi xmlns:a14="http://schemas.microsoft.com/office/drawing/2010/main" val="0"/>
+              </a:ext>
+            </a:extLst>
+          </a:blip>
+          <a:srcRect l="444"/>
+          <a:stretch/>
+        </p:blipFill>
+        <p:spPr>
+          <a:xfrm>
+            <a:off x="20" y="10"/>
+            <a:ext cx="12191980" cy="6857990"/>
+          </a:xfrm>
+          <a:prstGeom prst="rect">
+            <a:avLst/>
+          </a:prstGeom>
+        </p:spPr>
+      </p:pic>
+    </p:spTree>
+    <p:extLst>
+      <p:ext uri="{BB962C8B-B14F-4D97-AF65-F5344CB8AC3E}">
+        <p14:creationId xmlns:p14="http://schemas.microsoft.com/office/powerpoint/2010/main" val="1980100292"/>
+      </p:ext>
+    </p:extLst>
+  </p:cSld>
+  <p:clrMapOvr>
+    <a:masterClrMapping/>
+  </p:clrMapOvr>
+</p:sld>
+</file>
+
+<file path=ppt/slides/slide13.xml><?xml version="1.0" encoding="utf-8"?>
+<p:sld xmlns:a="http://schemas.openxmlformats.org/drawingml/2006/main" xmlns:r="http://schemas.openxmlformats.org/officeDocument/2006/relationships" xmlns:p="http://schemas.openxmlformats.org/presentationml/2006/main">
+  <p:cSld>
+    <p:bg>
+      <p:bgPr>
+        <a:blipFill rotWithShape="1">
+          <a:blip r:embed="rId2">
+            <a:duotone>
+              <a:schemeClr val="bg2">
+                <a:shade val="76000"/>
+                <a:satMod val="180000"/>
+              </a:schemeClr>
+              <a:schemeClr val="bg2">
+                <a:tint val="80000"/>
+                <a:satMod val="120000"/>
+                <a:lumMod val="180000"/>
+              </a:schemeClr>
+            </a:duotone>
+          </a:blip>
+          <a:stretch/>
+        </a:blipFill>
+        <a:effectLst/>
+      </p:bgPr>
+    </p:bg>
+    <p:spTree>
+      <p:nvGrpSpPr>
+        <p:cNvPr id="1" name=""/>
+        <p:cNvGrpSpPr/>
+        <p:nvPr/>
+      </p:nvGrpSpPr>
+      <p:grpSpPr>
+        <a:xfrm>
+          <a:off x="0" y="0"/>
+          <a:ext cx="0" cy="0"/>
+          <a:chOff x="0" y="0"/>
+          <a:chExt cx="0" cy="0"/>
+        </a:xfrm>
+      </p:grpSpPr>
+      <p:grpSp>
+        <p:nvGrpSpPr>
+          <p:cNvPr id="10" name="Group 9">
+            <a:extLst>
+              <a:ext uri="{FF2B5EF4-FFF2-40B4-BE49-F238E27FC236}">
+                <a16:creationId xmlns:a16="http://schemas.microsoft.com/office/drawing/2014/main" id="{6ADA8EC3-01C5-453C-91A6-D01B9E15BF0B}"/>
+              </a:ext>
+              <a:ext uri="{C183D7F6-B498-43B3-948B-1728B52AA6E4}">
+                <adec:decorative xmlns:adec="http://schemas.microsoft.com/office/drawing/2017/decorative" val="1"/>
+              </a:ext>
+            </a:extLst>
+          </p:cNvPr>
+          <p:cNvGrpSpPr>
+            <a:grpSpLocks noGrp="1" noUngrp="1" noRot="1" noChangeAspect="1" noMove="1" noResize="1"/>
+          </p:cNvGrpSpPr>
+          <p:nvPr>
+            <p:extLst>
+              <p:ext uri="{386F3935-93C4-4BCD-93E2-E3B085C9AB24}">
+                <p16:designElem xmlns:p16="http://schemas.microsoft.com/office/powerpoint/2015/main" val="1"/>
+              </p:ext>
+            </p:extLst>
+          </p:nvPr>
+        </p:nvGrpSpPr>
+        <p:grpSpPr>
+          <a:xfrm>
+            <a:off x="150812" y="0"/>
+            <a:ext cx="2436813" cy="6858001"/>
+            <a:chOff x="1320800" y="0"/>
+            <a:chExt cx="2436813" cy="6858001"/>
+          </a:xfrm>
+        </p:grpSpPr>
+        <p:sp>
+          <p:nvSpPr>
+            <p:cNvPr id="11" name="Freeform 6">
+              <a:extLst>
+                <a:ext uri="{FF2B5EF4-FFF2-40B4-BE49-F238E27FC236}">
+                  <a16:creationId xmlns:a16="http://schemas.microsoft.com/office/drawing/2014/main" id="{9A1D7546-68ED-4F66-AA8D-D04BEAD39382}"/>
+                </a:ext>
+                <a:ext uri="{C183D7F6-B498-43B3-948B-1728B52AA6E4}">
+                  <adec:decorative xmlns:adec="http://schemas.microsoft.com/office/drawing/2017/decorative" val="1"/>
+                </a:ext>
+              </a:extLst>
+            </p:cNvPr>
+            <p:cNvSpPr/>
+            <p:nvPr>
+              <p:extLst>
+                <p:ext uri="{386F3935-93C4-4BCD-93E2-E3B085C9AB24}">
+                  <p16:designElem xmlns:p16="http://schemas.microsoft.com/office/powerpoint/2015/main" val="1"/>
+                </p:ext>
+              </p:extLst>
+            </p:nvPr>
+          </p:nvSpPr>
+          <p:spPr bwMode="auto">
+            <a:xfrm>
+              <a:off x="1627188" y="0"/>
+              <a:ext cx="1122363" cy="5329238"/>
+            </a:xfrm>
+            <a:custGeom>
+              <a:avLst/>
+              <a:gdLst/>
+              <a:ahLst/>
+              <a:cxnLst/>
+              <a:rect l="0" t="0" r="r" b="b"/>
+              <a:pathLst>
+                <a:path w="707" h="3357">
+                  <a:moveTo>
+                    <a:pt x="0" y="3330"/>
+                  </a:moveTo>
+                  <a:lnTo>
+                    <a:pt x="156" y="3357"/>
+                  </a:lnTo>
+                  <a:lnTo>
+                    <a:pt x="707" y="0"/>
+                  </a:lnTo>
+                  <a:lnTo>
+                    <a:pt x="547" y="0"/>
+                  </a:lnTo>
+                  <a:lnTo>
+                    <a:pt x="0" y="3330"/>
+                  </a:lnTo>
+                  <a:close/>
+                </a:path>
+              </a:pathLst>
+            </a:custGeom>
+            <a:solidFill>
+              <a:schemeClr val="accent1"/>
+            </a:solidFill>
+            <a:ln>
+              <a:noFill/>
+            </a:ln>
+          </p:spPr>
+        </p:sp>
+        <p:sp>
+          <p:nvSpPr>
+            <p:cNvPr id="12" name="Freeform 7">
+              <a:extLst>
+                <a:ext uri="{FF2B5EF4-FFF2-40B4-BE49-F238E27FC236}">
+                  <a16:creationId xmlns:a16="http://schemas.microsoft.com/office/drawing/2014/main" id="{FCFE8A66-699D-4E05-B8FC-C31AE461D68A}"/>
+                </a:ext>
+                <a:ext uri="{C183D7F6-B498-43B3-948B-1728B52AA6E4}">
+                  <adec:decorative xmlns:adec="http://schemas.microsoft.com/office/drawing/2017/decorative" val="1"/>
+                </a:ext>
+              </a:extLst>
+            </p:cNvPr>
+            <p:cNvSpPr/>
+            <p:nvPr>
+              <p:extLst>
+                <p:ext uri="{386F3935-93C4-4BCD-93E2-E3B085C9AB24}">
+                  <p16:designElem xmlns:p16="http://schemas.microsoft.com/office/powerpoint/2015/main" val="1"/>
+                </p:ext>
+              </p:extLst>
+            </p:nvPr>
+          </p:nvSpPr>
+          <p:spPr bwMode="auto">
+            <a:xfrm>
+              <a:off x="1320800" y="0"/>
+              <a:ext cx="1117600" cy="5276850"/>
+            </a:xfrm>
+            <a:custGeom>
+              <a:avLst/>
+              <a:gdLst/>
+              <a:ahLst/>
+              <a:cxnLst/>
+              <a:rect l="0" t="0" r="r" b="b"/>
+              <a:pathLst>
+                <a:path w="704" h="3324">
+                  <a:moveTo>
+                    <a:pt x="704" y="0"/>
+                  </a:moveTo>
+                  <a:lnTo>
+                    <a:pt x="545" y="0"/>
+                  </a:lnTo>
+                  <a:lnTo>
+                    <a:pt x="0" y="3300"/>
+                  </a:lnTo>
+                  <a:lnTo>
+                    <a:pt x="157" y="3324"/>
+                  </a:lnTo>
+                  <a:lnTo>
+                    <a:pt x="704" y="0"/>
+                  </a:lnTo>
+                  <a:close/>
+                </a:path>
+              </a:pathLst>
+            </a:custGeom>
+            <a:solidFill>
+              <a:schemeClr val="tx1">
+                <a:lumMod val="65000"/>
+                <a:lumOff val="35000"/>
+              </a:schemeClr>
+            </a:solidFill>
+            <a:ln>
+              <a:noFill/>
+            </a:ln>
+          </p:spPr>
+        </p:sp>
+        <p:sp>
+          <p:nvSpPr>
+            <p:cNvPr id="13" name="Freeform 8">
+              <a:extLst>
+                <a:ext uri="{FF2B5EF4-FFF2-40B4-BE49-F238E27FC236}">
+                  <a16:creationId xmlns:a16="http://schemas.microsoft.com/office/drawing/2014/main" id="{A124234B-D5D1-45F9-9B32-264F699BCA58}"/>
+                </a:ext>
+                <a:ext uri="{C183D7F6-B498-43B3-948B-1728B52AA6E4}">
+                  <adec:decorative xmlns:adec="http://schemas.microsoft.com/office/drawing/2017/decorative" val="1"/>
+                </a:ext>
+              </a:extLst>
+            </p:cNvPr>
+            <p:cNvSpPr/>
+            <p:nvPr>
+              <p:extLst>
+                <p:ext uri="{386F3935-93C4-4BCD-93E2-E3B085C9AB24}">
+                  <p16:designElem xmlns:p16="http://schemas.microsoft.com/office/powerpoint/2015/main" val="1"/>
+                </p:ext>
+              </p:extLst>
+            </p:nvPr>
+          </p:nvSpPr>
+          <p:spPr bwMode="auto">
+            <a:xfrm>
+              <a:off x="1320800" y="5238750"/>
+              <a:ext cx="1228725" cy="1619250"/>
+            </a:xfrm>
+            <a:custGeom>
+              <a:avLst/>
+              <a:gdLst/>
+              <a:ahLst/>
+              <a:cxnLst/>
+              <a:rect l="0" t="0" r="r" b="b"/>
+              <a:pathLst>
+                <a:path w="774" h="1020">
+                  <a:moveTo>
+                    <a:pt x="0" y="0"/>
+                  </a:moveTo>
+                  <a:lnTo>
+                    <a:pt x="740" y="1020"/>
+                  </a:lnTo>
+                  <a:lnTo>
+                    <a:pt x="774" y="1020"/>
+                  </a:lnTo>
+                  <a:lnTo>
+                    <a:pt x="0" y="0"/>
+                  </a:lnTo>
+                  <a:close/>
+                </a:path>
+              </a:pathLst>
+            </a:custGeom>
+            <a:solidFill>
+              <a:schemeClr val="tx1">
+                <a:lumMod val="85000"/>
+                <a:lumOff val="15000"/>
+              </a:schemeClr>
+            </a:solidFill>
+            <a:ln>
+              <a:noFill/>
+            </a:ln>
+          </p:spPr>
+        </p:sp>
+        <p:sp>
+          <p:nvSpPr>
+            <p:cNvPr id="14" name="Freeform 9">
+              <a:extLst>
+                <a:ext uri="{FF2B5EF4-FFF2-40B4-BE49-F238E27FC236}">
+                  <a16:creationId xmlns:a16="http://schemas.microsoft.com/office/drawing/2014/main" id="{7A0B0249-AEB7-44A1-BEC3-A0C07E9E31D7}"/>
+                </a:ext>
+                <a:ext uri="{C183D7F6-B498-43B3-948B-1728B52AA6E4}">
+                  <adec:decorative xmlns:adec="http://schemas.microsoft.com/office/drawing/2017/decorative" val="1"/>
+                </a:ext>
+              </a:extLst>
+            </p:cNvPr>
+            <p:cNvSpPr/>
+            <p:nvPr>
+              <p:extLst>
+                <p:ext uri="{386F3935-93C4-4BCD-93E2-E3B085C9AB24}">
+                  <p16:designElem xmlns:p16="http://schemas.microsoft.com/office/powerpoint/2015/main" val="1"/>
+                </p:ext>
+              </p:extLst>
+            </p:nvPr>
+          </p:nvSpPr>
+          <p:spPr bwMode="auto">
+            <a:xfrm>
+              <a:off x="1627188" y="5291138"/>
+              <a:ext cx="1495425" cy="1566863"/>
+            </a:xfrm>
+            <a:custGeom>
+              <a:avLst/>
+              <a:gdLst/>
+              <a:ahLst/>
+              <a:cxnLst/>
+              <a:rect l="0" t="0" r="r" b="b"/>
+              <a:pathLst>
+                <a:path w="942" h="987">
+                  <a:moveTo>
+                    <a:pt x="0" y="0"/>
+                  </a:moveTo>
+                  <a:lnTo>
+                    <a:pt x="909" y="987"/>
+                  </a:lnTo>
+                  <a:lnTo>
+                    <a:pt x="942" y="987"/>
+                  </a:lnTo>
+                  <a:lnTo>
+                    <a:pt x="0" y="0"/>
+                  </a:lnTo>
+                  <a:close/>
+                </a:path>
+              </a:pathLst>
+            </a:custGeom>
+            <a:solidFill>
+              <a:schemeClr val="accent1">
+                <a:lumMod val="50000"/>
+              </a:schemeClr>
+            </a:solidFill>
+            <a:ln>
+              <a:noFill/>
+            </a:ln>
+          </p:spPr>
+        </p:sp>
+        <p:sp>
+          <p:nvSpPr>
+            <p:cNvPr id="15" name="Freeform 10">
+              <a:extLst>
+                <a:ext uri="{FF2B5EF4-FFF2-40B4-BE49-F238E27FC236}">
+                  <a16:creationId xmlns:a16="http://schemas.microsoft.com/office/drawing/2014/main" id="{251D4BF9-284D-4B99-922C-BAB91FB2D98E}"/>
+                </a:ext>
+                <a:ext uri="{C183D7F6-B498-43B3-948B-1728B52AA6E4}">
+                  <adec:decorative xmlns:adec="http://schemas.microsoft.com/office/drawing/2017/decorative" val="1"/>
+                </a:ext>
+              </a:extLst>
+            </p:cNvPr>
+            <p:cNvSpPr/>
+            <p:nvPr>
+              <p:extLst>
+                <p:ext uri="{386F3935-93C4-4BCD-93E2-E3B085C9AB24}">
+                  <p16:designElem xmlns:p16="http://schemas.microsoft.com/office/powerpoint/2015/main" val="1"/>
+                </p:ext>
+              </p:extLst>
+            </p:nvPr>
+          </p:nvSpPr>
+          <p:spPr bwMode="auto">
+            <a:xfrm>
+              <a:off x="1627188" y="5286375"/>
+              <a:ext cx="2130425" cy="1571625"/>
+            </a:xfrm>
+            <a:custGeom>
+              <a:avLst/>
+              <a:gdLst/>
+              <a:ahLst/>
+              <a:cxnLst/>
+              <a:rect l="0" t="0" r="r" b="b"/>
+              <a:pathLst>
+                <a:path w="1342" h="990">
+                  <a:moveTo>
+                    <a:pt x="0" y="3"/>
+                  </a:moveTo>
+                  <a:lnTo>
+                    <a:pt x="942" y="990"/>
+                  </a:lnTo>
+                  <a:lnTo>
+                    <a:pt x="1342" y="990"/>
+                  </a:lnTo>
+                  <a:lnTo>
+                    <a:pt x="156" y="27"/>
+                  </a:lnTo>
+                  <a:lnTo>
+                    <a:pt x="0" y="0"/>
+                  </a:lnTo>
+                  <a:lnTo>
+                    <a:pt x="0" y="3"/>
+                  </a:lnTo>
+                  <a:close/>
+                </a:path>
+              </a:pathLst>
+            </a:custGeom>
+            <a:solidFill>
+              <a:schemeClr val="accent1">
+                <a:lumMod val="75000"/>
+              </a:schemeClr>
+            </a:solidFill>
+            <a:ln>
+              <a:noFill/>
+            </a:ln>
+          </p:spPr>
+        </p:sp>
+        <p:sp>
+          <p:nvSpPr>
+            <p:cNvPr id="16" name="Freeform 11">
+              <a:extLst>
+                <a:ext uri="{FF2B5EF4-FFF2-40B4-BE49-F238E27FC236}">
+                  <a16:creationId xmlns:a16="http://schemas.microsoft.com/office/drawing/2014/main" id="{733E9BD1-CC4F-4B4B-A413-92D6B1F0B3CF}"/>
+                </a:ext>
+                <a:ext uri="{C183D7F6-B498-43B3-948B-1728B52AA6E4}">
+                  <adec:decorative xmlns:adec="http://schemas.microsoft.com/office/drawing/2017/decorative" val="1"/>
+                </a:ext>
+              </a:extLst>
+            </p:cNvPr>
+            <p:cNvSpPr/>
+            <p:nvPr>
+              <p:extLst>
+                <p:ext uri="{386F3935-93C4-4BCD-93E2-E3B085C9AB24}">
+                  <p16:designElem xmlns:p16="http://schemas.microsoft.com/office/powerpoint/2015/main" val="1"/>
+                </p:ext>
+              </p:extLst>
+            </p:nvPr>
+          </p:nvSpPr>
+          <p:spPr bwMode="auto">
+            <a:xfrm>
+              <a:off x="1320800" y="5238750"/>
+              <a:ext cx="1695450" cy="1619250"/>
+            </a:xfrm>
+            <a:custGeom>
+              <a:avLst/>
+              <a:gdLst/>
+              <a:ahLst/>
+              <a:cxnLst/>
+              <a:rect l="0" t="0" r="r" b="b"/>
+              <a:pathLst>
+                <a:path w="1068" h="1020">
+                  <a:moveTo>
+                    <a:pt x="1068" y="1020"/>
+                  </a:moveTo>
+                  <a:lnTo>
+                    <a:pt x="184" y="60"/>
+                  </a:lnTo>
+                  <a:lnTo>
+                    <a:pt x="154" y="27"/>
+                  </a:lnTo>
+                  <a:lnTo>
+                    <a:pt x="157" y="27"/>
+                  </a:lnTo>
+                  <a:lnTo>
+                    <a:pt x="157" y="24"/>
+                  </a:lnTo>
+                  <a:lnTo>
+                    <a:pt x="154" y="24"/>
+                  </a:lnTo>
+                  <a:lnTo>
+                    <a:pt x="0" y="0"/>
+                  </a:lnTo>
+                  <a:lnTo>
+                    <a:pt x="0" y="0"/>
+                  </a:lnTo>
+                  <a:lnTo>
+                    <a:pt x="774" y="1020"/>
+                  </a:lnTo>
+                  <a:lnTo>
+                    <a:pt x="1068" y="1020"/>
+                  </a:lnTo>
+                  <a:close/>
+                </a:path>
+              </a:pathLst>
+            </a:custGeom>
+            <a:solidFill>
+              <a:schemeClr val="tx1">
+                <a:lumMod val="75000"/>
+                <a:lumOff val="25000"/>
+              </a:schemeClr>
+            </a:solidFill>
+            <a:ln>
+              <a:noFill/>
+            </a:ln>
+          </p:spPr>
+        </p:sp>
+      </p:grpSp>
+      <p:pic>
+        <p:nvPicPr>
           <p:cNvPr id="5" name="Content Placeholder 4" descr="A picture containing timeline&#10;&#10;Description automatically generated">
             <a:extLst>
               <a:ext uri="{FF2B5EF4-FFF2-40B4-BE49-F238E27FC236}">
@@ -13816,7 +15158,7 @@
 </p:sld>
 </file>
 
-<file path=ppt/slides/slide12.xml><?xml version="1.0" encoding="utf-8"?>
+<file path=ppt/slides/slide14.xml><?xml version="1.0" encoding="utf-8"?>
 <p:sld xmlns:a="http://schemas.openxmlformats.org/drawingml/2006/main" xmlns:r="http://schemas.openxmlformats.org/officeDocument/2006/relationships" xmlns:p="http://schemas.openxmlformats.org/presentationml/2006/main">
   <p:cSld>
     <p:spTree>
@@ -14004,7 +15346,7 @@
 </p:sld>
 </file>
 
-<file path=ppt/slides/slide13.xml><?xml version="1.0" encoding="utf-8"?>
+<file path=ppt/slides/slide15.xml><?xml version="1.0" encoding="utf-8"?>
 <p:sld xmlns:a="http://schemas.openxmlformats.org/drawingml/2006/main" xmlns:r="http://schemas.openxmlformats.org/officeDocument/2006/relationships" xmlns:p="http://schemas.openxmlformats.org/presentationml/2006/main">
   <p:cSld>
     <p:bg>
@@ -14601,7 +15943,7 @@
 </p:sld>
 </file>
 
-<file path=ppt/slides/slide14.xml><?xml version="1.0" encoding="utf-8"?>
+<file path=ppt/slides/slide16.xml><?xml version="1.0" encoding="utf-8"?>
 <p:sld xmlns:a="http://schemas.openxmlformats.org/drawingml/2006/main" xmlns:r="http://schemas.openxmlformats.org/officeDocument/2006/relationships" xmlns:p="http://schemas.openxmlformats.org/presentationml/2006/main">
   <p:cSld>
     <p:bg>
@@ -15243,7 +16585,7 @@
 </p:sld>
 </file>
 
-<file path=ppt/slides/slide15.xml><?xml version="1.0" encoding="utf-8"?>
+<file path=ppt/slides/slide17.xml><?xml version="1.0" encoding="utf-8"?>
 <p:sld xmlns:a="http://schemas.openxmlformats.org/drawingml/2006/main" xmlns:r="http://schemas.openxmlformats.org/officeDocument/2006/relationships" xmlns:p="http://schemas.openxmlformats.org/presentationml/2006/main">
   <p:cSld>
     <p:bg>
@@ -15283,7 +16625,7 @@
       </p:grpSpPr>
       <p:grpSp>
         <p:nvGrpSpPr>
-          <p:cNvPr id="10" name="Group 9">
+          <p:cNvPr id="21" name="Group 20">
             <a:extLst>
               <a:ext uri="{FF2B5EF4-FFF2-40B4-BE49-F238E27FC236}">
                 <a16:creationId xmlns:a16="http://schemas.microsoft.com/office/drawing/2014/main" id="{6ADA8EC3-01C5-453C-91A6-D01B9E15BF0B}"/>
@@ -15314,7 +16656,7 @@
         </p:grpSpPr>
         <p:sp>
           <p:nvSpPr>
-            <p:cNvPr id="11" name="Freeform 6">
+            <p:cNvPr id="22" name="Freeform 6">
               <a:extLst>
                 <a:ext uri="{FF2B5EF4-FFF2-40B4-BE49-F238E27FC236}">
                   <a16:creationId xmlns:a16="http://schemas.microsoft.com/office/drawing/2014/main" id="{9A1D7546-68ED-4F66-AA8D-D04BEAD39382}"/>
@@ -15375,7 +16717,7 @@
         </p:sp>
         <p:sp>
           <p:nvSpPr>
-            <p:cNvPr id="12" name="Freeform 7">
+            <p:cNvPr id="23" name="Freeform 7">
               <a:extLst>
                 <a:ext uri="{FF2B5EF4-FFF2-40B4-BE49-F238E27FC236}">
                   <a16:creationId xmlns:a16="http://schemas.microsoft.com/office/drawing/2014/main" id="{FCFE8A66-699D-4E05-B8FC-C31AE461D68A}"/>
@@ -15439,7 +16781,7 @@
         </p:sp>
         <p:sp>
           <p:nvSpPr>
-            <p:cNvPr id="13" name="Freeform 8">
+            <p:cNvPr id="24" name="Freeform 8">
               <a:extLst>
                 <a:ext uri="{FF2B5EF4-FFF2-40B4-BE49-F238E27FC236}">
                   <a16:creationId xmlns:a16="http://schemas.microsoft.com/office/drawing/2014/main" id="{A124234B-D5D1-45F9-9B32-264F699BCA58}"/>
@@ -15500,7 +16842,7 @@
         </p:sp>
         <p:sp>
           <p:nvSpPr>
-            <p:cNvPr id="14" name="Freeform 9">
+            <p:cNvPr id="25" name="Freeform 9">
               <a:extLst>
                 <a:ext uri="{FF2B5EF4-FFF2-40B4-BE49-F238E27FC236}">
                   <a16:creationId xmlns:a16="http://schemas.microsoft.com/office/drawing/2014/main" id="{7A0B0249-AEB7-44A1-BEC3-A0C07E9E31D7}"/>
@@ -15560,7 +16902,7 @@
         </p:sp>
         <p:sp>
           <p:nvSpPr>
-            <p:cNvPr id="15" name="Freeform 10">
+            <p:cNvPr id="26" name="Freeform 10">
               <a:extLst>
                 <a:ext uri="{FF2B5EF4-FFF2-40B4-BE49-F238E27FC236}">
                   <a16:creationId xmlns:a16="http://schemas.microsoft.com/office/drawing/2014/main" id="{251D4BF9-284D-4B99-922C-BAB91FB2D98E}"/>
@@ -15626,7 +16968,7 @@
         </p:sp>
         <p:sp>
           <p:nvSpPr>
-            <p:cNvPr id="16" name="Freeform 11">
+            <p:cNvPr id="27" name="Freeform 11">
               <a:extLst>
                 <a:ext uri="{FF2B5EF4-FFF2-40B4-BE49-F238E27FC236}">
                   <a16:creationId xmlns:a16="http://schemas.microsoft.com/office/drawing/2014/main" id="{733E9BD1-CC4F-4B4B-A413-92D6B1F0B3CF}"/>
@@ -15706,10 +17048,10 @@
       </p:grpSp>
       <p:pic>
         <p:nvPicPr>
-          <p:cNvPr id="5" name="Picture 4" descr="Text&#10;&#10;Description automatically generated">
+          <p:cNvPr id="3" name="Picture 2" descr="Text&#10;&#10;Description automatically generated">
             <a:extLst>
               <a:ext uri="{FF2B5EF4-FFF2-40B4-BE49-F238E27FC236}">
-                <a16:creationId xmlns:a16="http://schemas.microsoft.com/office/drawing/2014/main" id="{9F9405AC-0868-4339-AA4C-F643407641C0}"/>
+                <a16:creationId xmlns:a16="http://schemas.microsoft.com/office/drawing/2014/main" id="{9C72B5AF-A7F4-4BF6-BD31-DBA7E11D0871}"/>
               </a:ext>
             </a:extLst>
           </p:cNvPr>
@@ -15726,7 +17068,7 @@
               </a:ext>
             </a:extLst>
           </a:blip>
-          <a:srcRect t="12109"/>
+          <a:srcRect t="17304" b="8683"/>
           <a:stretch/>
         </p:blipFill>
         <p:spPr>
@@ -15752,7 +17094,7 @@
 </p:sld>
 </file>
 
-<file path=ppt/slides/slide16.xml><?xml version="1.0" encoding="utf-8"?>
+<file path=ppt/slides/slide18.xml><?xml version="1.0" encoding="utf-8"?>
 <p:sld xmlns:a="http://schemas.openxmlformats.org/drawingml/2006/main" xmlns:r="http://schemas.openxmlformats.org/officeDocument/2006/relationships" xmlns:p="http://schemas.openxmlformats.org/presentationml/2006/main">
   <p:cSld>
     <p:spTree>
@@ -15898,7 +17240,7 @@
 </p:sld>
 </file>
 
-<file path=ppt/slides/slide17.xml><?xml version="1.0" encoding="utf-8"?>
+<file path=ppt/slides/slide19.xml><?xml version="1.0" encoding="utf-8"?>
 <p:sld xmlns:a="http://schemas.openxmlformats.org/drawingml/2006/main" xmlns:r="http://schemas.openxmlformats.org/officeDocument/2006/relationships" xmlns:p="http://schemas.openxmlformats.org/presentationml/2006/main">
   <p:cSld>
     <p:bg>
@@ -17135,7 +18477,7 @@
             <p:ph idx="1"/>
             <p:extLst>
               <p:ext uri="{D42A27DB-BD31-4B8C-83A1-F6EECF244321}">
-                <p14:modId xmlns:p14="http://schemas.microsoft.com/office/powerpoint/2010/main" val="1376287450"/>
+                <p14:modId xmlns:p14="http://schemas.microsoft.com/office/powerpoint/2010/main" val="699417083"/>
               </p:ext>
             </p:extLst>
           </p:nvPr>
@@ -18628,6 +19970,700 @@
 </file>
 
 <file path=ppt/slides/slide5.xml><?xml version="1.0" encoding="utf-8"?>
+<p:sld xmlns:a="http://schemas.openxmlformats.org/drawingml/2006/main" xmlns:r="http://schemas.openxmlformats.org/officeDocument/2006/relationships" xmlns:p="http://schemas.openxmlformats.org/presentationml/2006/main">
+  <p:cSld>
+    <p:spTree>
+      <p:nvGrpSpPr>
+        <p:cNvPr id="1" name=""/>
+        <p:cNvGrpSpPr/>
+        <p:nvPr/>
+      </p:nvGrpSpPr>
+      <p:grpSpPr>
+        <a:xfrm>
+          <a:off x="0" y="0"/>
+          <a:ext cx="0" cy="0"/>
+          <a:chOff x="0" y="0"/>
+          <a:chExt cx="0" cy="0"/>
+        </a:xfrm>
+      </p:grpSpPr>
+      <p:sp>
+        <p:nvSpPr>
+          <p:cNvPr id="5" name="Rectangle 4"/>
+          <p:cNvSpPr/>
+          <p:nvPr/>
+        </p:nvSpPr>
+        <p:spPr>
+          <a:xfrm>
+            <a:off x="1381409" y="2767280"/>
+            <a:ext cx="9429184" cy="1323439"/>
+          </a:xfrm>
+          <a:prstGeom prst="rect">
+            <a:avLst/>
+          </a:prstGeom>
+          <a:noFill/>
+        </p:spPr>
+        <p:txBody>
+          <a:bodyPr wrap="none" lIns="91440" tIns="45720" rIns="91440" bIns="45720">
+            <a:spAutoFit/>
+          </a:bodyPr>
+          <a:lstStyle/>
+          <a:p>
+            <a:pPr algn="ctr"/>
+            <a:r>
+              <a:rPr lang="fr-FR" sz="8000" b="1" cap="all" spc="0" dirty="0">
+                <a:ln w="9000" cmpd="sng">
+                  <a:solidFill>
+                    <a:schemeClr val="accent4">
+                      <a:shade val="50000"/>
+                      <a:satMod val="120000"/>
+                    </a:schemeClr>
+                  </a:solidFill>
+                  <a:prstDash val="solid"/>
+                </a:ln>
+                <a:gradFill>
+                  <a:gsLst>
+                    <a:gs pos="0">
+                      <a:schemeClr val="accent4">
+                        <a:shade val="20000"/>
+                        <a:satMod val="245000"/>
+                      </a:schemeClr>
+                    </a:gs>
+                    <a:gs pos="43000">
+                      <a:schemeClr val="accent4">
+                        <a:satMod val="255000"/>
+                      </a:schemeClr>
+                    </a:gs>
+                    <a:gs pos="48000">
+                      <a:schemeClr val="accent4">
+                        <a:shade val="85000"/>
+                        <a:satMod val="255000"/>
+                      </a:schemeClr>
+                    </a:gs>
+                    <a:gs pos="100000">
+                      <a:schemeClr val="accent4">
+                        <a:shade val="20000"/>
+                        <a:satMod val="245000"/>
+                      </a:schemeClr>
+                    </a:gs>
+                  </a:gsLst>
+                  <a:lin ang="5400000"/>
+                </a:gradFill>
+                <a:effectLst>
+                  <a:reflection blurRad="12700" stA="28000" endPos="45000" dist="1000" dir="5400000" sy="-100000" algn="bl" rotWithShape="0"/>
+                </a:effectLst>
+              </a:rPr>
+              <a:t>Use case </a:t>
+            </a:r>
+            <a:r>
+              <a:rPr lang="fr-FR" sz="8000" b="1" cap="all" spc="0" dirty="0" err="1">
+                <a:ln w="9000" cmpd="sng">
+                  <a:solidFill>
+                    <a:schemeClr val="accent4">
+                      <a:shade val="50000"/>
+                      <a:satMod val="120000"/>
+                    </a:schemeClr>
+                  </a:solidFill>
+                  <a:prstDash val="solid"/>
+                </a:ln>
+                <a:gradFill>
+                  <a:gsLst>
+                    <a:gs pos="0">
+                      <a:schemeClr val="accent4">
+                        <a:shade val="20000"/>
+                        <a:satMod val="245000"/>
+                      </a:schemeClr>
+                    </a:gs>
+                    <a:gs pos="43000">
+                      <a:schemeClr val="accent4">
+                        <a:satMod val="255000"/>
+                      </a:schemeClr>
+                    </a:gs>
+                    <a:gs pos="48000">
+                      <a:schemeClr val="accent4">
+                        <a:shade val="85000"/>
+                        <a:satMod val="255000"/>
+                      </a:schemeClr>
+                    </a:gs>
+                    <a:gs pos="100000">
+                      <a:schemeClr val="accent4">
+                        <a:shade val="20000"/>
+                        <a:satMod val="245000"/>
+                      </a:schemeClr>
+                    </a:gs>
+                  </a:gsLst>
+                  <a:lin ang="5400000"/>
+                </a:gradFill>
+                <a:effectLst>
+                  <a:reflection blurRad="12700" stA="28000" endPos="45000" dist="1000" dir="5400000" sy="-100000" algn="bl" rotWithShape="0"/>
+                </a:effectLst>
+              </a:rPr>
+              <a:t>digaram</a:t>
+            </a:r>
+            <a:endParaRPr lang="fr-FR" sz="8000" b="1" cap="all" spc="0" dirty="0">
+              <a:ln w="9000" cmpd="sng">
+                <a:solidFill>
+                  <a:schemeClr val="accent4">
+                    <a:shade val="50000"/>
+                    <a:satMod val="120000"/>
+                  </a:schemeClr>
+                </a:solidFill>
+                <a:prstDash val="solid"/>
+              </a:ln>
+              <a:gradFill>
+                <a:gsLst>
+                  <a:gs pos="0">
+                    <a:schemeClr val="accent4">
+                      <a:shade val="20000"/>
+                      <a:satMod val="245000"/>
+                    </a:schemeClr>
+                  </a:gs>
+                  <a:gs pos="43000">
+                    <a:schemeClr val="accent4">
+                      <a:satMod val="255000"/>
+                    </a:schemeClr>
+                  </a:gs>
+                  <a:gs pos="48000">
+                    <a:schemeClr val="accent4">
+                      <a:shade val="85000"/>
+                      <a:satMod val="255000"/>
+                    </a:schemeClr>
+                  </a:gs>
+                  <a:gs pos="100000">
+                    <a:schemeClr val="accent4">
+                      <a:shade val="20000"/>
+                      <a:satMod val="245000"/>
+                    </a:schemeClr>
+                  </a:gs>
+                </a:gsLst>
+                <a:lin ang="5400000"/>
+              </a:gradFill>
+              <a:effectLst>
+                <a:reflection blurRad="12700" stA="28000" endPos="45000" dist="1000" dir="5400000" sy="-100000" algn="bl" rotWithShape="0"/>
+              </a:effectLst>
+            </a:endParaRPr>
+          </a:p>
+        </p:txBody>
+      </p:sp>
+    </p:spTree>
+  </p:cSld>
+  <p:clrMapOvr>
+    <a:masterClrMapping/>
+  </p:clrMapOvr>
+</p:sld>
+</file>
+
+<file path=ppt/slides/slide6.xml><?xml version="1.0" encoding="utf-8"?>
+<p:sld xmlns:a="http://schemas.openxmlformats.org/drawingml/2006/main" xmlns:r="http://schemas.openxmlformats.org/officeDocument/2006/relationships" xmlns:p="http://schemas.openxmlformats.org/presentationml/2006/main">
+  <p:cSld>
+    <p:bg>
+      <p:bgPr>
+        <a:blipFill rotWithShape="1">
+          <a:blip r:embed="rId2">
+            <a:duotone>
+              <a:schemeClr val="bg2">
+                <a:shade val="76000"/>
+                <a:satMod val="180000"/>
+              </a:schemeClr>
+              <a:schemeClr val="bg2">
+                <a:tint val="80000"/>
+                <a:satMod val="120000"/>
+                <a:lumMod val="180000"/>
+              </a:schemeClr>
+            </a:duotone>
+          </a:blip>
+          <a:stretch/>
+        </a:blipFill>
+        <a:effectLst/>
+      </p:bgPr>
+    </p:bg>
+    <p:spTree>
+      <p:nvGrpSpPr>
+        <p:cNvPr id="1" name=""/>
+        <p:cNvGrpSpPr/>
+        <p:nvPr/>
+      </p:nvGrpSpPr>
+      <p:grpSpPr>
+        <a:xfrm>
+          <a:off x="0" y="0"/>
+          <a:ext cx="0" cy="0"/>
+          <a:chOff x="0" y="0"/>
+          <a:chExt cx="0" cy="0"/>
+        </a:xfrm>
+      </p:grpSpPr>
+      <p:grpSp>
+        <p:nvGrpSpPr>
+          <p:cNvPr id="10" name="Group 9">
+            <a:extLst>
+              <a:ext uri="{FF2B5EF4-FFF2-40B4-BE49-F238E27FC236}">
+                <a16:creationId xmlns:a16="http://schemas.microsoft.com/office/drawing/2014/main" id="{6ADA8EC3-01C5-453C-91A6-D01B9E15BF0B}"/>
+              </a:ext>
+              <a:ext uri="{C183D7F6-B498-43B3-948B-1728B52AA6E4}">
+                <adec:decorative xmlns:adec="http://schemas.microsoft.com/office/drawing/2017/decorative" val="1"/>
+              </a:ext>
+            </a:extLst>
+          </p:cNvPr>
+          <p:cNvGrpSpPr>
+            <a:grpSpLocks noGrp="1" noUngrp="1" noRot="1" noChangeAspect="1" noMove="1" noResize="1"/>
+          </p:cNvGrpSpPr>
+          <p:nvPr>
+            <p:extLst>
+              <p:ext uri="{386F3935-93C4-4BCD-93E2-E3B085C9AB24}">
+                <p16:designElem xmlns:p16="http://schemas.microsoft.com/office/powerpoint/2015/main" val="1"/>
+              </p:ext>
+            </p:extLst>
+          </p:nvPr>
+        </p:nvGrpSpPr>
+        <p:grpSpPr>
+          <a:xfrm>
+            <a:off x="150812" y="0"/>
+            <a:ext cx="2436813" cy="6858001"/>
+            <a:chOff x="1320800" y="0"/>
+            <a:chExt cx="2436813" cy="6858001"/>
+          </a:xfrm>
+        </p:grpSpPr>
+        <p:sp>
+          <p:nvSpPr>
+            <p:cNvPr id="11" name="Freeform 6">
+              <a:extLst>
+                <a:ext uri="{FF2B5EF4-FFF2-40B4-BE49-F238E27FC236}">
+                  <a16:creationId xmlns:a16="http://schemas.microsoft.com/office/drawing/2014/main" id="{9A1D7546-68ED-4F66-AA8D-D04BEAD39382}"/>
+                </a:ext>
+                <a:ext uri="{C183D7F6-B498-43B3-948B-1728B52AA6E4}">
+                  <adec:decorative xmlns:adec="http://schemas.microsoft.com/office/drawing/2017/decorative" val="1"/>
+                </a:ext>
+              </a:extLst>
+            </p:cNvPr>
+            <p:cNvSpPr/>
+            <p:nvPr>
+              <p:extLst>
+                <p:ext uri="{386F3935-93C4-4BCD-93E2-E3B085C9AB24}">
+                  <p16:designElem xmlns:p16="http://schemas.microsoft.com/office/powerpoint/2015/main" val="1"/>
+                </p:ext>
+              </p:extLst>
+            </p:nvPr>
+          </p:nvSpPr>
+          <p:spPr bwMode="auto">
+            <a:xfrm>
+              <a:off x="1627188" y="0"/>
+              <a:ext cx="1122363" cy="5329238"/>
+            </a:xfrm>
+            <a:custGeom>
+              <a:avLst/>
+              <a:gdLst/>
+              <a:ahLst/>
+              <a:cxnLst/>
+              <a:rect l="0" t="0" r="r" b="b"/>
+              <a:pathLst>
+                <a:path w="707" h="3357">
+                  <a:moveTo>
+                    <a:pt x="0" y="3330"/>
+                  </a:moveTo>
+                  <a:lnTo>
+                    <a:pt x="156" y="3357"/>
+                  </a:lnTo>
+                  <a:lnTo>
+                    <a:pt x="707" y="0"/>
+                  </a:lnTo>
+                  <a:lnTo>
+                    <a:pt x="547" y="0"/>
+                  </a:lnTo>
+                  <a:lnTo>
+                    <a:pt x="0" y="3330"/>
+                  </a:lnTo>
+                  <a:close/>
+                </a:path>
+              </a:pathLst>
+            </a:custGeom>
+            <a:solidFill>
+              <a:schemeClr val="accent1"/>
+            </a:solidFill>
+            <a:ln>
+              <a:noFill/>
+            </a:ln>
+          </p:spPr>
+        </p:sp>
+        <p:sp>
+          <p:nvSpPr>
+            <p:cNvPr id="12" name="Freeform 7">
+              <a:extLst>
+                <a:ext uri="{FF2B5EF4-FFF2-40B4-BE49-F238E27FC236}">
+                  <a16:creationId xmlns:a16="http://schemas.microsoft.com/office/drawing/2014/main" id="{FCFE8A66-699D-4E05-B8FC-C31AE461D68A}"/>
+                </a:ext>
+                <a:ext uri="{C183D7F6-B498-43B3-948B-1728B52AA6E4}">
+                  <adec:decorative xmlns:adec="http://schemas.microsoft.com/office/drawing/2017/decorative" val="1"/>
+                </a:ext>
+              </a:extLst>
+            </p:cNvPr>
+            <p:cNvSpPr/>
+            <p:nvPr>
+              <p:extLst>
+                <p:ext uri="{386F3935-93C4-4BCD-93E2-E3B085C9AB24}">
+                  <p16:designElem xmlns:p16="http://schemas.microsoft.com/office/powerpoint/2015/main" val="1"/>
+                </p:ext>
+              </p:extLst>
+            </p:nvPr>
+          </p:nvSpPr>
+          <p:spPr bwMode="auto">
+            <a:xfrm>
+              <a:off x="1320800" y="0"/>
+              <a:ext cx="1117600" cy="5276850"/>
+            </a:xfrm>
+            <a:custGeom>
+              <a:avLst/>
+              <a:gdLst/>
+              <a:ahLst/>
+              <a:cxnLst/>
+              <a:rect l="0" t="0" r="r" b="b"/>
+              <a:pathLst>
+                <a:path w="704" h="3324">
+                  <a:moveTo>
+                    <a:pt x="704" y="0"/>
+                  </a:moveTo>
+                  <a:lnTo>
+                    <a:pt x="545" y="0"/>
+                  </a:lnTo>
+                  <a:lnTo>
+                    <a:pt x="0" y="3300"/>
+                  </a:lnTo>
+                  <a:lnTo>
+                    <a:pt x="157" y="3324"/>
+                  </a:lnTo>
+                  <a:lnTo>
+                    <a:pt x="704" y="0"/>
+                  </a:lnTo>
+                  <a:close/>
+                </a:path>
+              </a:pathLst>
+            </a:custGeom>
+            <a:solidFill>
+              <a:schemeClr val="tx1">
+                <a:lumMod val="65000"/>
+                <a:lumOff val="35000"/>
+              </a:schemeClr>
+            </a:solidFill>
+            <a:ln>
+              <a:noFill/>
+            </a:ln>
+          </p:spPr>
+        </p:sp>
+        <p:sp>
+          <p:nvSpPr>
+            <p:cNvPr id="13" name="Freeform 8">
+              <a:extLst>
+                <a:ext uri="{FF2B5EF4-FFF2-40B4-BE49-F238E27FC236}">
+                  <a16:creationId xmlns:a16="http://schemas.microsoft.com/office/drawing/2014/main" id="{A124234B-D5D1-45F9-9B32-264F699BCA58}"/>
+                </a:ext>
+                <a:ext uri="{C183D7F6-B498-43B3-948B-1728B52AA6E4}">
+                  <adec:decorative xmlns:adec="http://schemas.microsoft.com/office/drawing/2017/decorative" val="1"/>
+                </a:ext>
+              </a:extLst>
+            </p:cNvPr>
+            <p:cNvSpPr/>
+            <p:nvPr>
+              <p:extLst>
+                <p:ext uri="{386F3935-93C4-4BCD-93E2-E3B085C9AB24}">
+                  <p16:designElem xmlns:p16="http://schemas.microsoft.com/office/powerpoint/2015/main" val="1"/>
+                </p:ext>
+              </p:extLst>
+            </p:nvPr>
+          </p:nvSpPr>
+          <p:spPr bwMode="auto">
+            <a:xfrm>
+              <a:off x="1320800" y="5238750"/>
+              <a:ext cx="1228725" cy="1619250"/>
+            </a:xfrm>
+            <a:custGeom>
+              <a:avLst/>
+              <a:gdLst/>
+              <a:ahLst/>
+              <a:cxnLst/>
+              <a:rect l="0" t="0" r="r" b="b"/>
+              <a:pathLst>
+                <a:path w="774" h="1020">
+                  <a:moveTo>
+                    <a:pt x="0" y="0"/>
+                  </a:moveTo>
+                  <a:lnTo>
+                    <a:pt x="740" y="1020"/>
+                  </a:lnTo>
+                  <a:lnTo>
+                    <a:pt x="774" y="1020"/>
+                  </a:lnTo>
+                  <a:lnTo>
+                    <a:pt x="0" y="0"/>
+                  </a:lnTo>
+                  <a:close/>
+                </a:path>
+              </a:pathLst>
+            </a:custGeom>
+            <a:solidFill>
+              <a:schemeClr val="tx1">
+                <a:lumMod val="85000"/>
+                <a:lumOff val="15000"/>
+              </a:schemeClr>
+            </a:solidFill>
+            <a:ln>
+              <a:noFill/>
+            </a:ln>
+          </p:spPr>
+        </p:sp>
+        <p:sp>
+          <p:nvSpPr>
+            <p:cNvPr id="14" name="Freeform 9">
+              <a:extLst>
+                <a:ext uri="{FF2B5EF4-FFF2-40B4-BE49-F238E27FC236}">
+                  <a16:creationId xmlns:a16="http://schemas.microsoft.com/office/drawing/2014/main" id="{7A0B0249-AEB7-44A1-BEC3-A0C07E9E31D7}"/>
+                </a:ext>
+                <a:ext uri="{C183D7F6-B498-43B3-948B-1728B52AA6E4}">
+                  <adec:decorative xmlns:adec="http://schemas.microsoft.com/office/drawing/2017/decorative" val="1"/>
+                </a:ext>
+              </a:extLst>
+            </p:cNvPr>
+            <p:cNvSpPr/>
+            <p:nvPr>
+              <p:extLst>
+                <p:ext uri="{386F3935-93C4-4BCD-93E2-E3B085C9AB24}">
+                  <p16:designElem xmlns:p16="http://schemas.microsoft.com/office/powerpoint/2015/main" val="1"/>
+                </p:ext>
+              </p:extLst>
+            </p:nvPr>
+          </p:nvSpPr>
+          <p:spPr bwMode="auto">
+            <a:xfrm>
+              <a:off x="1627188" y="5291138"/>
+              <a:ext cx="1495425" cy="1566863"/>
+            </a:xfrm>
+            <a:custGeom>
+              <a:avLst/>
+              <a:gdLst/>
+              <a:ahLst/>
+              <a:cxnLst/>
+              <a:rect l="0" t="0" r="r" b="b"/>
+              <a:pathLst>
+                <a:path w="942" h="987">
+                  <a:moveTo>
+                    <a:pt x="0" y="0"/>
+                  </a:moveTo>
+                  <a:lnTo>
+                    <a:pt x="909" y="987"/>
+                  </a:lnTo>
+                  <a:lnTo>
+                    <a:pt x="942" y="987"/>
+                  </a:lnTo>
+                  <a:lnTo>
+                    <a:pt x="0" y="0"/>
+                  </a:lnTo>
+                  <a:close/>
+                </a:path>
+              </a:pathLst>
+            </a:custGeom>
+            <a:solidFill>
+              <a:schemeClr val="accent1">
+                <a:lumMod val="50000"/>
+              </a:schemeClr>
+            </a:solidFill>
+            <a:ln>
+              <a:noFill/>
+            </a:ln>
+          </p:spPr>
+        </p:sp>
+        <p:sp>
+          <p:nvSpPr>
+            <p:cNvPr id="15" name="Freeform 10">
+              <a:extLst>
+                <a:ext uri="{FF2B5EF4-FFF2-40B4-BE49-F238E27FC236}">
+                  <a16:creationId xmlns:a16="http://schemas.microsoft.com/office/drawing/2014/main" id="{251D4BF9-284D-4B99-922C-BAB91FB2D98E}"/>
+                </a:ext>
+                <a:ext uri="{C183D7F6-B498-43B3-948B-1728B52AA6E4}">
+                  <adec:decorative xmlns:adec="http://schemas.microsoft.com/office/drawing/2017/decorative" val="1"/>
+                </a:ext>
+              </a:extLst>
+            </p:cNvPr>
+            <p:cNvSpPr/>
+            <p:nvPr>
+              <p:extLst>
+                <p:ext uri="{386F3935-93C4-4BCD-93E2-E3B085C9AB24}">
+                  <p16:designElem xmlns:p16="http://schemas.microsoft.com/office/powerpoint/2015/main" val="1"/>
+                </p:ext>
+              </p:extLst>
+            </p:nvPr>
+          </p:nvSpPr>
+          <p:spPr bwMode="auto">
+            <a:xfrm>
+              <a:off x="1627188" y="5286375"/>
+              <a:ext cx="2130425" cy="1571625"/>
+            </a:xfrm>
+            <a:custGeom>
+              <a:avLst/>
+              <a:gdLst/>
+              <a:ahLst/>
+              <a:cxnLst/>
+              <a:rect l="0" t="0" r="r" b="b"/>
+              <a:pathLst>
+                <a:path w="1342" h="990">
+                  <a:moveTo>
+                    <a:pt x="0" y="3"/>
+                  </a:moveTo>
+                  <a:lnTo>
+                    <a:pt x="942" y="990"/>
+                  </a:lnTo>
+                  <a:lnTo>
+                    <a:pt x="1342" y="990"/>
+                  </a:lnTo>
+                  <a:lnTo>
+                    <a:pt x="156" y="27"/>
+                  </a:lnTo>
+                  <a:lnTo>
+                    <a:pt x="0" y="0"/>
+                  </a:lnTo>
+                  <a:lnTo>
+                    <a:pt x="0" y="3"/>
+                  </a:lnTo>
+                  <a:close/>
+                </a:path>
+              </a:pathLst>
+            </a:custGeom>
+            <a:solidFill>
+              <a:schemeClr val="accent1">
+                <a:lumMod val="75000"/>
+              </a:schemeClr>
+            </a:solidFill>
+            <a:ln>
+              <a:noFill/>
+            </a:ln>
+          </p:spPr>
+        </p:sp>
+        <p:sp>
+          <p:nvSpPr>
+            <p:cNvPr id="16" name="Freeform 11">
+              <a:extLst>
+                <a:ext uri="{FF2B5EF4-FFF2-40B4-BE49-F238E27FC236}">
+                  <a16:creationId xmlns:a16="http://schemas.microsoft.com/office/drawing/2014/main" id="{733E9BD1-CC4F-4B4B-A413-92D6B1F0B3CF}"/>
+                </a:ext>
+                <a:ext uri="{C183D7F6-B498-43B3-948B-1728B52AA6E4}">
+                  <adec:decorative xmlns:adec="http://schemas.microsoft.com/office/drawing/2017/decorative" val="1"/>
+                </a:ext>
+              </a:extLst>
+            </p:cNvPr>
+            <p:cNvSpPr/>
+            <p:nvPr>
+              <p:extLst>
+                <p:ext uri="{386F3935-93C4-4BCD-93E2-E3B085C9AB24}">
+                  <p16:designElem xmlns:p16="http://schemas.microsoft.com/office/powerpoint/2015/main" val="1"/>
+                </p:ext>
+              </p:extLst>
+            </p:nvPr>
+          </p:nvSpPr>
+          <p:spPr bwMode="auto">
+            <a:xfrm>
+              <a:off x="1320800" y="5238750"/>
+              <a:ext cx="1695450" cy="1619250"/>
+            </a:xfrm>
+            <a:custGeom>
+              <a:avLst/>
+              <a:gdLst/>
+              <a:ahLst/>
+              <a:cxnLst/>
+              <a:rect l="0" t="0" r="r" b="b"/>
+              <a:pathLst>
+                <a:path w="1068" h="1020">
+                  <a:moveTo>
+                    <a:pt x="1068" y="1020"/>
+                  </a:moveTo>
+                  <a:lnTo>
+                    <a:pt x="184" y="60"/>
+                  </a:lnTo>
+                  <a:lnTo>
+                    <a:pt x="154" y="27"/>
+                  </a:lnTo>
+                  <a:lnTo>
+                    <a:pt x="157" y="27"/>
+                  </a:lnTo>
+                  <a:lnTo>
+                    <a:pt x="157" y="24"/>
+                  </a:lnTo>
+                  <a:lnTo>
+                    <a:pt x="154" y="24"/>
+                  </a:lnTo>
+                  <a:lnTo>
+                    <a:pt x="0" y="0"/>
+                  </a:lnTo>
+                  <a:lnTo>
+                    <a:pt x="0" y="0"/>
+                  </a:lnTo>
+                  <a:lnTo>
+                    <a:pt x="774" y="1020"/>
+                  </a:lnTo>
+                  <a:lnTo>
+                    <a:pt x="1068" y="1020"/>
+                  </a:lnTo>
+                  <a:close/>
+                </a:path>
+              </a:pathLst>
+            </a:custGeom>
+            <a:solidFill>
+              <a:schemeClr val="tx1">
+                <a:lumMod val="75000"/>
+                <a:lumOff val="25000"/>
+              </a:schemeClr>
+            </a:solidFill>
+            <a:ln>
+              <a:noFill/>
+            </a:ln>
+          </p:spPr>
+        </p:sp>
+      </p:grpSp>
+      <p:pic>
+        <p:nvPicPr>
+          <p:cNvPr id="5" name="Content Placeholder 4" descr="Diagram&#10;&#10;Description automatically generated">
+            <a:extLst>
+              <a:ext uri="{FF2B5EF4-FFF2-40B4-BE49-F238E27FC236}">
+                <a16:creationId xmlns:a16="http://schemas.microsoft.com/office/drawing/2014/main" id="{FC1889E8-B3F6-49DA-9AD9-71D0FE630BB2}"/>
+              </a:ext>
+            </a:extLst>
+          </p:cNvPr>
+          <p:cNvPicPr>
+            <a:picLocks noGrp="1" noChangeAspect="1"/>
+          </p:cNvPicPr>
+          <p:nvPr>
+            <p:ph idx="1"/>
+          </p:nvPr>
+        </p:nvPicPr>
+        <p:blipFill rotWithShape="1">
+          <a:blip r:embed="rId3">
+            <a:extLst>
+              <a:ext uri="{28A0092B-C50C-407E-A947-70E740481C1C}">
+                <a14:useLocalDpi xmlns:a14="http://schemas.microsoft.com/office/drawing/2010/main" val="0"/>
+              </a:ext>
+            </a:extLst>
+          </a:blip>
+          <a:srcRect t="9133" b="1225"/>
+          <a:stretch/>
+        </p:blipFill>
+        <p:spPr>
+          <a:xfrm>
+            <a:off x="20" y="10"/>
+            <a:ext cx="12191980" cy="6857990"/>
+          </a:xfrm>
+          <a:prstGeom prst="rect">
+            <a:avLst/>
+          </a:prstGeom>
+        </p:spPr>
+      </p:pic>
+    </p:spTree>
+    <p:extLst>
+      <p:ext uri="{BB962C8B-B14F-4D97-AF65-F5344CB8AC3E}">
+        <p14:creationId xmlns:p14="http://schemas.microsoft.com/office/powerpoint/2010/main" val="103510619"/>
+      </p:ext>
+    </p:extLst>
+  </p:cSld>
+  <p:clrMapOvr>
+    <a:masterClrMapping/>
+  </p:clrMapOvr>
+</p:sld>
+</file>
+
+<file path=ppt/slides/slide7.xml><?xml version="1.0" encoding="utf-8"?>
 <p:sld xmlns:a="http://schemas.openxmlformats.org/drawingml/2006/main" xmlns:r="http://schemas.openxmlformats.org/officeDocument/2006/relationships" xmlns:p="http://schemas.openxmlformats.org/presentationml/2006/main">
   <p:cSld>
     <p:spTree>
@@ -18803,6 +20839,11 @@
         </p:txBody>
       </p:sp>
     </p:spTree>
+    <p:extLst>
+      <p:ext uri="{BB962C8B-B14F-4D97-AF65-F5344CB8AC3E}">
+        <p14:creationId xmlns:p14="http://schemas.microsoft.com/office/powerpoint/2010/main" val="786706747"/>
+      </p:ext>
+    </p:extLst>
   </p:cSld>
   <p:clrMapOvr>
     <a:masterClrMapping/>
@@ -18810,7 +20851,7 @@
 </p:sld>
 </file>
 
-<file path=ppt/slides/slide6.xml><?xml version="1.0" encoding="utf-8"?>
+<file path=ppt/slides/slide8.xml><?xml version="1.0" encoding="utf-8"?>
 <p:sld xmlns:a="http://schemas.openxmlformats.org/drawingml/2006/main" xmlns:r="http://schemas.openxmlformats.org/officeDocument/2006/relationships" xmlns:p="http://schemas.openxmlformats.org/presentationml/2006/main">
   <p:cSld>
     <p:bg>
@@ -19500,7 +21541,7 @@
           <p:nvPr>
             <p:extLst>
               <p:ext uri="{D42A27DB-BD31-4B8C-83A1-F6EECF244321}">
-                <p14:modId xmlns:p14="http://schemas.microsoft.com/office/powerpoint/2010/main" val="381532492"/>
+                <p14:modId xmlns:p14="http://schemas.microsoft.com/office/powerpoint/2010/main" val="1459839364"/>
               </p:ext>
             </p:extLst>
           </p:nvPr>
@@ -19523,7 +21564,7 @@
 </p:sld>
 </file>
 
-<file path=ppt/slides/slide7.xml><?xml version="1.0" encoding="utf-8"?>
+<file path=ppt/slides/slide9.xml><?xml version="1.0" encoding="utf-8"?>
 <p:sld xmlns:a="http://schemas.openxmlformats.org/drawingml/2006/main" xmlns:r="http://schemas.openxmlformats.org/officeDocument/2006/relationships" xmlns:p="http://schemas.openxmlformats.org/presentationml/2006/main">
   <p:cSld>
     <p:spTree>
@@ -19744,1026 +21785,6 @@
         </p:txBody>
       </p:sp>
     </p:spTree>
-  </p:cSld>
-  <p:clrMapOvr>
-    <a:masterClrMapping/>
-  </p:clrMapOvr>
-</p:sld>
-</file>
-
-<file path=ppt/slides/slide8.xml><?xml version="1.0" encoding="utf-8"?>
-<p:sld xmlns:a="http://schemas.openxmlformats.org/drawingml/2006/main" xmlns:r="http://schemas.openxmlformats.org/officeDocument/2006/relationships" xmlns:p="http://schemas.openxmlformats.org/presentationml/2006/main">
-  <p:cSld>
-    <p:bg>
-      <p:bgPr>
-        <a:blipFill rotWithShape="1">
-          <a:blip r:embed="rId2">
-            <a:duotone>
-              <a:schemeClr val="bg2">
-                <a:shade val="76000"/>
-                <a:satMod val="180000"/>
-              </a:schemeClr>
-              <a:schemeClr val="bg2">
-                <a:tint val="80000"/>
-                <a:satMod val="120000"/>
-                <a:lumMod val="180000"/>
-              </a:schemeClr>
-            </a:duotone>
-          </a:blip>
-          <a:stretch/>
-        </a:blipFill>
-        <a:effectLst/>
-      </p:bgPr>
-    </p:bg>
-    <p:spTree>
-      <p:nvGrpSpPr>
-        <p:cNvPr id="1" name=""/>
-        <p:cNvGrpSpPr/>
-        <p:nvPr/>
-      </p:nvGrpSpPr>
-      <p:grpSpPr>
-        <a:xfrm>
-          <a:off x="0" y="0"/>
-          <a:ext cx="0" cy="0"/>
-          <a:chOff x="0" y="0"/>
-          <a:chExt cx="0" cy="0"/>
-        </a:xfrm>
-      </p:grpSpPr>
-      <p:grpSp>
-        <p:nvGrpSpPr>
-          <p:cNvPr id="10" name="Group 9">
-            <a:extLst>
-              <a:ext uri="{FF2B5EF4-FFF2-40B4-BE49-F238E27FC236}">
-                <a16:creationId xmlns:a16="http://schemas.microsoft.com/office/drawing/2014/main" id="{6ADA8EC3-01C5-453C-91A6-D01B9E15BF0B}"/>
-              </a:ext>
-              <a:ext uri="{C183D7F6-B498-43B3-948B-1728B52AA6E4}">
-                <adec:decorative xmlns:adec="http://schemas.microsoft.com/office/drawing/2017/decorative" val="1"/>
-              </a:ext>
-            </a:extLst>
-          </p:cNvPr>
-          <p:cNvGrpSpPr>
-            <a:grpSpLocks noGrp="1" noUngrp="1" noRot="1" noChangeAspect="1" noMove="1" noResize="1"/>
-          </p:cNvGrpSpPr>
-          <p:nvPr>
-            <p:extLst>
-              <p:ext uri="{386F3935-93C4-4BCD-93E2-E3B085C9AB24}">
-                <p16:designElem xmlns:p16="http://schemas.microsoft.com/office/powerpoint/2015/main" val="1"/>
-              </p:ext>
-            </p:extLst>
-          </p:nvPr>
-        </p:nvGrpSpPr>
-        <p:grpSpPr>
-          <a:xfrm>
-            <a:off x="150812" y="0"/>
-            <a:ext cx="2436813" cy="6858001"/>
-            <a:chOff x="1320800" y="0"/>
-            <a:chExt cx="2436813" cy="6858001"/>
-          </a:xfrm>
-        </p:grpSpPr>
-        <p:sp>
-          <p:nvSpPr>
-            <p:cNvPr id="11" name="Freeform 6">
-              <a:extLst>
-                <a:ext uri="{FF2B5EF4-FFF2-40B4-BE49-F238E27FC236}">
-                  <a16:creationId xmlns:a16="http://schemas.microsoft.com/office/drawing/2014/main" id="{9A1D7546-68ED-4F66-AA8D-D04BEAD39382}"/>
-                </a:ext>
-                <a:ext uri="{C183D7F6-B498-43B3-948B-1728B52AA6E4}">
-                  <adec:decorative xmlns:adec="http://schemas.microsoft.com/office/drawing/2017/decorative" val="1"/>
-                </a:ext>
-              </a:extLst>
-            </p:cNvPr>
-            <p:cNvSpPr/>
-            <p:nvPr>
-              <p:extLst>
-                <p:ext uri="{386F3935-93C4-4BCD-93E2-E3B085C9AB24}">
-                  <p16:designElem xmlns:p16="http://schemas.microsoft.com/office/powerpoint/2015/main" val="1"/>
-                </p:ext>
-              </p:extLst>
-            </p:nvPr>
-          </p:nvSpPr>
-          <p:spPr bwMode="auto">
-            <a:xfrm>
-              <a:off x="1627188" y="0"/>
-              <a:ext cx="1122363" cy="5329238"/>
-            </a:xfrm>
-            <a:custGeom>
-              <a:avLst/>
-              <a:gdLst/>
-              <a:ahLst/>
-              <a:cxnLst/>
-              <a:rect l="0" t="0" r="r" b="b"/>
-              <a:pathLst>
-                <a:path w="707" h="3357">
-                  <a:moveTo>
-                    <a:pt x="0" y="3330"/>
-                  </a:moveTo>
-                  <a:lnTo>
-                    <a:pt x="156" y="3357"/>
-                  </a:lnTo>
-                  <a:lnTo>
-                    <a:pt x="707" y="0"/>
-                  </a:lnTo>
-                  <a:lnTo>
-                    <a:pt x="547" y="0"/>
-                  </a:lnTo>
-                  <a:lnTo>
-                    <a:pt x="0" y="3330"/>
-                  </a:lnTo>
-                  <a:close/>
-                </a:path>
-              </a:pathLst>
-            </a:custGeom>
-            <a:solidFill>
-              <a:schemeClr val="accent1"/>
-            </a:solidFill>
-            <a:ln>
-              <a:noFill/>
-            </a:ln>
-          </p:spPr>
-        </p:sp>
-        <p:sp>
-          <p:nvSpPr>
-            <p:cNvPr id="12" name="Freeform 7">
-              <a:extLst>
-                <a:ext uri="{FF2B5EF4-FFF2-40B4-BE49-F238E27FC236}">
-                  <a16:creationId xmlns:a16="http://schemas.microsoft.com/office/drawing/2014/main" id="{FCFE8A66-699D-4E05-B8FC-C31AE461D68A}"/>
-                </a:ext>
-                <a:ext uri="{C183D7F6-B498-43B3-948B-1728B52AA6E4}">
-                  <adec:decorative xmlns:adec="http://schemas.microsoft.com/office/drawing/2017/decorative" val="1"/>
-                </a:ext>
-              </a:extLst>
-            </p:cNvPr>
-            <p:cNvSpPr/>
-            <p:nvPr>
-              <p:extLst>
-                <p:ext uri="{386F3935-93C4-4BCD-93E2-E3B085C9AB24}">
-                  <p16:designElem xmlns:p16="http://schemas.microsoft.com/office/powerpoint/2015/main" val="1"/>
-                </p:ext>
-              </p:extLst>
-            </p:nvPr>
-          </p:nvSpPr>
-          <p:spPr bwMode="auto">
-            <a:xfrm>
-              <a:off x="1320800" y="0"/>
-              <a:ext cx="1117600" cy="5276850"/>
-            </a:xfrm>
-            <a:custGeom>
-              <a:avLst/>
-              <a:gdLst/>
-              <a:ahLst/>
-              <a:cxnLst/>
-              <a:rect l="0" t="0" r="r" b="b"/>
-              <a:pathLst>
-                <a:path w="704" h="3324">
-                  <a:moveTo>
-                    <a:pt x="704" y="0"/>
-                  </a:moveTo>
-                  <a:lnTo>
-                    <a:pt x="545" y="0"/>
-                  </a:lnTo>
-                  <a:lnTo>
-                    <a:pt x="0" y="3300"/>
-                  </a:lnTo>
-                  <a:lnTo>
-                    <a:pt x="157" y="3324"/>
-                  </a:lnTo>
-                  <a:lnTo>
-                    <a:pt x="704" y="0"/>
-                  </a:lnTo>
-                  <a:close/>
-                </a:path>
-              </a:pathLst>
-            </a:custGeom>
-            <a:solidFill>
-              <a:schemeClr val="tx1">
-                <a:lumMod val="65000"/>
-                <a:lumOff val="35000"/>
-              </a:schemeClr>
-            </a:solidFill>
-            <a:ln>
-              <a:noFill/>
-            </a:ln>
-          </p:spPr>
-        </p:sp>
-        <p:sp>
-          <p:nvSpPr>
-            <p:cNvPr id="13" name="Freeform 8">
-              <a:extLst>
-                <a:ext uri="{FF2B5EF4-FFF2-40B4-BE49-F238E27FC236}">
-                  <a16:creationId xmlns:a16="http://schemas.microsoft.com/office/drawing/2014/main" id="{A124234B-D5D1-45F9-9B32-264F699BCA58}"/>
-                </a:ext>
-                <a:ext uri="{C183D7F6-B498-43B3-948B-1728B52AA6E4}">
-                  <adec:decorative xmlns:adec="http://schemas.microsoft.com/office/drawing/2017/decorative" val="1"/>
-                </a:ext>
-              </a:extLst>
-            </p:cNvPr>
-            <p:cNvSpPr/>
-            <p:nvPr>
-              <p:extLst>
-                <p:ext uri="{386F3935-93C4-4BCD-93E2-E3B085C9AB24}">
-                  <p16:designElem xmlns:p16="http://schemas.microsoft.com/office/powerpoint/2015/main" val="1"/>
-                </p:ext>
-              </p:extLst>
-            </p:nvPr>
-          </p:nvSpPr>
-          <p:spPr bwMode="auto">
-            <a:xfrm>
-              <a:off x="1320800" y="5238750"/>
-              <a:ext cx="1228725" cy="1619250"/>
-            </a:xfrm>
-            <a:custGeom>
-              <a:avLst/>
-              <a:gdLst/>
-              <a:ahLst/>
-              <a:cxnLst/>
-              <a:rect l="0" t="0" r="r" b="b"/>
-              <a:pathLst>
-                <a:path w="774" h="1020">
-                  <a:moveTo>
-                    <a:pt x="0" y="0"/>
-                  </a:moveTo>
-                  <a:lnTo>
-                    <a:pt x="740" y="1020"/>
-                  </a:lnTo>
-                  <a:lnTo>
-                    <a:pt x="774" y="1020"/>
-                  </a:lnTo>
-                  <a:lnTo>
-                    <a:pt x="0" y="0"/>
-                  </a:lnTo>
-                  <a:close/>
-                </a:path>
-              </a:pathLst>
-            </a:custGeom>
-            <a:solidFill>
-              <a:schemeClr val="tx1">
-                <a:lumMod val="85000"/>
-                <a:lumOff val="15000"/>
-              </a:schemeClr>
-            </a:solidFill>
-            <a:ln>
-              <a:noFill/>
-            </a:ln>
-          </p:spPr>
-        </p:sp>
-        <p:sp>
-          <p:nvSpPr>
-            <p:cNvPr id="14" name="Freeform 9">
-              <a:extLst>
-                <a:ext uri="{FF2B5EF4-FFF2-40B4-BE49-F238E27FC236}">
-                  <a16:creationId xmlns:a16="http://schemas.microsoft.com/office/drawing/2014/main" id="{7A0B0249-AEB7-44A1-BEC3-A0C07E9E31D7}"/>
-                </a:ext>
-                <a:ext uri="{C183D7F6-B498-43B3-948B-1728B52AA6E4}">
-                  <adec:decorative xmlns:adec="http://schemas.microsoft.com/office/drawing/2017/decorative" val="1"/>
-                </a:ext>
-              </a:extLst>
-            </p:cNvPr>
-            <p:cNvSpPr/>
-            <p:nvPr>
-              <p:extLst>
-                <p:ext uri="{386F3935-93C4-4BCD-93E2-E3B085C9AB24}">
-                  <p16:designElem xmlns:p16="http://schemas.microsoft.com/office/powerpoint/2015/main" val="1"/>
-                </p:ext>
-              </p:extLst>
-            </p:nvPr>
-          </p:nvSpPr>
-          <p:spPr bwMode="auto">
-            <a:xfrm>
-              <a:off x="1627188" y="5291138"/>
-              <a:ext cx="1495425" cy="1566863"/>
-            </a:xfrm>
-            <a:custGeom>
-              <a:avLst/>
-              <a:gdLst/>
-              <a:ahLst/>
-              <a:cxnLst/>
-              <a:rect l="0" t="0" r="r" b="b"/>
-              <a:pathLst>
-                <a:path w="942" h="987">
-                  <a:moveTo>
-                    <a:pt x="0" y="0"/>
-                  </a:moveTo>
-                  <a:lnTo>
-                    <a:pt x="909" y="987"/>
-                  </a:lnTo>
-                  <a:lnTo>
-                    <a:pt x="942" y="987"/>
-                  </a:lnTo>
-                  <a:lnTo>
-                    <a:pt x="0" y="0"/>
-                  </a:lnTo>
-                  <a:close/>
-                </a:path>
-              </a:pathLst>
-            </a:custGeom>
-            <a:solidFill>
-              <a:schemeClr val="accent1">
-                <a:lumMod val="50000"/>
-              </a:schemeClr>
-            </a:solidFill>
-            <a:ln>
-              <a:noFill/>
-            </a:ln>
-          </p:spPr>
-        </p:sp>
-        <p:sp>
-          <p:nvSpPr>
-            <p:cNvPr id="15" name="Freeform 10">
-              <a:extLst>
-                <a:ext uri="{FF2B5EF4-FFF2-40B4-BE49-F238E27FC236}">
-                  <a16:creationId xmlns:a16="http://schemas.microsoft.com/office/drawing/2014/main" id="{251D4BF9-284D-4B99-922C-BAB91FB2D98E}"/>
-                </a:ext>
-                <a:ext uri="{C183D7F6-B498-43B3-948B-1728B52AA6E4}">
-                  <adec:decorative xmlns:adec="http://schemas.microsoft.com/office/drawing/2017/decorative" val="1"/>
-                </a:ext>
-              </a:extLst>
-            </p:cNvPr>
-            <p:cNvSpPr/>
-            <p:nvPr>
-              <p:extLst>
-                <p:ext uri="{386F3935-93C4-4BCD-93E2-E3B085C9AB24}">
-                  <p16:designElem xmlns:p16="http://schemas.microsoft.com/office/powerpoint/2015/main" val="1"/>
-                </p:ext>
-              </p:extLst>
-            </p:nvPr>
-          </p:nvSpPr>
-          <p:spPr bwMode="auto">
-            <a:xfrm>
-              <a:off x="1627188" y="5286375"/>
-              <a:ext cx="2130425" cy="1571625"/>
-            </a:xfrm>
-            <a:custGeom>
-              <a:avLst/>
-              <a:gdLst/>
-              <a:ahLst/>
-              <a:cxnLst/>
-              <a:rect l="0" t="0" r="r" b="b"/>
-              <a:pathLst>
-                <a:path w="1342" h="990">
-                  <a:moveTo>
-                    <a:pt x="0" y="3"/>
-                  </a:moveTo>
-                  <a:lnTo>
-                    <a:pt x="942" y="990"/>
-                  </a:lnTo>
-                  <a:lnTo>
-                    <a:pt x="1342" y="990"/>
-                  </a:lnTo>
-                  <a:lnTo>
-                    <a:pt x="156" y="27"/>
-                  </a:lnTo>
-                  <a:lnTo>
-                    <a:pt x="0" y="0"/>
-                  </a:lnTo>
-                  <a:lnTo>
-                    <a:pt x="0" y="3"/>
-                  </a:lnTo>
-                  <a:close/>
-                </a:path>
-              </a:pathLst>
-            </a:custGeom>
-            <a:solidFill>
-              <a:schemeClr val="accent1">
-                <a:lumMod val="75000"/>
-              </a:schemeClr>
-            </a:solidFill>
-            <a:ln>
-              <a:noFill/>
-            </a:ln>
-          </p:spPr>
-        </p:sp>
-        <p:sp>
-          <p:nvSpPr>
-            <p:cNvPr id="16" name="Freeform 11">
-              <a:extLst>
-                <a:ext uri="{FF2B5EF4-FFF2-40B4-BE49-F238E27FC236}">
-                  <a16:creationId xmlns:a16="http://schemas.microsoft.com/office/drawing/2014/main" id="{733E9BD1-CC4F-4B4B-A413-92D6B1F0B3CF}"/>
-                </a:ext>
-                <a:ext uri="{C183D7F6-B498-43B3-948B-1728B52AA6E4}">
-                  <adec:decorative xmlns:adec="http://schemas.microsoft.com/office/drawing/2017/decorative" val="1"/>
-                </a:ext>
-              </a:extLst>
-            </p:cNvPr>
-            <p:cNvSpPr/>
-            <p:nvPr>
-              <p:extLst>
-                <p:ext uri="{386F3935-93C4-4BCD-93E2-E3B085C9AB24}">
-                  <p16:designElem xmlns:p16="http://schemas.microsoft.com/office/powerpoint/2015/main" val="1"/>
-                </p:ext>
-              </p:extLst>
-            </p:nvPr>
-          </p:nvSpPr>
-          <p:spPr bwMode="auto">
-            <a:xfrm>
-              <a:off x="1320800" y="5238750"/>
-              <a:ext cx="1695450" cy="1619250"/>
-            </a:xfrm>
-            <a:custGeom>
-              <a:avLst/>
-              <a:gdLst/>
-              <a:ahLst/>
-              <a:cxnLst/>
-              <a:rect l="0" t="0" r="r" b="b"/>
-              <a:pathLst>
-                <a:path w="1068" h="1020">
-                  <a:moveTo>
-                    <a:pt x="1068" y="1020"/>
-                  </a:moveTo>
-                  <a:lnTo>
-                    <a:pt x="184" y="60"/>
-                  </a:lnTo>
-                  <a:lnTo>
-                    <a:pt x="154" y="27"/>
-                  </a:lnTo>
-                  <a:lnTo>
-                    <a:pt x="157" y="27"/>
-                  </a:lnTo>
-                  <a:lnTo>
-                    <a:pt x="157" y="24"/>
-                  </a:lnTo>
-                  <a:lnTo>
-                    <a:pt x="154" y="24"/>
-                  </a:lnTo>
-                  <a:lnTo>
-                    <a:pt x="0" y="0"/>
-                  </a:lnTo>
-                  <a:lnTo>
-                    <a:pt x="0" y="0"/>
-                  </a:lnTo>
-                  <a:lnTo>
-                    <a:pt x="774" y="1020"/>
-                  </a:lnTo>
-                  <a:lnTo>
-                    <a:pt x="1068" y="1020"/>
-                  </a:lnTo>
-                  <a:close/>
-                </a:path>
-              </a:pathLst>
-            </a:custGeom>
-            <a:solidFill>
-              <a:schemeClr val="tx1">
-                <a:lumMod val="75000"/>
-                <a:lumOff val="25000"/>
-              </a:schemeClr>
-            </a:solidFill>
-            <a:ln>
-              <a:noFill/>
-            </a:ln>
-          </p:spPr>
-        </p:sp>
-      </p:grpSp>
-      <p:pic>
-        <p:nvPicPr>
-          <p:cNvPr id="5" name="Content Placeholder 4" descr="Diagram&#10;&#10;Description automatically generated">
-            <a:extLst>
-              <a:ext uri="{FF2B5EF4-FFF2-40B4-BE49-F238E27FC236}">
-                <a16:creationId xmlns:a16="http://schemas.microsoft.com/office/drawing/2014/main" id="{C904553B-3F26-44DF-B561-A2DA063ADEF2}"/>
-              </a:ext>
-            </a:extLst>
-          </p:cNvPr>
-          <p:cNvPicPr>
-            <a:picLocks noGrp="1" noChangeAspect="1"/>
-          </p:cNvPicPr>
-          <p:nvPr>
-            <p:ph idx="1"/>
-          </p:nvPr>
-        </p:nvPicPr>
-        <p:blipFill rotWithShape="1">
-          <a:blip r:embed="rId3">
-            <a:extLst>
-              <a:ext uri="{28A0092B-C50C-407E-A947-70E740481C1C}">
-                <a14:useLocalDpi xmlns:a14="http://schemas.microsoft.com/office/drawing/2010/main" val="0"/>
-              </a:ext>
-            </a:extLst>
-          </a:blip>
-          <a:srcRect l="6414" r="22919"/>
-          <a:stretch/>
-        </p:blipFill>
-        <p:spPr>
-          <a:xfrm>
-            <a:off x="20" y="10"/>
-            <a:ext cx="12191980" cy="6857990"/>
-          </a:xfrm>
-          <a:prstGeom prst="rect">
-            <a:avLst/>
-          </a:prstGeom>
-        </p:spPr>
-      </p:pic>
-    </p:spTree>
-    <p:extLst>
-      <p:ext uri="{BB962C8B-B14F-4D97-AF65-F5344CB8AC3E}">
-        <p14:creationId xmlns:p14="http://schemas.microsoft.com/office/powerpoint/2010/main" val="1941309220"/>
-      </p:ext>
-    </p:extLst>
-  </p:cSld>
-  <p:clrMapOvr>
-    <a:masterClrMapping/>
-  </p:clrMapOvr>
-</p:sld>
-</file>
-
-<file path=ppt/slides/slide9.xml><?xml version="1.0" encoding="utf-8"?>
-<p:sld xmlns:a="http://schemas.openxmlformats.org/drawingml/2006/main" xmlns:r="http://schemas.openxmlformats.org/officeDocument/2006/relationships" xmlns:p="http://schemas.openxmlformats.org/presentationml/2006/main">
-  <p:cSld>
-    <p:bg>
-      <p:bgPr>
-        <a:blipFill rotWithShape="1">
-          <a:blip r:embed="rId2">
-            <a:duotone>
-              <a:schemeClr val="bg2">
-                <a:shade val="76000"/>
-                <a:satMod val="180000"/>
-              </a:schemeClr>
-              <a:schemeClr val="bg2">
-                <a:tint val="80000"/>
-                <a:satMod val="120000"/>
-                <a:lumMod val="180000"/>
-              </a:schemeClr>
-            </a:duotone>
-          </a:blip>
-          <a:stretch/>
-        </a:blipFill>
-        <a:effectLst/>
-      </p:bgPr>
-    </p:bg>
-    <p:spTree>
-      <p:nvGrpSpPr>
-        <p:cNvPr id="1" name=""/>
-        <p:cNvGrpSpPr/>
-        <p:nvPr/>
-      </p:nvGrpSpPr>
-      <p:grpSpPr>
-        <a:xfrm>
-          <a:off x="0" y="0"/>
-          <a:ext cx="0" cy="0"/>
-          <a:chOff x="0" y="0"/>
-          <a:chExt cx="0" cy="0"/>
-        </a:xfrm>
-      </p:grpSpPr>
-      <p:grpSp>
-        <p:nvGrpSpPr>
-          <p:cNvPr id="12" name="Group 11">
-            <a:extLst>
-              <a:ext uri="{FF2B5EF4-FFF2-40B4-BE49-F238E27FC236}">
-                <a16:creationId xmlns:a16="http://schemas.microsoft.com/office/drawing/2014/main" id="{6ADA8EC3-01C5-453C-91A6-D01B9E15BF0B}"/>
-              </a:ext>
-              <a:ext uri="{C183D7F6-B498-43B3-948B-1728B52AA6E4}">
-                <adec:decorative xmlns:adec="http://schemas.microsoft.com/office/drawing/2017/decorative" val="1"/>
-              </a:ext>
-            </a:extLst>
-          </p:cNvPr>
-          <p:cNvGrpSpPr>
-            <a:grpSpLocks noGrp="1" noUngrp="1" noRot="1" noChangeAspect="1" noMove="1" noResize="1"/>
-          </p:cNvGrpSpPr>
-          <p:nvPr>
-            <p:extLst>
-              <p:ext uri="{386F3935-93C4-4BCD-93E2-E3B085C9AB24}">
-                <p16:designElem xmlns:p16="http://schemas.microsoft.com/office/powerpoint/2015/main" val="1"/>
-              </p:ext>
-            </p:extLst>
-          </p:nvPr>
-        </p:nvGrpSpPr>
-        <p:grpSpPr>
-          <a:xfrm>
-            <a:off x="150812" y="0"/>
-            <a:ext cx="2436813" cy="6858001"/>
-            <a:chOff x="1320800" y="0"/>
-            <a:chExt cx="2436813" cy="6858001"/>
-          </a:xfrm>
-        </p:grpSpPr>
-        <p:sp>
-          <p:nvSpPr>
-            <p:cNvPr id="13" name="Freeform 6">
-              <a:extLst>
-                <a:ext uri="{FF2B5EF4-FFF2-40B4-BE49-F238E27FC236}">
-                  <a16:creationId xmlns:a16="http://schemas.microsoft.com/office/drawing/2014/main" id="{9A1D7546-68ED-4F66-AA8D-D04BEAD39382}"/>
-                </a:ext>
-                <a:ext uri="{C183D7F6-B498-43B3-948B-1728B52AA6E4}">
-                  <adec:decorative xmlns:adec="http://schemas.microsoft.com/office/drawing/2017/decorative" val="1"/>
-                </a:ext>
-              </a:extLst>
-            </p:cNvPr>
-            <p:cNvSpPr/>
-            <p:nvPr>
-              <p:extLst>
-                <p:ext uri="{386F3935-93C4-4BCD-93E2-E3B085C9AB24}">
-                  <p16:designElem xmlns:p16="http://schemas.microsoft.com/office/powerpoint/2015/main" val="1"/>
-                </p:ext>
-              </p:extLst>
-            </p:nvPr>
-          </p:nvSpPr>
-          <p:spPr bwMode="auto">
-            <a:xfrm>
-              <a:off x="1627188" y="0"/>
-              <a:ext cx="1122363" cy="5329238"/>
-            </a:xfrm>
-            <a:custGeom>
-              <a:avLst/>
-              <a:gdLst/>
-              <a:ahLst/>
-              <a:cxnLst/>
-              <a:rect l="0" t="0" r="r" b="b"/>
-              <a:pathLst>
-                <a:path w="707" h="3357">
-                  <a:moveTo>
-                    <a:pt x="0" y="3330"/>
-                  </a:moveTo>
-                  <a:lnTo>
-                    <a:pt x="156" y="3357"/>
-                  </a:lnTo>
-                  <a:lnTo>
-                    <a:pt x="707" y="0"/>
-                  </a:lnTo>
-                  <a:lnTo>
-                    <a:pt x="547" y="0"/>
-                  </a:lnTo>
-                  <a:lnTo>
-                    <a:pt x="0" y="3330"/>
-                  </a:lnTo>
-                  <a:close/>
-                </a:path>
-              </a:pathLst>
-            </a:custGeom>
-            <a:solidFill>
-              <a:schemeClr val="accent1"/>
-            </a:solidFill>
-            <a:ln>
-              <a:noFill/>
-            </a:ln>
-          </p:spPr>
-        </p:sp>
-        <p:sp>
-          <p:nvSpPr>
-            <p:cNvPr id="14" name="Freeform 7">
-              <a:extLst>
-                <a:ext uri="{FF2B5EF4-FFF2-40B4-BE49-F238E27FC236}">
-                  <a16:creationId xmlns:a16="http://schemas.microsoft.com/office/drawing/2014/main" id="{FCFE8A66-699D-4E05-B8FC-C31AE461D68A}"/>
-                </a:ext>
-                <a:ext uri="{C183D7F6-B498-43B3-948B-1728B52AA6E4}">
-                  <adec:decorative xmlns:adec="http://schemas.microsoft.com/office/drawing/2017/decorative" val="1"/>
-                </a:ext>
-              </a:extLst>
-            </p:cNvPr>
-            <p:cNvSpPr/>
-            <p:nvPr>
-              <p:extLst>
-                <p:ext uri="{386F3935-93C4-4BCD-93E2-E3B085C9AB24}">
-                  <p16:designElem xmlns:p16="http://schemas.microsoft.com/office/powerpoint/2015/main" val="1"/>
-                </p:ext>
-              </p:extLst>
-            </p:nvPr>
-          </p:nvSpPr>
-          <p:spPr bwMode="auto">
-            <a:xfrm>
-              <a:off x="1320800" y="0"/>
-              <a:ext cx="1117600" cy="5276850"/>
-            </a:xfrm>
-            <a:custGeom>
-              <a:avLst/>
-              <a:gdLst/>
-              <a:ahLst/>
-              <a:cxnLst/>
-              <a:rect l="0" t="0" r="r" b="b"/>
-              <a:pathLst>
-                <a:path w="704" h="3324">
-                  <a:moveTo>
-                    <a:pt x="704" y="0"/>
-                  </a:moveTo>
-                  <a:lnTo>
-                    <a:pt x="545" y="0"/>
-                  </a:lnTo>
-                  <a:lnTo>
-                    <a:pt x="0" y="3300"/>
-                  </a:lnTo>
-                  <a:lnTo>
-                    <a:pt x="157" y="3324"/>
-                  </a:lnTo>
-                  <a:lnTo>
-                    <a:pt x="704" y="0"/>
-                  </a:lnTo>
-                  <a:close/>
-                </a:path>
-              </a:pathLst>
-            </a:custGeom>
-            <a:solidFill>
-              <a:schemeClr val="tx1">
-                <a:lumMod val="65000"/>
-                <a:lumOff val="35000"/>
-              </a:schemeClr>
-            </a:solidFill>
-            <a:ln>
-              <a:noFill/>
-            </a:ln>
-          </p:spPr>
-        </p:sp>
-        <p:sp>
-          <p:nvSpPr>
-            <p:cNvPr id="15" name="Freeform 8">
-              <a:extLst>
-                <a:ext uri="{FF2B5EF4-FFF2-40B4-BE49-F238E27FC236}">
-                  <a16:creationId xmlns:a16="http://schemas.microsoft.com/office/drawing/2014/main" id="{A124234B-D5D1-45F9-9B32-264F699BCA58}"/>
-                </a:ext>
-                <a:ext uri="{C183D7F6-B498-43B3-948B-1728B52AA6E4}">
-                  <adec:decorative xmlns:adec="http://schemas.microsoft.com/office/drawing/2017/decorative" val="1"/>
-                </a:ext>
-              </a:extLst>
-            </p:cNvPr>
-            <p:cNvSpPr/>
-            <p:nvPr>
-              <p:extLst>
-                <p:ext uri="{386F3935-93C4-4BCD-93E2-E3B085C9AB24}">
-                  <p16:designElem xmlns:p16="http://schemas.microsoft.com/office/powerpoint/2015/main" val="1"/>
-                </p:ext>
-              </p:extLst>
-            </p:nvPr>
-          </p:nvSpPr>
-          <p:spPr bwMode="auto">
-            <a:xfrm>
-              <a:off x="1320800" y="5238750"/>
-              <a:ext cx="1228725" cy="1619250"/>
-            </a:xfrm>
-            <a:custGeom>
-              <a:avLst/>
-              <a:gdLst/>
-              <a:ahLst/>
-              <a:cxnLst/>
-              <a:rect l="0" t="0" r="r" b="b"/>
-              <a:pathLst>
-                <a:path w="774" h="1020">
-                  <a:moveTo>
-                    <a:pt x="0" y="0"/>
-                  </a:moveTo>
-                  <a:lnTo>
-                    <a:pt x="740" y="1020"/>
-                  </a:lnTo>
-                  <a:lnTo>
-                    <a:pt x="774" y="1020"/>
-                  </a:lnTo>
-                  <a:lnTo>
-                    <a:pt x="0" y="0"/>
-                  </a:lnTo>
-                  <a:close/>
-                </a:path>
-              </a:pathLst>
-            </a:custGeom>
-            <a:solidFill>
-              <a:schemeClr val="tx1">
-                <a:lumMod val="85000"/>
-                <a:lumOff val="15000"/>
-              </a:schemeClr>
-            </a:solidFill>
-            <a:ln>
-              <a:noFill/>
-            </a:ln>
-          </p:spPr>
-        </p:sp>
-        <p:sp>
-          <p:nvSpPr>
-            <p:cNvPr id="16" name="Freeform 9">
-              <a:extLst>
-                <a:ext uri="{FF2B5EF4-FFF2-40B4-BE49-F238E27FC236}">
-                  <a16:creationId xmlns:a16="http://schemas.microsoft.com/office/drawing/2014/main" id="{7A0B0249-AEB7-44A1-BEC3-A0C07E9E31D7}"/>
-                </a:ext>
-                <a:ext uri="{C183D7F6-B498-43B3-948B-1728B52AA6E4}">
-                  <adec:decorative xmlns:adec="http://schemas.microsoft.com/office/drawing/2017/decorative" val="1"/>
-                </a:ext>
-              </a:extLst>
-            </p:cNvPr>
-            <p:cNvSpPr/>
-            <p:nvPr>
-              <p:extLst>
-                <p:ext uri="{386F3935-93C4-4BCD-93E2-E3B085C9AB24}">
-                  <p16:designElem xmlns:p16="http://schemas.microsoft.com/office/powerpoint/2015/main" val="1"/>
-                </p:ext>
-              </p:extLst>
-            </p:nvPr>
-          </p:nvSpPr>
-          <p:spPr bwMode="auto">
-            <a:xfrm>
-              <a:off x="1627188" y="5291138"/>
-              <a:ext cx="1495425" cy="1566863"/>
-            </a:xfrm>
-            <a:custGeom>
-              <a:avLst/>
-              <a:gdLst/>
-              <a:ahLst/>
-              <a:cxnLst/>
-              <a:rect l="0" t="0" r="r" b="b"/>
-              <a:pathLst>
-                <a:path w="942" h="987">
-                  <a:moveTo>
-                    <a:pt x="0" y="0"/>
-                  </a:moveTo>
-                  <a:lnTo>
-                    <a:pt x="909" y="987"/>
-                  </a:lnTo>
-                  <a:lnTo>
-                    <a:pt x="942" y="987"/>
-                  </a:lnTo>
-                  <a:lnTo>
-                    <a:pt x="0" y="0"/>
-                  </a:lnTo>
-                  <a:close/>
-                </a:path>
-              </a:pathLst>
-            </a:custGeom>
-            <a:solidFill>
-              <a:schemeClr val="accent1">
-                <a:lumMod val="50000"/>
-              </a:schemeClr>
-            </a:solidFill>
-            <a:ln>
-              <a:noFill/>
-            </a:ln>
-          </p:spPr>
-        </p:sp>
-        <p:sp>
-          <p:nvSpPr>
-            <p:cNvPr id="17" name="Freeform 10">
-              <a:extLst>
-                <a:ext uri="{FF2B5EF4-FFF2-40B4-BE49-F238E27FC236}">
-                  <a16:creationId xmlns:a16="http://schemas.microsoft.com/office/drawing/2014/main" id="{251D4BF9-284D-4B99-922C-BAB91FB2D98E}"/>
-                </a:ext>
-                <a:ext uri="{C183D7F6-B498-43B3-948B-1728B52AA6E4}">
-                  <adec:decorative xmlns:adec="http://schemas.microsoft.com/office/drawing/2017/decorative" val="1"/>
-                </a:ext>
-              </a:extLst>
-            </p:cNvPr>
-            <p:cNvSpPr/>
-            <p:nvPr>
-              <p:extLst>
-                <p:ext uri="{386F3935-93C4-4BCD-93E2-E3B085C9AB24}">
-                  <p16:designElem xmlns:p16="http://schemas.microsoft.com/office/powerpoint/2015/main" val="1"/>
-                </p:ext>
-              </p:extLst>
-            </p:nvPr>
-          </p:nvSpPr>
-          <p:spPr bwMode="auto">
-            <a:xfrm>
-              <a:off x="1627188" y="5286375"/>
-              <a:ext cx="2130425" cy="1571625"/>
-            </a:xfrm>
-            <a:custGeom>
-              <a:avLst/>
-              <a:gdLst/>
-              <a:ahLst/>
-              <a:cxnLst/>
-              <a:rect l="0" t="0" r="r" b="b"/>
-              <a:pathLst>
-                <a:path w="1342" h="990">
-                  <a:moveTo>
-                    <a:pt x="0" y="3"/>
-                  </a:moveTo>
-                  <a:lnTo>
-                    <a:pt x="942" y="990"/>
-                  </a:lnTo>
-                  <a:lnTo>
-                    <a:pt x="1342" y="990"/>
-                  </a:lnTo>
-                  <a:lnTo>
-                    <a:pt x="156" y="27"/>
-                  </a:lnTo>
-                  <a:lnTo>
-                    <a:pt x="0" y="0"/>
-                  </a:lnTo>
-                  <a:lnTo>
-                    <a:pt x="0" y="3"/>
-                  </a:lnTo>
-                  <a:close/>
-                </a:path>
-              </a:pathLst>
-            </a:custGeom>
-            <a:solidFill>
-              <a:schemeClr val="accent1">
-                <a:lumMod val="75000"/>
-              </a:schemeClr>
-            </a:solidFill>
-            <a:ln>
-              <a:noFill/>
-            </a:ln>
-          </p:spPr>
-        </p:sp>
-        <p:sp>
-          <p:nvSpPr>
-            <p:cNvPr id="18" name="Freeform 11">
-              <a:extLst>
-                <a:ext uri="{FF2B5EF4-FFF2-40B4-BE49-F238E27FC236}">
-                  <a16:creationId xmlns:a16="http://schemas.microsoft.com/office/drawing/2014/main" id="{733E9BD1-CC4F-4B4B-A413-92D6B1F0B3CF}"/>
-                </a:ext>
-                <a:ext uri="{C183D7F6-B498-43B3-948B-1728B52AA6E4}">
-                  <adec:decorative xmlns:adec="http://schemas.microsoft.com/office/drawing/2017/decorative" val="1"/>
-                </a:ext>
-              </a:extLst>
-            </p:cNvPr>
-            <p:cNvSpPr/>
-            <p:nvPr>
-              <p:extLst>
-                <p:ext uri="{386F3935-93C4-4BCD-93E2-E3B085C9AB24}">
-                  <p16:designElem xmlns:p16="http://schemas.microsoft.com/office/powerpoint/2015/main" val="1"/>
-                </p:ext>
-              </p:extLst>
-            </p:nvPr>
-          </p:nvSpPr>
-          <p:spPr bwMode="auto">
-            <a:xfrm>
-              <a:off x="1320800" y="5238750"/>
-              <a:ext cx="1695450" cy="1619250"/>
-            </a:xfrm>
-            <a:custGeom>
-              <a:avLst/>
-              <a:gdLst/>
-              <a:ahLst/>
-              <a:cxnLst/>
-              <a:rect l="0" t="0" r="r" b="b"/>
-              <a:pathLst>
-                <a:path w="1068" h="1020">
-                  <a:moveTo>
-                    <a:pt x="1068" y="1020"/>
-                  </a:moveTo>
-                  <a:lnTo>
-                    <a:pt x="184" y="60"/>
-                  </a:lnTo>
-                  <a:lnTo>
-                    <a:pt x="154" y="27"/>
-                  </a:lnTo>
-                  <a:lnTo>
-                    <a:pt x="157" y="27"/>
-                  </a:lnTo>
-                  <a:lnTo>
-                    <a:pt x="157" y="24"/>
-                  </a:lnTo>
-                  <a:lnTo>
-                    <a:pt x="154" y="24"/>
-                  </a:lnTo>
-                  <a:lnTo>
-                    <a:pt x="0" y="0"/>
-                  </a:lnTo>
-                  <a:lnTo>
-                    <a:pt x="0" y="0"/>
-                  </a:lnTo>
-                  <a:lnTo>
-                    <a:pt x="774" y="1020"/>
-                  </a:lnTo>
-                  <a:lnTo>
-                    <a:pt x="1068" y="1020"/>
-                  </a:lnTo>
-                  <a:close/>
-                </a:path>
-              </a:pathLst>
-            </a:custGeom>
-            <a:solidFill>
-              <a:schemeClr val="tx1">
-                <a:lumMod val="75000"/>
-                <a:lumOff val="25000"/>
-              </a:schemeClr>
-            </a:solidFill>
-            <a:ln>
-              <a:noFill/>
-            </a:ln>
-          </p:spPr>
-        </p:sp>
-      </p:grpSp>
-      <p:pic>
-        <p:nvPicPr>
-          <p:cNvPr id="7" name="Picture 6" descr="Calendar&#10;&#10;Description automatically generated with low confidence">
-            <a:extLst>
-              <a:ext uri="{FF2B5EF4-FFF2-40B4-BE49-F238E27FC236}">
-                <a16:creationId xmlns:a16="http://schemas.microsoft.com/office/drawing/2014/main" id="{983D23A1-9AF2-402D-A6A7-101928E1C3AE}"/>
-              </a:ext>
-            </a:extLst>
-          </p:cNvPr>
-          <p:cNvPicPr>
-            <a:picLocks noChangeAspect="1"/>
-          </p:cNvPicPr>
-          <p:nvPr/>
-        </p:nvPicPr>
-        <p:blipFill rotWithShape="1">
-          <a:blip r:embed="rId3">
-            <a:extLst>
-              <a:ext uri="{28A0092B-C50C-407E-A947-70E740481C1C}">
-                <a14:useLocalDpi xmlns:a14="http://schemas.microsoft.com/office/drawing/2010/main" val="0"/>
-              </a:ext>
-            </a:extLst>
-          </a:blip>
-          <a:srcRect b="16667"/>
-          <a:stretch/>
-        </p:blipFill>
-        <p:spPr>
-          <a:xfrm>
-            <a:off x="20" y="10"/>
-            <a:ext cx="12191980" cy="6857990"/>
-          </a:xfrm>
-          <a:prstGeom prst="rect">
-            <a:avLst/>
-          </a:prstGeom>
-        </p:spPr>
-      </p:pic>
-    </p:spTree>
-    <p:extLst>
-      <p:ext uri="{BB962C8B-B14F-4D97-AF65-F5344CB8AC3E}">
-        <p14:creationId xmlns:p14="http://schemas.microsoft.com/office/powerpoint/2010/main" val="1552603443"/>
-      </p:ext>
-    </p:extLst>
   </p:cSld>
   <p:clrMapOvr>
     <a:masterClrMapping/>

--- a/src/Additional/Presentation/PresentationAirlineReservationSystem.pptx
+++ b/src/Additional/Presentation/PresentationAirlineReservationSystem.pptx
@@ -12841,7 +12841,7 @@
             </a:r>
             <a:r>
               <a:rPr lang="fr-FR" sz="4400" dirty="0" err="1"/>
-              <a:t>Titled</a:t>
+              <a:t>Title</a:t>
             </a:r>
             <a:r>
               <a:rPr lang="fr-FR" sz="4000" dirty="0"/>
@@ -13579,10 +13579,10 @@
       </p:grpSp>
       <p:pic>
         <p:nvPicPr>
-          <p:cNvPr id="5" name="Content Placeholder 4" descr="Diagram&#10;&#10;Description automatically generated">
+          <p:cNvPr id="6" name="Content Placeholder 5" descr="Diagram&#10;&#10;Description automatically generated">
             <a:extLst>
               <a:ext uri="{FF2B5EF4-FFF2-40B4-BE49-F238E27FC236}">
-                <a16:creationId xmlns:a16="http://schemas.microsoft.com/office/drawing/2014/main" id="{C904553B-3F26-44DF-B561-A2DA063ADEF2}"/>
+                <a16:creationId xmlns:a16="http://schemas.microsoft.com/office/drawing/2014/main" id="{7C79DAD0-8F6F-4E5B-8C79-37CD9664038F}"/>
               </a:ext>
             </a:extLst>
           </p:cNvPr>
@@ -13593,7 +13593,7 @@
             <p:ph idx="1"/>
           </p:nvPr>
         </p:nvPicPr>
-        <p:blipFill rotWithShape="1">
+        <p:blipFill>
           <a:blip r:embed="rId3">
             <a:extLst>
               <a:ext uri="{28A0092B-C50C-407E-A947-70E740481C1C}">
@@ -13601,17 +13601,15 @@
               </a:ext>
             </a:extLst>
           </a:blip>
-          <a:srcRect l="6414" r="22919"/>
-          <a:stretch/>
+          <a:stretch>
+            <a:fillRect/>
+          </a:stretch>
         </p:blipFill>
         <p:spPr>
           <a:xfrm>
-            <a:off x="20" y="10"/>
-            <a:ext cx="12191980" cy="6857990"/>
+            <a:off x="-1" y="19049"/>
+            <a:ext cx="12289135" cy="6838951"/>
           </a:xfrm>
-          <a:prstGeom prst="rect">
-            <a:avLst/>
-          </a:prstGeom>
         </p:spPr>
       </p:pic>
     </p:spTree>

--- a/src/Additional/Presentation/PresentationAirlineReservationSystem.pptx
+++ b/src/Additional/Presentation/PresentationAirlineReservationSystem.pptx
@@ -6,24 +6,25 @@
   </p:sldMasterIdLst>
   <p:sldIdLst>
     <p:sldId id="256" r:id="rId2"/>
-    <p:sldId id="257" r:id="rId3"/>
-    <p:sldId id="258" r:id="rId4"/>
-    <p:sldId id="273" r:id="rId5"/>
-    <p:sldId id="259" r:id="rId6"/>
-    <p:sldId id="294" r:id="rId7"/>
-    <p:sldId id="293" r:id="rId8"/>
-    <p:sldId id="283" r:id="rId9"/>
-    <p:sldId id="260" r:id="rId10"/>
-    <p:sldId id="286" r:id="rId11"/>
-    <p:sldId id="287" r:id="rId12"/>
-    <p:sldId id="289" r:id="rId13"/>
-    <p:sldId id="290" r:id="rId14"/>
-    <p:sldId id="292" r:id="rId15"/>
-    <p:sldId id="291" r:id="rId16"/>
-    <p:sldId id="261" r:id="rId17"/>
-    <p:sldId id="288" r:id="rId18"/>
-    <p:sldId id="274" r:id="rId19"/>
-    <p:sldId id="284" r:id="rId20"/>
+    <p:sldId id="295" r:id="rId3"/>
+    <p:sldId id="257" r:id="rId4"/>
+    <p:sldId id="258" r:id="rId5"/>
+    <p:sldId id="273" r:id="rId6"/>
+    <p:sldId id="259" r:id="rId7"/>
+    <p:sldId id="294" r:id="rId8"/>
+    <p:sldId id="293" r:id="rId9"/>
+    <p:sldId id="283" r:id="rId10"/>
+    <p:sldId id="260" r:id="rId11"/>
+    <p:sldId id="286" r:id="rId12"/>
+    <p:sldId id="287" r:id="rId13"/>
+    <p:sldId id="289" r:id="rId14"/>
+    <p:sldId id="290" r:id="rId15"/>
+    <p:sldId id="292" r:id="rId16"/>
+    <p:sldId id="291" r:id="rId17"/>
+    <p:sldId id="261" r:id="rId18"/>
+    <p:sldId id="288" r:id="rId19"/>
+    <p:sldId id="274" r:id="rId20"/>
+    <p:sldId id="284" r:id="rId21"/>
   </p:sldIdLst>
   <p:sldSz cx="12192000" cy="6858000"/>
   <p:notesSz cx="6858000" cy="9144000"/>
@@ -1854,8 +1855,8 @@
             <a:t>VI. Method of </a:t>
           </a:r>
           <a:r>
-            <a:rPr lang="fr-FR" b="1" dirty="0" err="1"/>
-            <a:t>conding</a:t>
+            <a:rPr lang="fr-FR" b="1"/>
+            <a:t>coding</a:t>
           </a:r>
           <a:r>
             <a:rPr lang="fr-FR" b="1" dirty="0"/>
@@ -2785,10 +2786,10 @@
     <dgm:cxn modelId="{9B267A35-A80D-4323-98C9-B9EA3BDBB817}" type="presOf" srcId="{3A8433C1-3570-4A5C-ADED-AF772FD01B92}" destId="{E74F98D0-A209-41DD-9364-AB9E7CF86E98}" srcOrd="0" destOrd="0" presId="urn:microsoft.com/office/officeart/2005/8/layout/vList2"/>
     <dgm:cxn modelId="{BD4E513D-F377-4F0C-8599-6B68989C053D}" srcId="{780891F9-DF78-4D74-B714-7779D95D1352}" destId="{39539120-7641-4B46-9A86-A9A3A8FF69EA}" srcOrd="2" destOrd="0" parTransId="{1C1A2060-7E3F-424E-9A29-7E4ED2C48509}" sibTransId="{FC41B2C0-C4DA-4684-AE7D-9A4D6666209B}"/>
     <dgm:cxn modelId="{070DBD3E-8DC5-4E6D-8D0D-95E4C0C42B0B}" srcId="{780891F9-DF78-4D74-B714-7779D95D1352}" destId="{A9138B4A-6AC6-4B58-AFBB-CEADEA6A2C3F}" srcOrd="8" destOrd="0" parTransId="{67EA4A1E-13B9-4139-ABB9-D281986E819B}" sibTransId="{4DD22DD2-8D9F-491A-805E-16F7C709BBB1}"/>
+    <dgm:cxn modelId="{985F4658-D341-4174-BAB5-976A4AE8A90B}" type="presOf" srcId="{D5674D9B-DF8C-4F40-B480-236DCF4C4B82}" destId="{FC11AE97-C06B-4327-9120-E5D532115634}" srcOrd="0" destOrd="0" presId="urn:microsoft.com/office/officeart/2005/8/layout/vList2"/>
+    <dgm:cxn modelId="{DA976058-D704-4956-8671-CF2673B88EC4}" type="presOf" srcId="{7BADDADD-13E7-4B43-BC74-EF686B071D43}" destId="{C02E614C-9038-4DED-B1BB-CBFC07CE45AC}" srcOrd="0" destOrd="0" presId="urn:microsoft.com/office/officeart/2005/8/layout/vList2"/>
     <dgm:cxn modelId="{2A2AF16F-7F88-4A44-8912-31C601C7BD20}" srcId="{780891F9-DF78-4D74-B714-7779D95D1352}" destId="{D5674D9B-DF8C-4F40-B480-236DCF4C4B82}" srcOrd="9" destOrd="0" parTransId="{772DED3F-0F56-4D24-8E7B-B82CF9EB0A25}" sibTransId="{976915CD-4E8C-4449-B872-33573AD88D34}"/>
     <dgm:cxn modelId="{19C64170-615C-41E8-A2F1-C716269133E5}" type="presOf" srcId="{780891F9-DF78-4D74-B714-7779D95D1352}" destId="{497384B5-8793-4C16-81DF-B039E2FA9EB6}" srcOrd="0" destOrd="0" presId="urn:microsoft.com/office/officeart/2005/8/layout/vList2"/>
-    <dgm:cxn modelId="{DA976058-D704-4956-8671-CF2673B88EC4}" type="presOf" srcId="{7BADDADD-13E7-4B43-BC74-EF686B071D43}" destId="{C02E614C-9038-4DED-B1BB-CBFC07CE45AC}" srcOrd="0" destOrd="0" presId="urn:microsoft.com/office/officeart/2005/8/layout/vList2"/>
-    <dgm:cxn modelId="{985F4658-D341-4174-BAB5-976A4AE8A90B}" type="presOf" srcId="{D5674D9B-DF8C-4F40-B480-236DCF4C4B82}" destId="{FC11AE97-C06B-4327-9120-E5D532115634}" srcOrd="0" destOrd="0" presId="urn:microsoft.com/office/officeart/2005/8/layout/vList2"/>
     <dgm:cxn modelId="{456F2798-DF91-4D71-B1B0-87CFC1EA3AEE}" type="presOf" srcId="{574A7F65-A07B-40A9-BF13-99B7B6E4638B}" destId="{49E80434-60B9-48E7-A393-518D7A4F5889}" srcOrd="0" destOrd="0" presId="urn:microsoft.com/office/officeart/2005/8/layout/vList2"/>
     <dgm:cxn modelId="{4968349F-2951-4883-8044-2282B7AA8D38}" type="presOf" srcId="{C5EF121C-125D-4EEF-80A9-7F431ADD1714}" destId="{8CD73BD3-896B-4CEE-A7D2-57D3AF512A7B}" srcOrd="0" destOrd="0" presId="urn:microsoft.com/office/officeart/2005/8/layout/vList2"/>
     <dgm:cxn modelId="{E76D85B2-7069-4DFE-89CC-B8ADAB9E8239}" srcId="{780891F9-DF78-4D74-B714-7779D95D1352}" destId="{7BADDADD-13E7-4B43-BC74-EF686B071D43}" srcOrd="1" destOrd="0" parTransId="{D8616F46-FB4F-49E1-B446-A4695A253A88}" sibTransId="{CA899929-1EEC-4876-9A32-CA9B2058431A}"/>
@@ -3319,8 +3320,8 @@
             <a:t>VI. Method of </a:t>
           </a:r>
           <a:r>
-            <a:rPr lang="fr-FR" sz="2700" b="1" kern="1200" dirty="0" err="1"/>
-            <a:t>conding</a:t>
+            <a:rPr lang="fr-FR" sz="2700" b="1" kern="1200"/>
+            <a:t>coding</a:t>
           </a:r>
           <a:r>
             <a:rPr lang="fr-FR" sz="2700" b="1" kern="1200" dirty="0"/>
@@ -13119,6 +13120,234 @@
 <file path=ppt/slides/slide10.xml><?xml version="1.0" encoding="utf-8"?>
 <p:sld xmlns:a="http://schemas.openxmlformats.org/drawingml/2006/main" xmlns:r="http://schemas.openxmlformats.org/officeDocument/2006/relationships" xmlns:p="http://schemas.openxmlformats.org/presentationml/2006/main">
   <p:cSld>
+    <p:spTree>
+      <p:nvGrpSpPr>
+        <p:cNvPr id="1" name=""/>
+        <p:cNvGrpSpPr/>
+        <p:nvPr/>
+      </p:nvGrpSpPr>
+      <p:grpSpPr>
+        <a:xfrm>
+          <a:off x="0" y="0"/>
+          <a:ext cx="0" cy="0"/>
+          <a:chOff x="0" y="0"/>
+          <a:chExt cx="0" cy="0"/>
+        </a:xfrm>
+      </p:grpSpPr>
+      <p:sp>
+        <p:nvSpPr>
+          <p:cNvPr id="8" name="Rectangle 7"/>
+          <p:cNvSpPr/>
+          <p:nvPr/>
+        </p:nvSpPr>
+        <p:spPr>
+          <a:xfrm>
+            <a:off x="2511188" y="2415652"/>
+            <a:ext cx="7569273" cy="2554545"/>
+          </a:xfrm>
+          <a:prstGeom prst="rect">
+            <a:avLst/>
+          </a:prstGeom>
+          <a:noFill/>
+        </p:spPr>
+        <p:txBody>
+          <a:bodyPr wrap="square" lIns="91440" tIns="45720" rIns="91440" bIns="45720">
+            <a:spAutoFit/>
+          </a:bodyPr>
+          <a:lstStyle/>
+          <a:p>
+            <a:pPr algn="ctr"/>
+            <a:r>
+              <a:rPr lang="fr-FR" sz="8000" b="1" cap="all" dirty="0" err="1">
+                <a:ln w="9000" cmpd="sng">
+                  <a:solidFill>
+                    <a:schemeClr val="accent4">
+                      <a:shade val="50000"/>
+                      <a:satMod val="120000"/>
+                    </a:schemeClr>
+                  </a:solidFill>
+                  <a:prstDash val="solid"/>
+                </a:ln>
+                <a:gradFill>
+                  <a:gsLst>
+                    <a:gs pos="0">
+                      <a:schemeClr val="accent4">
+                        <a:shade val="20000"/>
+                        <a:satMod val="245000"/>
+                      </a:schemeClr>
+                    </a:gs>
+                    <a:gs pos="43000">
+                      <a:schemeClr val="accent4">
+                        <a:satMod val="255000"/>
+                      </a:schemeClr>
+                    </a:gs>
+                    <a:gs pos="48000">
+                      <a:schemeClr val="accent4">
+                        <a:shade val="85000"/>
+                        <a:satMod val="255000"/>
+                      </a:schemeClr>
+                    </a:gs>
+                    <a:gs pos="100000">
+                      <a:schemeClr val="accent4">
+                        <a:shade val="20000"/>
+                        <a:satMod val="245000"/>
+                      </a:schemeClr>
+                    </a:gs>
+                  </a:gsLst>
+                  <a:lin ang="5400000"/>
+                </a:gradFill>
+                <a:effectLst>
+                  <a:reflection blurRad="12700" stA="28000" endPos="45000" dist="1000" dir="5400000" sy="-100000" algn="bl" rotWithShape="0"/>
+                </a:effectLst>
+              </a:rPr>
+              <a:t>Sequence</a:t>
+            </a:r>
+            <a:r>
+              <a:rPr lang="fr-FR" sz="8000" b="1" cap="all" spc="0" dirty="0">
+                <a:ln w="9000" cmpd="sng">
+                  <a:solidFill>
+                    <a:schemeClr val="accent4">
+                      <a:shade val="50000"/>
+                      <a:satMod val="120000"/>
+                    </a:schemeClr>
+                  </a:solidFill>
+                  <a:prstDash val="solid"/>
+                </a:ln>
+                <a:gradFill>
+                  <a:gsLst>
+                    <a:gs pos="0">
+                      <a:schemeClr val="accent4">
+                        <a:shade val="20000"/>
+                        <a:satMod val="245000"/>
+                      </a:schemeClr>
+                    </a:gs>
+                    <a:gs pos="43000">
+                      <a:schemeClr val="accent4">
+                        <a:satMod val="255000"/>
+                      </a:schemeClr>
+                    </a:gs>
+                    <a:gs pos="48000">
+                      <a:schemeClr val="accent4">
+                        <a:shade val="85000"/>
+                        <a:satMod val="255000"/>
+                      </a:schemeClr>
+                    </a:gs>
+                    <a:gs pos="100000">
+                      <a:schemeClr val="accent4">
+                        <a:shade val="20000"/>
+                        <a:satMod val="245000"/>
+                      </a:schemeClr>
+                    </a:gs>
+                  </a:gsLst>
+                  <a:lin ang="5400000"/>
+                </a:gradFill>
+                <a:effectLst>
+                  <a:reflection blurRad="12700" stA="28000" endPos="45000" dist="1000" dir="5400000" sy="-100000" algn="bl" rotWithShape="0"/>
+                </a:effectLst>
+              </a:rPr>
+              <a:t> </a:t>
+            </a:r>
+            <a:r>
+              <a:rPr lang="fr-FR" sz="8000" b="1" cap="all" spc="0" dirty="0" err="1">
+                <a:ln w="9000" cmpd="sng">
+                  <a:solidFill>
+                    <a:schemeClr val="accent4">
+                      <a:shade val="50000"/>
+                      <a:satMod val="120000"/>
+                    </a:schemeClr>
+                  </a:solidFill>
+                  <a:prstDash val="solid"/>
+                </a:ln>
+                <a:gradFill>
+                  <a:gsLst>
+                    <a:gs pos="0">
+                      <a:schemeClr val="accent4">
+                        <a:shade val="20000"/>
+                        <a:satMod val="245000"/>
+                      </a:schemeClr>
+                    </a:gs>
+                    <a:gs pos="43000">
+                      <a:schemeClr val="accent4">
+                        <a:satMod val="255000"/>
+                      </a:schemeClr>
+                    </a:gs>
+                    <a:gs pos="48000">
+                      <a:schemeClr val="accent4">
+                        <a:shade val="85000"/>
+                        <a:satMod val="255000"/>
+                      </a:schemeClr>
+                    </a:gs>
+                    <a:gs pos="100000">
+                      <a:schemeClr val="accent4">
+                        <a:shade val="20000"/>
+                        <a:satMod val="245000"/>
+                      </a:schemeClr>
+                    </a:gs>
+                  </a:gsLst>
+                  <a:lin ang="5400000"/>
+                </a:gradFill>
+                <a:effectLst>
+                  <a:reflection blurRad="12700" stA="28000" endPos="45000" dist="1000" dir="5400000" sy="-100000" algn="bl" rotWithShape="0"/>
+                </a:effectLst>
+              </a:rPr>
+              <a:t>Diagrams</a:t>
+            </a:r>
+            <a:endParaRPr lang="fr-FR" sz="8000" b="1" cap="all" spc="0" dirty="0">
+              <a:ln w="9000" cmpd="sng">
+                <a:solidFill>
+                  <a:schemeClr val="accent4">
+                    <a:shade val="50000"/>
+                    <a:satMod val="120000"/>
+                  </a:schemeClr>
+                </a:solidFill>
+                <a:prstDash val="solid"/>
+              </a:ln>
+              <a:gradFill>
+                <a:gsLst>
+                  <a:gs pos="0">
+                    <a:schemeClr val="accent4">
+                      <a:shade val="20000"/>
+                      <a:satMod val="245000"/>
+                    </a:schemeClr>
+                  </a:gs>
+                  <a:gs pos="43000">
+                    <a:schemeClr val="accent4">
+                      <a:satMod val="255000"/>
+                    </a:schemeClr>
+                  </a:gs>
+                  <a:gs pos="48000">
+                    <a:schemeClr val="accent4">
+                      <a:shade val="85000"/>
+                      <a:satMod val="255000"/>
+                    </a:schemeClr>
+                  </a:gs>
+                  <a:gs pos="100000">
+                    <a:schemeClr val="accent4">
+                      <a:shade val="20000"/>
+                      <a:satMod val="245000"/>
+                    </a:schemeClr>
+                  </a:gs>
+                </a:gsLst>
+                <a:lin ang="5400000"/>
+              </a:gradFill>
+              <a:effectLst>
+                <a:reflection blurRad="12700" stA="28000" endPos="45000" dist="1000" dir="5400000" sy="-100000" algn="bl" rotWithShape="0"/>
+              </a:effectLst>
+            </a:endParaRPr>
+          </a:p>
+        </p:txBody>
+      </p:sp>
+    </p:spTree>
+  </p:cSld>
+  <p:clrMapOvr>
+    <a:masterClrMapping/>
+  </p:clrMapOvr>
+</p:sld>
+</file>
+
+<file path=ppt/slides/slide11.xml><?xml version="1.0" encoding="utf-8"?>
+<p:sld xmlns:a="http://schemas.openxmlformats.org/drawingml/2006/main" xmlns:r="http://schemas.openxmlformats.org/officeDocument/2006/relationships" xmlns:p="http://schemas.openxmlformats.org/presentationml/2006/main">
+  <p:cSld>
     <p:bg>
       <p:bgPr>
         <a:blipFill rotWithShape="1">
@@ -13625,7 +13854,7 @@
 </p:sld>
 </file>
 
-<file path=ppt/slides/slide11.xml><?xml version="1.0" encoding="utf-8"?>
+<file path=ppt/slides/slide12.xml><?xml version="1.0" encoding="utf-8"?>
 <p:sld xmlns:a="http://schemas.openxmlformats.org/drawingml/2006/main" xmlns:r="http://schemas.openxmlformats.org/officeDocument/2006/relationships" xmlns:p="http://schemas.openxmlformats.org/presentationml/2006/main">
   <p:cSld>
     <p:bg>
@@ -14125,517 +14354,6 @@
     <p:extLst>
       <p:ext uri="{BB962C8B-B14F-4D97-AF65-F5344CB8AC3E}">
         <p14:creationId xmlns:p14="http://schemas.microsoft.com/office/powerpoint/2010/main" val="1552603443"/>
-      </p:ext>
-    </p:extLst>
-  </p:cSld>
-  <p:clrMapOvr>
-    <a:masterClrMapping/>
-  </p:clrMapOvr>
-</p:sld>
-</file>
-
-<file path=ppt/slides/slide12.xml><?xml version="1.0" encoding="utf-8"?>
-<p:sld xmlns:a="http://schemas.openxmlformats.org/drawingml/2006/main" xmlns:r="http://schemas.openxmlformats.org/officeDocument/2006/relationships" xmlns:p="http://schemas.openxmlformats.org/presentationml/2006/main">
-  <p:cSld>
-    <p:bg>
-      <p:bgPr>
-        <a:blipFill rotWithShape="1">
-          <a:blip r:embed="rId2">
-            <a:duotone>
-              <a:schemeClr val="bg2">
-                <a:shade val="76000"/>
-                <a:satMod val="180000"/>
-              </a:schemeClr>
-              <a:schemeClr val="bg2">
-                <a:tint val="80000"/>
-                <a:satMod val="120000"/>
-                <a:lumMod val="180000"/>
-              </a:schemeClr>
-            </a:duotone>
-          </a:blip>
-          <a:stretch/>
-        </a:blipFill>
-        <a:effectLst/>
-      </p:bgPr>
-    </p:bg>
-    <p:spTree>
-      <p:nvGrpSpPr>
-        <p:cNvPr id="1" name=""/>
-        <p:cNvGrpSpPr/>
-        <p:nvPr/>
-      </p:nvGrpSpPr>
-      <p:grpSpPr>
-        <a:xfrm>
-          <a:off x="0" y="0"/>
-          <a:ext cx="0" cy="0"/>
-          <a:chOff x="0" y="0"/>
-          <a:chExt cx="0" cy="0"/>
-        </a:xfrm>
-      </p:grpSpPr>
-      <p:grpSp>
-        <p:nvGrpSpPr>
-          <p:cNvPr id="10" name="Group 9">
-            <a:extLst>
-              <a:ext uri="{FF2B5EF4-FFF2-40B4-BE49-F238E27FC236}">
-                <a16:creationId xmlns:a16="http://schemas.microsoft.com/office/drawing/2014/main" id="{6ADA8EC3-01C5-453C-91A6-D01B9E15BF0B}"/>
-              </a:ext>
-              <a:ext uri="{C183D7F6-B498-43B3-948B-1728B52AA6E4}">
-                <adec:decorative xmlns:adec="http://schemas.microsoft.com/office/drawing/2017/decorative" val="1"/>
-              </a:ext>
-            </a:extLst>
-          </p:cNvPr>
-          <p:cNvGrpSpPr>
-            <a:grpSpLocks noGrp="1" noUngrp="1" noRot="1" noChangeAspect="1" noMove="1" noResize="1"/>
-          </p:cNvGrpSpPr>
-          <p:nvPr>
-            <p:extLst>
-              <p:ext uri="{386F3935-93C4-4BCD-93E2-E3B085C9AB24}">
-                <p16:designElem xmlns:p16="http://schemas.microsoft.com/office/powerpoint/2015/main" val="1"/>
-              </p:ext>
-            </p:extLst>
-          </p:nvPr>
-        </p:nvGrpSpPr>
-        <p:grpSpPr>
-          <a:xfrm>
-            <a:off x="150812" y="0"/>
-            <a:ext cx="2436813" cy="6858001"/>
-            <a:chOff x="1320800" y="0"/>
-            <a:chExt cx="2436813" cy="6858001"/>
-          </a:xfrm>
-        </p:grpSpPr>
-        <p:sp>
-          <p:nvSpPr>
-            <p:cNvPr id="11" name="Freeform 6">
-              <a:extLst>
-                <a:ext uri="{FF2B5EF4-FFF2-40B4-BE49-F238E27FC236}">
-                  <a16:creationId xmlns:a16="http://schemas.microsoft.com/office/drawing/2014/main" id="{9A1D7546-68ED-4F66-AA8D-D04BEAD39382}"/>
-                </a:ext>
-                <a:ext uri="{C183D7F6-B498-43B3-948B-1728B52AA6E4}">
-                  <adec:decorative xmlns:adec="http://schemas.microsoft.com/office/drawing/2017/decorative" val="1"/>
-                </a:ext>
-              </a:extLst>
-            </p:cNvPr>
-            <p:cNvSpPr/>
-            <p:nvPr>
-              <p:extLst>
-                <p:ext uri="{386F3935-93C4-4BCD-93E2-E3B085C9AB24}">
-                  <p16:designElem xmlns:p16="http://schemas.microsoft.com/office/powerpoint/2015/main" val="1"/>
-                </p:ext>
-              </p:extLst>
-            </p:nvPr>
-          </p:nvSpPr>
-          <p:spPr bwMode="auto">
-            <a:xfrm>
-              <a:off x="1627188" y="0"/>
-              <a:ext cx="1122363" cy="5329238"/>
-            </a:xfrm>
-            <a:custGeom>
-              <a:avLst/>
-              <a:gdLst/>
-              <a:ahLst/>
-              <a:cxnLst/>
-              <a:rect l="0" t="0" r="r" b="b"/>
-              <a:pathLst>
-                <a:path w="707" h="3357">
-                  <a:moveTo>
-                    <a:pt x="0" y="3330"/>
-                  </a:moveTo>
-                  <a:lnTo>
-                    <a:pt x="156" y="3357"/>
-                  </a:lnTo>
-                  <a:lnTo>
-                    <a:pt x="707" y="0"/>
-                  </a:lnTo>
-                  <a:lnTo>
-                    <a:pt x="547" y="0"/>
-                  </a:lnTo>
-                  <a:lnTo>
-                    <a:pt x="0" y="3330"/>
-                  </a:lnTo>
-                  <a:close/>
-                </a:path>
-              </a:pathLst>
-            </a:custGeom>
-            <a:solidFill>
-              <a:schemeClr val="accent1"/>
-            </a:solidFill>
-            <a:ln>
-              <a:noFill/>
-            </a:ln>
-          </p:spPr>
-        </p:sp>
-        <p:sp>
-          <p:nvSpPr>
-            <p:cNvPr id="12" name="Freeform 7">
-              <a:extLst>
-                <a:ext uri="{FF2B5EF4-FFF2-40B4-BE49-F238E27FC236}">
-                  <a16:creationId xmlns:a16="http://schemas.microsoft.com/office/drawing/2014/main" id="{FCFE8A66-699D-4E05-B8FC-C31AE461D68A}"/>
-                </a:ext>
-                <a:ext uri="{C183D7F6-B498-43B3-948B-1728B52AA6E4}">
-                  <adec:decorative xmlns:adec="http://schemas.microsoft.com/office/drawing/2017/decorative" val="1"/>
-                </a:ext>
-              </a:extLst>
-            </p:cNvPr>
-            <p:cNvSpPr/>
-            <p:nvPr>
-              <p:extLst>
-                <p:ext uri="{386F3935-93C4-4BCD-93E2-E3B085C9AB24}">
-                  <p16:designElem xmlns:p16="http://schemas.microsoft.com/office/powerpoint/2015/main" val="1"/>
-                </p:ext>
-              </p:extLst>
-            </p:nvPr>
-          </p:nvSpPr>
-          <p:spPr bwMode="auto">
-            <a:xfrm>
-              <a:off x="1320800" y="0"/>
-              <a:ext cx="1117600" cy="5276850"/>
-            </a:xfrm>
-            <a:custGeom>
-              <a:avLst/>
-              <a:gdLst/>
-              <a:ahLst/>
-              <a:cxnLst/>
-              <a:rect l="0" t="0" r="r" b="b"/>
-              <a:pathLst>
-                <a:path w="704" h="3324">
-                  <a:moveTo>
-                    <a:pt x="704" y="0"/>
-                  </a:moveTo>
-                  <a:lnTo>
-                    <a:pt x="545" y="0"/>
-                  </a:lnTo>
-                  <a:lnTo>
-                    <a:pt x="0" y="3300"/>
-                  </a:lnTo>
-                  <a:lnTo>
-                    <a:pt x="157" y="3324"/>
-                  </a:lnTo>
-                  <a:lnTo>
-                    <a:pt x="704" y="0"/>
-                  </a:lnTo>
-                  <a:close/>
-                </a:path>
-              </a:pathLst>
-            </a:custGeom>
-            <a:solidFill>
-              <a:schemeClr val="tx1">
-                <a:lumMod val="65000"/>
-                <a:lumOff val="35000"/>
-              </a:schemeClr>
-            </a:solidFill>
-            <a:ln>
-              <a:noFill/>
-            </a:ln>
-          </p:spPr>
-        </p:sp>
-        <p:sp>
-          <p:nvSpPr>
-            <p:cNvPr id="13" name="Freeform 8">
-              <a:extLst>
-                <a:ext uri="{FF2B5EF4-FFF2-40B4-BE49-F238E27FC236}">
-                  <a16:creationId xmlns:a16="http://schemas.microsoft.com/office/drawing/2014/main" id="{A124234B-D5D1-45F9-9B32-264F699BCA58}"/>
-                </a:ext>
-                <a:ext uri="{C183D7F6-B498-43B3-948B-1728B52AA6E4}">
-                  <adec:decorative xmlns:adec="http://schemas.microsoft.com/office/drawing/2017/decorative" val="1"/>
-                </a:ext>
-              </a:extLst>
-            </p:cNvPr>
-            <p:cNvSpPr/>
-            <p:nvPr>
-              <p:extLst>
-                <p:ext uri="{386F3935-93C4-4BCD-93E2-E3B085C9AB24}">
-                  <p16:designElem xmlns:p16="http://schemas.microsoft.com/office/powerpoint/2015/main" val="1"/>
-                </p:ext>
-              </p:extLst>
-            </p:nvPr>
-          </p:nvSpPr>
-          <p:spPr bwMode="auto">
-            <a:xfrm>
-              <a:off x="1320800" y="5238750"/>
-              <a:ext cx="1228725" cy="1619250"/>
-            </a:xfrm>
-            <a:custGeom>
-              <a:avLst/>
-              <a:gdLst/>
-              <a:ahLst/>
-              <a:cxnLst/>
-              <a:rect l="0" t="0" r="r" b="b"/>
-              <a:pathLst>
-                <a:path w="774" h="1020">
-                  <a:moveTo>
-                    <a:pt x="0" y="0"/>
-                  </a:moveTo>
-                  <a:lnTo>
-                    <a:pt x="740" y="1020"/>
-                  </a:lnTo>
-                  <a:lnTo>
-                    <a:pt x="774" y="1020"/>
-                  </a:lnTo>
-                  <a:lnTo>
-                    <a:pt x="0" y="0"/>
-                  </a:lnTo>
-                  <a:close/>
-                </a:path>
-              </a:pathLst>
-            </a:custGeom>
-            <a:solidFill>
-              <a:schemeClr val="tx1">
-                <a:lumMod val="85000"/>
-                <a:lumOff val="15000"/>
-              </a:schemeClr>
-            </a:solidFill>
-            <a:ln>
-              <a:noFill/>
-            </a:ln>
-          </p:spPr>
-        </p:sp>
-        <p:sp>
-          <p:nvSpPr>
-            <p:cNvPr id="14" name="Freeform 9">
-              <a:extLst>
-                <a:ext uri="{FF2B5EF4-FFF2-40B4-BE49-F238E27FC236}">
-                  <a16:creationId xmlns:a16="http://schemas.microsoft.com/office/drawing/2014/main" id="{7A0B0249-AEB7-44A1-BEC3-A0C07E9E31D7}"/>
-                </a:ext>
-                <a:ext uri="{C183D7F6-B498-43B3-948B-1728B52AA6E4}">
-                  <adec:decorative xmlns:adec="http://schemas.microsoft.com/office/drawing/2017/decorative" val="1"/>
-                </a:ext>
-              </a:extLst>
-            </p:cNvPr>
-            <p:cNvSpPr/>
-            <p:nvPr>
-              <p:extLst>
-                <p:ext uri="{386F3935-93C4-4BCD-93E2-E3B085C9AB24}">
-                  <p16:designElem xmlns:p16="http://schemas.microsoft.com/office/powerpoint/2015/main" val="1"/>
-                </p:ext>
-              </p:extLst>
-            </p:nvPr>
-          </p:nvSpPr>
-          <p:spPr bwMode="auto">
-            <a:xfrm>
-              <a:off x="1627188" y="5291138"/>
-              <a:ext cx="1495425" cy="1566863"/>
-            </a:xfrm>
-            <a:custGeom>
-              <a:avLst/>
-              <a:gdLst/>
-              <a:ahLst/>
-              <a:cxnLst/>
-              <a:rect l="0" t="0" r="r" b="b"/>
-              <a:pathLst>
-                <a:path w="942" h="987">
-                  <a:moveTo>
-                    <a:pt x="0" y="0"/>
-                  </a:moveTo>
-                  <a:lnTo>
-                    <a:pt x="909" y="987"/>
-                  </a:lnTo>
-                  <a:lnTo>
-                    <a:pt x="942" y="987"/>
-                  </a:lnTo>
-                  <a:lnTo>
-                    <a:pt x="0" y="0"/>
-                  </a:lnTo>
-                  <a:close/>
-                </a:path>
-              </a:pathLst>
-            </a:custGeom>
-            <a:solidFill>
-              <a:schemeClr val="accent1">
-                <a:lumMod val="50000"/>
-              </a:schemeClr>
-            </a:solidFill>
-            <a:ln>
-              <a:noFill/>
-            </a:ln>
-          </p:spPr>
-        </p:sp>
-        <p:sp>
-          <p:nvSpPr>
-            <p:cNvPr id="15" name="Freeform 10">
-              <a:extLst>
-                <a:ext uri="{FF2B5EF4-FFF2-40B4-BE49-F238E27FC236}">
-                  <a16:creationId xmlns:a16="http://schemas.microsoft.com/office/drawing/2014/main" id="{251D4BF9-284D-4B99-922C-BAB91FB2D98E}"/>
-                </a:ext>
-                <a:ext uri="{C183D7F6-B498-43B3-948B-1728B52AA6E4}">
-                  <adec:decorative xmlns:adec="http://schemas.microsoft.com/office/drawing/2017/decorative" val="1"/>
-                </a:ext>
-              </a:extLst>
-            </p:cNvPr>
-            <p:cNvSpPr/>
-            <p:nvPr>
-              <p:extLst>
-                <p:ext uri="{386F3935-93C4-4BCD-93E2-E3B085C9AB24}">
-                  <p16:designElem xmlns:p16="http://schemas.microsoft.com/office/powerpoint/2015/main" val="1"/>
-                </p:ext>
-              </p:extLst>
-            </p:nvPr>
-          </p:nvSpPr>
-          <p:spPr bwMode="auto">
-            <a:xfrm>
-              <a:off x="1627188" y="5286375"/>
-              <a:ext cx="2130425" cy="1571625"/>
-            </a:xfrm>
-            <a:custGeom>
-              <a:avLst/>
-              <a:gdLst/>
-              <a:ahLst/>
-              <a:cxnLst/>
-              <a:rect l="0" t="0" r="r" b="b"/>
-              <a:pathLst>
-                <a:path w="1342" h="990">
-                  <a:moveTo>
-                    <a:pt x="0" y="3"/>
-                  </a:moveTo>
-                  <a:lnTo>
-                    <a:pt x="942" y="990"/>
-                  </a:lnTo>
-                  <a:lnTo>
-                    <a:pt x="1342" y="990"/>
-                  </a:lnTo>
-                  <a:lnTo>
-                    <a:pt x="156" y="27"/>
-                  </a:lnTo>
-                  <a:lnTo>
-                    <a:pt x="0" y="0"/>
-                  </a:lnTo>
-                  <a:lnTo>
-                    <a:pt x="0" y="3"/>
-                  </a:lnTo>
-                  <a:close/>
-                </a:path>
-              </a:pathLst>
-            </a:custGeom>
-            <a:solidFill>
-              <a:schemeClr val="accent1">
-                <a:lumMod val="75000"/>
-              </a:schemeClr>
-            </a:solidFill>
-            <a:ln>
-              <a:noFill/>
-            </a:ln>
-          </p:spPr>
-        </p:sp>
-        <p:sp>
-          <p:nvSpPr>
-            <p:cNvPr id="16" name="Freeform 11">
-              <a:extLst>
-                <a:ext uri="{FF2B5EF4-FFF2-40B4-BE49-F238E27FC236}">
-                  <a16:creationId xmlns:a16="http://schemas.microsoft.com/office/drawing/2014/main" id="{733E9BD1-CC4F-4B4B-A413-92D6B1F0B3CF}"/>
-                </a:ext>
-                <a:ext uri="{C183D7F6-B498-43B3-948B-1728B52AA6E4}">
-                  <adec:decorative xmlns:adec="http://schemas.microsoft.com/office/drawing/2017/decorative" val="1"/>
-                </a:ext>
-              </a:extLst>
-            </p:cNvPr>
-            <p:cNvSpPr/>
-            <p:nvPr>
-              <p:extLst>
-                <p:ext uri="{386F3935-93C4-4BCD-93E2-E3B085C9AB24}">
-                  <p16:designElem xmlns:p16="http://schemas.microsoft.com/office/powerpoint/2015/main" val="1"/>
-                </p:ext>
-              </p:extLst>
-            </p:nvPr>
-          </p:nvSpPr>
-          <p:spPr bwMode="auto">
-            <a:xfrm>
-              <a:off x="1320800" y="5238750"/>
-              <a:ext cx="1695450" cy="1619250"/>
-            </a:xfrm>
-            <a:custGeom>
-              <a:avLst/>
-              <a:gdLst/>
-              <a:ahLst/>
-              <a:cxnLst/>
-              <a:rect l="0" t="0" r="r" b="b"/>
-              <a:pathLst>
-                <a:path w="1068" h="1020">
-                  <a:moveTo>
-                    <a:pt x="1068" y="1020"/>
-                  </a:moveTo>
-                  <a:lnTo>
-                    <a:pt x="184" y="60"/>
-                  </a:lnTo>
-                  <a:lnTo>
-                    <a:pt x="154" y="27"/>
-                  </a:lnTo>
-                  <a:lnTo>
-                    <a:pt x="157" y="27"/>
-                  </a:lnTo>
-                  <a:lnTo>
-                    <a:pt x="157" y="24"/>
-                  </a:lnTo>
-                  <a:lnTo>
-                    <a:pt x="154" y="24"/>
-                  </a:lnTo>
-                  <a:lnTo>
-                    <a:pt x="0" y="0"/>
-                  </a:lnTo>
-                  <a:lnTo>
-                    <a:pt x="0" y="0"/>
-                  </a:lnTo>
-                  <a:lnTo>
-                    <a:pt x="774" y="1020"/>
-                  </a:lnTo>
-                  <a:lnTo>
-                    <a:pt x="1068" y="1020"/>
-                  </a:lnTo>
-                  <a:close/>
-                </a:path>
-              </a:pathLst>
-            </a:custGeom>
-            <a:solidFill>
-              <a:schemeClr val="tx1">
-                <a:lumMod val="75000"/>
-                <a:lumOff val="25000"/>
-              </a:schemeClr>
-            </a:solidFill>
-            <a:ln>
-              <a:noFill/>
-            </a:ln>
-          </p:spPr>
-        </p:sp>
-      </p:grpSp>
-      <p:pic>
-        <p:nvPicPr>
-          <p:cNvPr id="5" name="Content Placeholder 4" descr="A picture containing diagram&#10;&#10;Description automatically generated">
-            <a:extLst>
-              <a:ext uri="{FF2B5EF4-FFF2-40B4-BE49-F238E27FC236}">
-                <a16:creationId xmlns:a16="http://schemas.microsoft.com/office/drawing/2014/main" id="{9DF08BB3-C993-43B3-9689-D028546DEFFD}"/>
-              </a:ext>
-            </a:extLst>
-          </p:cNvPr>
-          <p:cNvPicPr>
-            <a:picLocks noGrp="1" noChangeAspect="1"/>
-          </p:cNvPicPr>
-          <p:nvPr>
-            <p:ph idx="1"/>
-          </p:nvPr>
-        </p:nvPicPr>
-        <p:blipFill rotWithShape="1">
-          <a:blip r:embed="rId3">
-            <a:extLst>
-              <a:ext uri="{28A0092B-C50C-407E-A947-70E740481C1C}">
-                <a14:useLocalDpi xmlns:a14="http://schemas.microsoft.com/office/drawing/2010/main" val="0"/>
-              </a:ext>
-            </a:extLst>
-          </a:blip>
-          <a:srcRect l="444"/>
-          <a:stretch/>
-        </p:blipFill>
-        <p:spPr>
-          <a:xfrm>
-            <a:off x="20" y="10"/>
-            <a:ext cx="12191980" cy="6857990"/>
-          </a:xfrm>
-          <a:prstGeom prst="rect">
-            <a:avLst/>
-          </a:prstGeom>
-        </p:spPr>
-      </p:pic>
-    </p:spTree>
-    <p:extLst>
-      <p:ext uri="{BB962C8B-B14F-4D97-AF65-F5344CB8AC3E}">
-        <p14:creationId xmlns:p14="http://schemas.microsoft.com/office/powerpoint/2010/main" val="1980100292"/>
       </p:ext>
     </p:extLst>
   </p:cSld>
@@ -15108,6 +14826,517 @@
       </p:grpSp>
       <p:pic>
         <p:nvPicPr>
+          <p:cNvPr id="5" name="Content Placeholder 4" descr="A picture containing diagram&#10;&#10;Description automatically generated">
+            <a:extLst>
+              <a:ext uri="{FF2B5EF4-FFF2-40B4-BE49-F238E27FC236}">
+                <a16:creationId xmlns:a16="http://schemas.microsoft.com/office/drawing/2014/main" id="{9DF08BB3-C993-43B3-9689-D028546DEFFD}"/>
+              </a:ext>
+            </a:extLst>
+          </p:cNvPr>
+          <p:cNvPicPr>
+            <a:picLocks noGrp="1" noChangeAspect="1"/>
+          </p:cNvPicPr>
+          <p:nvPr>
+            <p:ph idx="1"/>
+          </p:nvPr>
+        </p:nvPicPr>
+        <p:blipFill rotWithShape="1">
+          <a:blip r:embed="rId3">
+            <a:extLst>
+              <a:ext uri="{28A0092B-C50C-407E-A947-70E740481C1C}">
+                <a14:useLocalDpi xmlns:a14="http://schemas.microsoft.com/office/drawing/2010/main" val="0"/>
+              </a:ext>
+            </a:extLst>
+          </a:blip>
+          <a:srcRect l="444"/>
+          <a:stretch/>
+        </p:blipFill>
+        <p:spPr>
+          <a:xfrm>
+            <a:off x="20" y="10"/>
+            <a:ext cx="12191980" cy="6857990"/>
+          </a:xfrm>
+          <a:prstGeom prst="rect">
+            <a:avLst/>
+          </a:prstGeom>
+        </p:spPr>
+      </p:pic>
+    </p:spTree>
+    <p:extLst>
+      <p:ext uri="{BB962C8B-B14F-4D97-AF65-F5344CB8AC3E}">
+        <p14:creationId xmlns:p14="http://schemas.microsoft.com/office/powerpoint/2010/main" val="1980100292"/>
+      </p:ext>
+    </p:extLst>
+  </p:cSld>
+  <p:clrMapOvr>
+    <a:masterClrMapping/>
+  </p:clrMapOvr>
+</p:sld>
+</file>
+
+<file path=ppt/slides/slide14.xml><?xml version="1.0" encoding="utf-8"?>
+<p:sld xmlns:a="http://schemas.openxmlformats.org/drawingml/2006/main" xmlns:r="http://schemas.openxmlformats.org/officeDocument/2006/relationships" xmlns:p="http://schemas.openxmlformats.org/presentationml/2006/main">
+  <p:cSld>
+    <p:bg>
+      <p:bgPr>
+        <a:blipFill rotWithShape="1">
+          <a:blip r:embed="rId2">
+            <a:duotone>
+              <a:schemeClr val="bg2">
+                <a:shade val="76000"/>
+                <a:satMod val="180000"/>
+              </a:schemeClr>
+              <a:schemeClr val="bg2">
+                <a:tint val="80000"/>
+                <a:satMod val="120000"/>
+                <a:lumMod val="180000"/>
+              </a:schemeClr>
+            </a:duotone>
+          </a:blip>
+          <a:stretch/>
+        </a:blipFill>
+        <a:effectLst/>
+      </p:bgPr>
+    </p:bg>
+    <p:spTree>
+      <p:nvGrpSpPr>
+        <p:cNvPr id="1" name=""/>
+        <p:cNvGrpSpPr/>
+        <p:nvPr/>
+      </p:nvGrpSpPr>
+      <p:grpSpPr>
+        <a:xfrm>
+          <a:off x="0" y="0"/>
+          <a:ext cx="0" cy="0"/>
+          <a:chOff x="0" y="0"/>
+          <a:chExt cx="0" cy="0"/>
+        </a:xfrm>
+      </p:grpSpPr>
+      <p:grpSp>
+        <p:nvGrpSpPr>
+          <p:cNvPr id="10" name="Group 9">
+            <a:extLst>
+              <a:ext uri="{FF2B5EF4-FFF2-40B4-BE49-F238E27FC236}">
+                <a16:creationId xmlns:a16="http://schemas.microsoft.com/office/drawing/2014/main" id="{6ADA8EC3-01C5-453C-91A6-D01B9E15BF0B}"/>
+              </a:ext>
+              <a:ext uri="{C183D7F6-B498-43B3-948B-1728B52AA6E4}">
+                <adec:decorative xmlns:adec="http://schemas.microsoft.com/office/drawing/2017/decorative" val="1"/>
+              </a:ext>
+            </a:extLst>
+          </p:cNvPr>
+          <p:cNvGrpSpPr>
+            <a:grpSpLocks noGrp="1" noUngrp="1" noRot="1" noChangeAspect="1" noMove="1" noResize="1"/>
+          </p:cNvGrpSpPr>
+          <p:nvPr>
+            <p:extLst>
+              <p:ext uri="{386F3935-93C4-4BCD-93E2-E3B085C9AB24}">
+                <p16:designElem xmlns:p16="http://schemas.microsoft.com/office/powerpoint/2015/main" val="1"/>
+              </p:ext>
+            </p:extLst>
+          </p:nvPr>
+        </p:nvGrpSpPr>
+        <p:grpSpPr>
+          <a:xfrm>
+            <a:off x="150812" y="0"/>
+            <a:ext cx="2436813" cy="6858001"/>
+            <a:chOff x="1320800" y="0"/>
+            <a:chExt cx="2436813" cy="6858001"/>
+          </a:xfrm>
+        </p:grpSpPr>
+        <p:sp>
+          <p:nvSpPr>
+            <p:cNvPr id="11" name="Freeform 6">
+              <a:extLst>
+                <a:ext uri="{FF2B5EF4-FFF2-40B4-BE49-F238E27FC236}">
+                  <a16:creationId xmlns:a16="http://schemas.microsoft.com/office/drawing/2014/main" id="{9A1D7546-68ED-4F66-AA8D-D04BEAD39382}"/>
+                </a:ext>
+                <a:ext uri="{C183D7F6-B498-43B3-948B-1728B52AA6E4}">
+                  <adec:decorative xmlns:adec="http://schemas.microsoft.com/office/drawing/2017/decorative" val="1"/>
+                </a:ext>
+              </a:extLst>
+            </p:cNvPr>
+            <p:cNvSpPr/>
+            <p:nvPr>
+              <p:extLst>
+                <p:ext uri="{386F3935-93C4-4BCD-93E2-E3B085C9AB24}">
+                  <p16:designElem xmlns:p16="http://schemas.microsoft.com/office/powerpoint/2015/main" val="1"/>
+                </p:ext>
+              </p:extLst>
+            </p:nvPr>
+          </p:nvSpPr>
+          <p:spPr bwMode="auto">
+            <a:xfrm>
+              <a:off x="1627188" y="0"/>
+              <a:ext cx="1122363" cy="5329238"/>
+            </a:xfrm>
+            <a:custGeom>
+              <a:avLst/>
+              <a:gdLst/>
+              <a:ahLst/>
+              <a:cxnLst/>
+              <a:rect l="0" t="0" r="r" b="b"/>
+              <a:pathLst>
+                <a:path w="707" h="3357">
+                  <a:moveTo>
+                    <a:pt x="0" y="3330"/>
+                  </a:moveTo>
+                  <a:lnTo>
+                    <a:pt x="156" y="3357"/>
+                  </a:lnTo>
+                  <a:lnTo>
+                    <a:pt x="707" y="0"/>
+                  </a:lnTo>
+                  <a:lnTo>
+                    <a:pt x="547" y="0"/>
+                  </a:lnTo>
+                  <a:lnTo>
+                    <a:pt x="0" y="3330"/>
+                  </a:lnTo>
+                  <a:close/>
+                </a:path>
+              </a:pathLst>
+            </a:custGeom>
+            <a:solidFill>
+              <a:schemeClr val="accent1"/>
+            </a:solidFill>
+            <a:ln>
+              <a:noFill/>
+            </a:ln>
+          </p:spPr>
+        </p:sp>
+        <p:sp>
+          <p:nvSpPr>
+            <p:cNvPr id="12" name="Freeform 7">
+              <a:extLst>
+                <a:ext uri="{FF2B5EF4-FFF2-40B4-BE49-F238E27FC236}">
+                  <a16:creationId xmlns:a16="http://schemas.microsoft.com/office/drawing/2014/main" id="{FCFE8A66-699D-4E05-B8FC-C31AE461D68A}"/>
+                </a:ext>
+                <a:ext uri="{C183D7F6-B498-43B3-948B-1728B52AA6E4}">
+                  <adec:decorative xmlns:adec="http://schemas.microsoft.com/office/drawing/2017/decorative" val="1"/>
+                </a:ext>
+              </a:extLst>
+            </p:cNvPr>
+            <p:cNvSpPr/>
+            <p:nvPr>
+              <p:extLst>
+                <p:ext uri="{386F3935-93C4-4BCD-93E2-E3B085C9AB24}">
+                  <p16:designElem xmlns:p16="http://schemas.microsoft.com/office/powerpoint/2015/main" val="1"/>
+                </p:ext>
+              </p:extLst>
+            </p:nvPr>
+          </p:nvSpPr>
+          <p:spPr bwMode="auto">
+            <a:xfrm>
+              <a:off x="1320800" y="0"/>
+              <a:ext cx="1117600" cy="5276850"/>
+            </a:xfrm>
+            <a:custGeom>
+              <a:avLst/>
+              <a:gdLst/>
+              <a:ahLst/>
+              <a:cxnLst/>
+              <a:rect l="0" t="0" r="r" b="b"/>
+              <a:pathLst>
+                <a:path w="704" h="3324">
+                  <a:moveTo>
+                    <a:pt x="704" y="0"/>
+                  </a:moveTo>
+                  <a:lnTo>
+                    <a:pt x="545" y="0"/>
+                  </a:lnTo>
+                  <a:lnTo>
+                    <a:pt x="0" y="3300"/>
+                  </a:lnTo>
+                  <a:lnTo>
+                    <a:pt x="157" y="3324"/>
+                  </a:lnTo>
+                  <a:lnTo>
+                    <a:pt x="704" y="0"/>
+                  </a:lnTo>
+                  <a:close/>
+                </a:path>
+              </a:pathLst>
+            </a:custGeom>
+            <a:solidFill>
+              <a:schemeClr val="tx1">
+                <a:lumMod val="65000"/>
+                <a:lumOff val="35000"/>
+              </a:schemeClr>
+            </a:solidFill>
+            <a:ln>
+              <a:noFill/>
+            </a:ln>
+          </p:spPr>
+        </p:sp>
+        <p:sp>
+          <p:nvSpPr>
+            <p:cNvPr id="13" name="Freeform 8">
+              <a:extLst>
+                <a:ext uri="{FF2B5EF4-FFF2-40B4-BE49-F238E27FC236}">
+                  <a16:creationId xmlns:a16="http://schemas.microsoft.com/office/drawing/2014/main" id="{A124234B-D5D1-45F9-9B32-264F699BCA58}"/>
+                </a:ext>
+                <a:ext uri="{C183D7F6-B498-43B3-948B-1728B52AA6E4}">
+                  <adec:decorative xmlns:adec="http://schemas.microsoft.com/office/drawing/2017/decorative" val="1"/>
+                </a:ext>
+              </a:extLst>
+            </p:cNvPr>
+            <p:cNvSpPr/>
+            <p:nvPr>
+              <p:extLst>
+                <p:ext uri="{386F3935-93C4-4BCD-93E2-E3B085C9AB24}">
+                  <p16:designElem xmlns:p16="http://schemas.microsoft.com/office/powerpoint/2015/main" val="1"/>
+                </p:ext>
+              </p:extLst>
+            </p:nvPr>
+          </p:nvSpPr>
+          <p:spPr bwMode="auto">
+            <a:xfrm>
+              <a:off x="1320800" y="5238750"/>
+              <a:ext cx="1228725" cy="1619250"/>
+            </a:xfrm>
+            <a:custGeom>
+              <a:avLst/>
+              <a:gdLst/>
+              <a:ahLst/>
+              <a:cxnLst/>
+              <a:rect l="0" t="0" r="r" b="b"/>
+              <a:pathLst>
+                <a:path w="774" h="1020">
+                  <a:moveTo>
+                    <a:pt x="0" y="0"/>
+                  </a:moveTo>
+                  <a:lnTo>
+                    <a:pt x="740" y="1020"/>
+                  </a:lnTo>
+                  <a:lnTo>
+                    <a:pt x="774" y="1020"/>
+                  </a:lnTo>
+                  <a:lnTo>
+                    <a:pt x="0" y="0"/>
+                  </a:lnTo>
+                  <a:close/>
+                </a:path>
+              </a:pathLst>
+            </a:custGeom>
+            <a:solidFill>
+              <a:schemeClr val="tx1">
+                <a:lumMod val="85000"/>
+                <a:lumOff val="15000"/>
+              </a:schemeClr>
+            </a:solidFill>
+            <a:ln>
+              <a:noFill/>
+            </a:ln>
+          </p:spPr>
+        </p:sp>
+        <p:sp>
+          <p:nvSpPr>
+            <p:cNvPr id="14" name="Freeform 9">
+              <a:extLst>
+                <a:ext uri="{FF2B5EF4-FFF2-40B4-BE49-F238E27FC236}">
+                  <a16:creationId xmlns:a16="http://schemas.microsoft.com/office/drawing/2014/main" id="{7A0B0249-AEB7-44A1-BEC3-A0C07E9E31D7}"/>
+                </a:ext>
+                <a:ext uri="{C183D7F6-B498-43B3-948B-1728B52AA6E4}">
+                  <adec:decorative xmlns:adec="http://schemas.microsoft.com/office/drawing/2017/decorative" val="1"/>
+                </a:ext>
+              </a:extLst>
+            </p:cNvPr>
+            <p:cNvSpPr/>
+            <p:nvPr>
+              <p:extLst>
+                <p:ext uri="{386F3935-93C4-4BCD-93E2-E3B085C9AB24}">
+                  <p16:designElem xmlns:p16="http://schemas.microsoft.com/office/powerpoint/2015/main" val="1"/>
+                </p:ext>
+              </p:extLst>
+            </p:nvPr>
+          </p:nvSpPr>
+          <p:spPr bwMode="auto">
+            <a:xfrm>
+              <a:off x="1627188" y="5291138"/>
+              <a:ext cx="1495425" cy="1566863"/>
+            </a:xfrm>
+            <a:custGeom>
+              <a:avLst/>
+              <a:gdLst/>
+              <a:ahLst/>
+              <a:cxnLst/>
+              <a:rect l="0" t="0" r="r" b="b"/>
+              <a:pathLst>
+                <a:path w="942" h="987">
+                  <a:moveTo>
+                    <a:pt x="0" y="0"/>
+                  </a:moveTo>
+                  <a:lnTo>
+                    <a:pt x="909" y="987"/>
+                  </a:lnTo>
+                  <a:lnTo>
+                    <a:pt x="942" y="987"/>
+                  </a:lnTo>
+                  <a:lnTo>
+                    <a:pt x="0" y="0"/>
+                  </a:lnTo>
+                  <a:close/>
+                </a:path>
+              </a:pathLst>
+            </a:custGeom>
+            <a:solidFill>
+              <a:schemeClr val="accent1">
+                <a:lumMod val="50000"/>
+              </a:schemeClr>
+            </a:solidFill>
+            <a:ln>
+              <a:noFill/>
+            </a:ln>
+          </p:spPr>
+        </p:sp>
+        <p:sp>
+          <p:nvSpPr>
+            <p:cNvPr id="15" name="Freeform 10">
+              <a:extLst>
+                <a:ext uri="{FF2B5EF4-FFF2-40B4-BE49-F238E27FC236}">
+                  <a16:creationId xmlns:a16="http://schemas.microsoft.com/office/drawing/2014/main" id="{251D4BF9-284D-4B99-922C-BAB91FB2D98E}"/>
+                </a:ext>
+                <a:ext uri="{C183D7F6-B498-43B3-948B-1728B52AA6E4}">
+                  <adec:decorative xmlns:adec="http://schemas.microsoft.com/office/drawing/2017/decorative" val="1"/>
+                </a:ext>
+              </a:extLst>
+            </p:cNvPr>
+            <p:cNvSpPr/>
+            <p:nvPr>
+              <p:extLst>
+                <p:ext uri="{386F3935-93C4-4BCD-93E2-E3B085C9AB24}">
+                  <p16:designElem xmlns:p16="http://schemas.microsoft.com/office/powerpoint/2015/main" val="1"/>
+                </p:ext>
+              </p:extLst>
+            </p:nvPr>
+          </p:nvSpPr>
+          <p:spPr bwMode="auto">
+            <a:xfrm>
+              <a:off x="1627188" y="5286375"/>
+              <a:ext cx="2130425" cy="1571625"/>
+            </a:xfrm>
+            <a:custGeom>
+              <a:avLst/>
+              <a:gdLst/>
+              <a:ahLst/>
+              <a:cxnLst/>
+              <a:rect l="0" t="0" r="r" b="b"/>
+              <a:pathLst>
+                <a:path w="1342" h="990">
+                  <a:moveTo>
+                    <a:pt x="0" y="3"/>
+                  </a:moveTo>
+                  <a:lnTo>
+                    <a:pt x="942" y="990"/>
+                  </a:lnTo>
+                  <a:lnTo>
+                    <a:pt x="1342" y="990"/>
+                  </a:lnTo>
+                  <a:lnTo>
+                    <a:pt x="156" y="27"/>
+                  </a:lnTo>
+                  <a:lnTo>
+                    <a:pt x="0" y="0"/>
+                  </a:lnTo>
+                  <a:lnTo>
+                    <a:pt x="0" y="3"/>
+                  </a:lnTo>
+                  <a:close/>
+                </a:path>
+              </a:pathLst>
+            </a:custGeom>
+            <a:solidFill>
+              <a:schemeClr val="accent1">
+                <a:lumMod val="75000"/>
+              </a:schemeClr>
+            </a:solidFill>
+            <a:ln>
+              <a:noFill/>
+            </a:ln>
+          </p:spPr>
+        </p:sp>
+        <p:sp>
+          <p:nvSpPr>
+            <p:cNvPr id="16" name="Freeform 11">
+              <a:extLst>
+                <a:ext uri="{FF2B5EF4-FFF2-40B4-BE49-F238E27FC236}">
+                  <a16:creationId xmlns:a16="http://schemas.microsoft.com/office/drawing/2014/main" id="{733E9BD1-CC4F-4B4B-A413-92D6B1F0B3CF}"/>
+                </a:ext>
+                <a:ext uri="{C183D7F6-B498-43B3-948B-1728B52AA6E4}">
+                  <adec:decorative xmlns:adec="http://schemas.microsoft.com/office/drawing/2017/decorative" val="1"/>
+                </a:ext>
+              </a:extLst>
+            </p:cNvPr>
+            <p:cNvSpPr/>
+            <p:nvPr>
+              <p:extLst>
+                <p:ext uri="{386F3935-93C4-4BCD-93E2-E3B085C9AB24}">
+                  <p16:designElem xmlns:p16="http://schemas.microsoft.com/office/powerpoint/2015/main" val="1"/>
+                </p:ext>
+              </p:extLst>
+            </p:nvPr>
+          </p:nvSpPr>
+          <p:spPr bwMode="auto">
+            <a:xfrm>
+              <a:off x="1320800" y="5238750"/>
+              <a:ext cx="1695450" cy="1619250"/>
+            </a:xfrm>
+            <a:custGeom>
+              <a:avLst/>
+              <a:gdLst/>
+              <a:ahLst/>
+              <a:cxnLst/>
+              <a:rect l="0" t="0" r="r" b="b"/>
+              <a:pathLst>
+                <a:path w="1068" h="1020">
+                  <a:moveTo>
+                    <a:pt x="1068" y="1020"/>
+                  </a:moveTo>
+                  <a:lnTo>
+                    <a:pt x="184" y="60"/>
+                  </a:lnTo>
+                  <a:lnTo>
+                    <a:pt x="154" y="27"/>
+                  </a:lnTo>
+                  <a:lnTo>
+                    <a:pt x="157" y="27"/>
+                  </a:lnTo>
+                  <a:lnTo>
+                    <a:pt x="157" y="24"/>
+                  </a:lnTo>
+                  <a:lnTo>
+                    <a:pt x="154" y="24"/>
+                  </a:lnTo>
+                  <a:lnTo>
+                    <a:pt x="0" y="0"/>
+                  </a:lnTo>
+                  <a:lnTo>
+                    <a:pt x="0" y="0"/>
+                  </a:lnTo>
+                  <a:lnTo>
+                    <a:pt x="774" y="1020"/>
+                  </a:lnTo>
+                  <a:lnTo>
+                    <a:pt x="1068" y="1020"/>
+                  </a:lnTo>
+                  <a:close/>
+                </a:path>
+              </a:pathLst>
+            </a:custGeom>
+            <a:solidFill>
+              <a:schemeClr val="tx1">
+                <a:lumMod val="75000"/>
+                <a:lumOff val="25000"/>
+              </a:schemeClr>
+            </a:solidFill>
+            <a:ln>
+              <a:noFill/>
+            </a:ln>
+          </p:spPr>
+        </p:sp>
+      </p:grpSp>
+      <p:pic>
+        <p:nvPicPr>
           <p:cNvPr id="5" name="Content Placeholder 4" descr="A picture containing timeline&#10;&#10;Description automatically generated">
             <a:extLst>
               <a:ext uri="{FF2B5EF4-FFF2-40B4-BE49-F238E27FC236}">
@@ -15156,7 +15385,7 @@
 </p:sld>
 </file>
 
-<file path=ppt/slides/slide14.xml><?xml version="1.0" encoding="utf-8"?>
+<file path=ppt/slides/slide15.xml><?xml version="1.0" encoding="utf-8"?>
 <p:sld xmlns:a="http://schemas.openxmlformats.org/drawingml/2006/main" xmlns:r="http://schemas.openxmlformats.org/officeDocument/2006/relationships" xmlns:p="http://schemas.openxmlformats.org/presentationml/2006/main">
   <p:cSld>
     <p:spTree>
@@ -15344,7 +15573,7 @@
 </p:sld>
 </file>
 
-<file path=ppt/slides/slide15.xml><?xml version="1.0" encoding="utf-8"?>
+<file path=ppt/slides/slide16.xml><?xml version="1.0" encoding="utf-8"?>
 <p:sld xmlns:a="http://schemas.openxmlformats.org/drawingml/2006/main" xmlns:r="http://schemas.openxmlformats.org/officeDocument/2006/relationships" xmlns:p="http://schemas.openxmlformats.org/presentationml/2006/main">
   <p:cSld>
     <p:bg>
@@ -15941,7 +16170,7 @@
 </p:sld>
 </file>
 
-<file path=ppt/slides/slide16.xml><?xml version="1.0" encoding="utf-8"?>
+<file path=ppt/slides/slide17.xml><?xml version="1.0" encoding="utf-8"?>
 <p:sld xmlns:a="http://schemas.openxmlformats.org/drawingml/2006/main" xmlns:r="http://schemas.openxmlformats.org/officeDocument/2006/relationships" xmlns:p="http://schemas.openxmlformats.org/presentationml/2006/main">
   <p:cSld>
     <p:bg>
@@ -16583,7 +16812,7 @@
 </p:sld>
 </file>
 
-<file path=ppt/slides/slide17.xml><?xml version="1.0" encoding="utf-8"?>
+<file path=ppt/slides/slide18.xml><?xml version="1.0" encoding="utf-8"?>
 <p:sld xmlns:a="http://schemas.openxmlformats.org/drawingml/2006/main" xmlns:r="http://schemas.openxmlformats.org/officeDocument/2006/relationships" xmlns:p="http://schemas.openxmlformats.org/presentationml/2006/main">
   <p:cSld>
     <p:bg>
@@ -17092,7 +17321,7 @@
 </p:sld>
 </file>
 
-<file path=ppt/slides/slide18.xml><?xml version="1.0" encoding="utf-8"?>
+<file path=ppt/slides/slide19.xml><?xml version="1.0" encoding="utf-8"?>
 <p:sld xmlns:a="http://schemas.openxmlformats.org/drawingml/2006/main" xmlns:r="http://schemas.openxmlformats.org/officeDocument/2006/relationships" xmlns:p="http://schemas.openxmlformats.org/presentationml/2006/main">
   <p:cSld>
     <p:spTree>
@@ -17238,7 +17467,101 @@
 </p:sld>
 </file>
 
-<file path=ppt/slides/slide19.xml><?xml version="1.0" encoding="utf-8"?>
+<file path=ppt/slides/slide2.xml><?xml version="1.0" encoding="utf-8"?>
+<p:sld xmlns:a="http://schemas.openxmlformats.org/drawingml/2006/main" xmlns:r="http://schemas.openxmlformats.org/officeDocument/2006/relationships" xmlns:p="http://schemas.openxmlformats.org/presentationml/2006/main">
+  <p:cSld>
+    <p:spTree>
+      <p:nvGrpSpPr>
+        <p:cNvPr id="1" name=""/>
+        <p:cNvGrpSpPr/>
+        <p:nvPr/>
+      </p:nvGrpSpPr>
+      <p:grpSpPr>
+        <a:xfrm>
+          <a:off x="0" y="0"/>
+          <a:ext cx="0" cy="0"/>
+          <a:chOff x="0" y="0"/>
+          <a:chExt cx="0" cy="0"/>
+        </a:xfrm>
+      </p:grpSpPr>
+      <p:sp>
+        <p:nvSpPr>
+          <p:cNvPr id="2" name="Title 1">
+            <a:extLst>
+              <a:ext uri="{FF2B5EF4-FFF2-40B4-BE49-F238E27FC236}">
+                <a16:creationId xmlns:a16="http://schemas.microsoft.com/office/drawing/2014/main" id="{8FA39A39-A688-1F4B-AE24-6F9FDBEFA882}"/>
+              </a:ext>
+            </a:extLst>
+          </p:cNvPr>
+          <p:cNvSpPr>
+            <a:spLocks noGrp="1"/>
+          </p:cNvSpPr>
+          <p:nvPr>
+            <p:ph type="title"/>
+          </p:nvPr>
+        </p:nvSpPr>
+        <p:spPr/>
+        <p:txBody>
+          <a:bodyPr/>
+          <a:lstStyle/>
+          <a:p>
+            <a:r>
+              <a:rPr lang="en-US" dirty="0"/>
+              <a:t>Problem Statement</a:t>
+            </a:r>
+          </a:p>
+        </p:txBody>
+      </p:sp>
+      <p:sp>
+        <p:nvSpPr>
+          <p:cNvPr id="3" name="Content Placeholder 2">
+            <a:extLst>
+              <a:ext uri="{FF2B5EF4-FFF2-40B4-BE49-F238E27FC236}">
+                <a16:creationId xmlns:a16="http://schemas.microsoft.com/office/drawing/2014/main" id="{3322604D-3189-6947-B484-2245A20DA516}"/>
+              </a:ext>
+            </a:extLst>
+          </p:cNvPr>
+          <p:cNvSpPr>
+            <a:spLocks noGrp="1"/>
+          </p:cNvSpPr>
+          <p:nvPr>
+            <p:ph idx="1"/>
+          </p:nvPr>
+        </p:nvSpPr>
+        <p:spPr/>
+        <p:txBody>
+          <a:bodyPr>
+            <a:normAutofit/>
+          </a:bodyPr>
+          <a:lstStyle/>
+          <a:p>
+            <a:r>
+              <a:rPr lang="en-PH" dirty="0"/>
+              <a:t>Air travel can be stressful, as the demand of travelling is getting higher, we need to provide the best solution for the airline companies and the potential guest to book /reserve, monitor and manage their own flight details in their convenience.</a:t>
+            </a:r>
+          </a:p>
+          <a:p>
+            <a:pPr marL="0" indent="0">
+              <a:buNone/>
+            </a:pPr>
+            <a:endParaRPr lang="en-US" dirty="0"/>
+          </a:p>
+        </p:txBody>
+      </p:sp>
+    </p:spTree>
+    <p:extLst>
+      <p:ext uri="{BB962C8B-B14F-4D97-AF65-F5344CB8AC3E}">
+        <p14:creationId xmlns:p14="http://schemas.microsoft.com/office/powerpoint/2010/main" val="2534421530"/>
+      </p:ext>
+    </p:extLst>
+  </p:cSld>
+  <p:clrMapOvr>
+    <a:masterClrMapping/>
+  </p:clrMapOvr>
+</p:sld>
+</file>
+
+<file path=ppt/slides/slide20.xml><?xml version="1.0" encoding="utf-8"?>
 <p:sld xmlns:a="http://schemas.openxmlformats.org/drawingml/2006/main" xmlns:r="http://schemas.openxmlformats.org/officeDocument/2006/relationships" xmlns:p="http://schemas.openxmlformats.org/presentationml/2006/main">
   <p:cSld>
     <p:bg>
@@ -17749,7 +18072,7 @@
 </p:sld>
 </file>
 
-<file path=ppt/slides/slide2.xml><?xml version="1.0" encoding="utf-8"?>
+<file path=ppt/slides/slide3.xml><?xml version="1.0" encoding="utf-8"?>
 <p:sld xmlns:a="http://schemas.openxmlformats.org/drawingml/2006/main" xmlns:r="http://schemas.openxmlformats.org/officeDocument/2006/relationships" xmlns:p="http://schemas.openxmlformats.org/presentationml/2006/main">
   <p:cSld>
     <p:bg>
@@ -18475,7 +18798,7 @@
             <p:ph idx="1"/>
             <p:extLst>
               <p:ext uri="{D42A27DB-BD31-4B8C-83A1-F6EECF244321}">
-                <p14:modId xmlns:p14="http://schemas.microsoft.com/office/powerpoint/2010/main" val="699417083"/>
+                <p14:modId xmlns:p14="http://schemas.microsoft.com/office/powerpoint/2010/main" val="769012779"/>
               </p:ext>
             </p:extLst>
           </p:nvPr>
@@ -18498,7 +18821,7 @@
 </p:sld>
 </file>
 
-<file path=ppt/slides/slide3.xml><?xml version="1.0" encoding="utf-8"?>
+<file path=ppt/slides/slide4.xml><?xml version="1.0" encoding="utf-8"?>
 <p:sld xmlns:a="http://schemas.openxmlformats.org/drawingml/2006/main" xmlns:r="http://schemas.openxmlformats.org/officeDocument/2006/relationships" xmlns:p="http://schemas.openxmlformats.org/presentationml/2006/main">
   <p:cSld>
     <p:spTree>
@@ -19457,7 +19780,7 @@
 </p:sld>
 </file>
 
-<file path=ppt/slides/slide4.xml><?xml version="1.0" encoding="utf-8"?>
+<file path=ppt/slides/slide5.xml><?xml version="1.0" encoding="utf-8"?>
 <p:sld xmlns:a="http://schemas.openxmlformats.org/drawingml/2006/main" xmlns:r="http://schemas.openxmlformats.org/officeDocument/2006/relationships" xmlns:p="http://schemas.openxmlformats.org/presentationml/2006/main">
   <p:cSld>
     <p:bg>
@@ -19967,7 +20290,7 @@
 </p:sld>
 </file>
 
-<file path=ppt/slides/slide5.xml><?xml version="1.0" encoding="utf-8"?>
+<file path=ppt/slides/slide6.xml><?xml version="1.0" encoding="utf-8"?>
 <p:sld xmlns:a="http://schemas.openxmlformats.org/drawingml/2006/main" xmlns:r="http://schemas.openxmlformats.org/officeDocument/2006/relationships" xmlns:p="http://schemas.openxmlformats.org/presentationml/2006/main">
   <p:cSld>
     <p:spTree>
@@ -19992,8 +20315,8 @@
         </p:nvSpPr>
         <p:spPr>
           <a:xfrm>
-            <a:off x="1381409" y="2767280"/>
-            <a:ext cx="9429184" cy="1323439"/>
+            <a:off x="1386410" y="2767280"/>
+            <a:ext cx="9419182" cy="1323439"/>
           </a:xfrm>
           <a:prstGeom prst="rect">
             <a:avLst/>
@@ -20095,7 +20418,7 @@
                   <a:reflection blurRad="12700" stA="28000" endPos="45000" dist="1000" dir="5400000" sy="-100000" algn="bl" rotWithShape="0"/>
                 </a:effectLst>
               </a:rPr>
-              <a:t>digaram</a:t>
+              <a:t>diaGram</a:t>
             </a:r>
             <a:endParaRPr lang="fr-FR" sz="8000" b="1" cap="all" spc="0" dirty="0">
               <a:ln w="9000" cmpd="sng">
@@ -20150,7 +20473,7 @@
 </p:sld>
 </file>
 
-<file path=ppt/slides/slide6.xml><?xml version="1.0" encoding="utf-8"?>
+<file path=ppt/slides/slide7.xml><?xml version="1.0" encoding="utf-8"?>
 <p:sld xmlns:a="http://schemas.openxmlformats.org/drawingml/2006/main" xmlns:r="http://schemas.openxmlformats.org/officeDocument/2006/relationships" xmlns:p="http://schemas.openxmlformats.org/presentationml/2006/main">
   <p:cSld>
     <p:bg>
@@ -20661,7 +20984,7 @@
 </p:sld>
 </file>
 
-<file path=ppt/slides/slide7.xml><?xml version="1.0" encoding="utf-8"?>
+<file path=ppt/slides/slide8.xml><?xml version="1.0" encoding="utf-8"?>
 <p:sld xmlns:a="http://schemas.openxmlformats.org/drawingml/2006/main" xmlns:r="http://schemas.openxmlformats.org/officeDocument/2006/relationships" xmlns:p="http://schemas.openxmlformats.org/presentationml/2006/main">
   <p:cSld>
     <p:spTree>
@@ -20849,7 +21172,7 @@
 </p:sld>
 </file>
 
-<file path=ppt/slides/slide8.xml><?xml version="1.0" encoding="utf-8"?>
+<file path=ppt/slides/slide9.xml><?xml version="1.0" encoding="utf-8"?>
 <p:sld xmlns:a="http://schemas.openxmlformats.org/drawingml/2006/main" xmlns:r="http://schemas.openxmlformats.org/officeDocument/2006/relationships" xmlns:p="http://schemas.openxmlformats.org/presentationml/2006/main">
   <p:cSld>
     <p:bg>
@@ -21562,234 +21885,6 @@
 </p:sld>
 </file>
 
-<file path=ppt/slides/slide9.xml><?xml version="1.0" encoding="utf-8"?>
-<p:sld xmlns:a="http://schemas.openxmlformats.org/drawingml/2006/main" xmlns:r="http://schemas.openxmlformats.org/officeDocument/2006/relationships" xmlns:p="http://schemas.openxmlformats.org/presentationml/2006/main">
-  <p:cSld>
-    <p:spTree>
-      <p:nvGrpSpPr>
-        <p:cNvPr id="1" name=""/>
-        <p:cNvGrpSpPr/>
-        <p:nvPr/>
-      </p:nvGrpSpPr>
-      <p:grpSpPr>
-        <a:xfrm>
-          <a:off x="0" y="0"/>
-          <a:ext cx="0" cy="0"/>
-          <a:chOff x="0" y="0"/>
-          <a:chExt cx="0" cy="0"/>
-        </a:xfrm>
-      </p:grpSpPr>
-      <p:sp>
-        <p:nvSpPr>
-          <p:cNvPr id="8" name="Rectangle 7"/>
-          <p:cNvSpPr/>
-          <p:nvPr/>
-        </p:nvSpPr>
-        <p:spPr>
-          <a:xfrm>
-            <a:off x="2511188" y="2415652"/>
-            <a:ext cx="7569273" cy="2554545"/>
-          </a:xfrm>
-          <a:prstGeom prst="rect">
-            <a:avLst/>
-          </a:prstGeom>
-          <a:noFill/>
-        </p:spPr>
-        <p:txBody>
-          <a:bodyPr wrap="square" lIns="91440" tIns="45720" rIns="91440" bIns="45720">
-            <a:spAutoFit/>
-          </a:bodyPr>
-          <a:lstStyle/>
-          <a:p>
-            <a:pPr algn="ctr"/>
-            <a:r>
-              <a:rPr lang="fr-FR" sz="8000" b="1" cap="all" dirty="0" err="1">
-                <a:ln w="9000" cmpd="sng">
-                  <a:solidFill>
-                    <a:schemeClr val="accent4">
-                      <a:shade val="50000"/>
-                      <a:satMod val="120000"/>
-                    </a:schemeClr>
-                  </a:solidFill>
-                  <a:prstDash val="solid"/>
-                </a:ln>
-                <a:gradFill>
-                  <a:gsLst>
-                    <a:gs pos="0">
-                      <a:schemeClr val="accent4">
-                        <a:shade val="20000"/>
-                        <a:satMod val="245000"/>
-                      </a:schemeClr>
-                    </a:gs>
-                    <a:gs pos="43000">
-                      <a:schemeClr val="accent4">
-                        <a:satMod val="255000"/>
-                      </a:schemeClr>
-                    </a:gs>
-                    <a:gs pos="48000">
-                      <a:schemeClr val="accent4">
-                        <a:shade val="85000"/>
-                        <a:satMod val="255000"/>
-                      </a:schemeClr>
-                    </a:gs>
-                    <a:gs pos="100000">
-                      <a:schemeClr val="accent4">
-                        <a:shade val="20000"/>
-                        <a:satMod val="245000"/>
-                      </a:schemeClr>
-                    </a:gs>
-                  </a:gsLst>
-                  <a:lin ang="5400000"/>
-                </a:gradFill>
-                <a:effectLst>
-                  <a:reflection blurRad="12700" stA="28000" endPos="45000" dist="1000" dir="5400000" sy="-100000" algn="bl" rotWithShape="0"/>
-                </a:effectLst>
-              </a:rPr>
-              <a:t>Sequence</a:t>
-            </a:r>
-            <a:r>
-              <a:rPr lang="fr-FR" sz="8000" b="1" cap="all" spc="0" dirty="0">
-                <a:ln w="9000" cmpd="sng">
-                  <a:solidFill>
-                    <a:schemeClr val="accent4">
-                      <a:shade val="50000"/>
-                      <a:satMod val="120000"/>
-                    </a:schemeClr>
-                  </a:solidFill>
-                  <a:prstDash val="solid"/>
-                </a:ln>
-                <a:gradFill>
-                  <a:gsLst>
-                    <a:gs pos="0">
-                      <a:schemeClr val="accent4">
-                        <a:shade val="20000"/>
-                        <a:satMod val="245000"/>
-                      </a:schemeClr>
-                    </a:gs>
-                    <a:gs pos="43000">
-                      <a:schemeClr val="accent4">
-                        <a:satMod val="255000"/>
-                      </a:schemeClr>
-                    </a:gs>
-                    <a:gs pos="48000">
-                      <a:schemeClr val="accent4">
-                        <a:shade val="85000"/>
-                        <a:satMod val="255000"/>
-                      </a:schemeClr>
-                    </a:gs>
-                    <a:gs pos="100000">
-                      <a:schemeClr val="accent4">
-                        <a:shade val="20000"/>
-                        <a:satMod val="245000"/>
-                      </a:schemeClr>
-                    </a:gs>
-                  </a:gsLst>
-                  <a:lin ang="5400000"/>
-                </a:gradFill>
-                <a:effectLst>
-                  <a:reflection blurRad="12700" stA="28000" endPos="45000" dist="1000" dir="5400000" sy="-100000" algn="bl" rotWithShape="0"/>
-                </a:effectLst>
-              </a:rPr>
-              <a:t> </a:t>
-            </a:r>
-            <a:r>
-              <a:rPr lang="fr-FR" sz="8000" b="1" cap="all" spc="0" dirty="0" err="1">
-                <a:ln w="9000" cmpd="sng">
-                  <a:solidFill>
-                    <a:schemeClr val="accent4">
-                      <a:shade val="50000"/>
-                      <a:satMod val="120000"/>
-                    </a:schemeClr>
-                  </a:solidFill>
-                  <a:prstDash val="solid"/>
-                </a:ln>
-                <a:gradFill>
-                  <a:gsLst>
-                    <a:gs pos="0">
-                      <a:schemeClr val="accent4">
-                        <a:shade val="20000"/>
-                        <a:satMod val="245000"/>
-                      </a:schemeClr>
-                    </a:gs>
-                    <a:gs pos="43000">
-                      <a:schemeClr val="accent4">
-                        <a:satMod val="255000"/>
-                      </a:schemeClr>
-                    </a:gs>
-                    <a:gs pos="48000">
-                      <a:schemeClr val="accent4">
-                        <a:shade val="85000"/>
-                        <a:satMod val="255000"/>
-                      </a:schemeClr>
-                    </a:gs>
-                    <a:gs pos="100000">
-                      <a:schemeClr val="accent4">
-                        <a:shade val="20000"/>
-                        <a:satMod val="245000"/>
-                      </a:schemeClr>
-                    </a:gs>
-                  </a:gsLst>
-                  <a:lin ang="5400000"/>
-                </a:gradFill>
-                <a:effectLst>
-                  <a:reflection blurRad="12700" stA="28000" endPos="45000" dist="1000" dir="5400000" sy="-100000" algn="bl" rotWithShape="0"/>
-                </a:effectLst>
-              </a:rPr>
-              <a:t>Diagrams</a:t>
-            </a:r>
-            <a:endParaRPr lang="fr-FR" sz="8000" b="1" cap="all" spc="0" dirty="0">
-              <a:ln w="9000" cmpd="sng">
-                <a:solidFill>
-                  <a:schemeClr val="accent4">
-                    <a:shade val="50000"/>
-                    <a:satMod val="120000"/>
-                  </a:schemeClr>
-                </a:solidFill>
-                <a:prstDash val="solid"/>
-              </a:ln>
-              <a:gradFill>
-                <a:gsLst>
-                  <a:gs pos="0">
-                    <a:schemeClr val="accent4">
-                      <a:shade val="20000"/>
-                      <a:satMod val="245000"/>
-                    </a:schemeClr>
-                  </a:gs>
-                  <a:gs pos="43000">
-                    <a:schemeClr val="accent4">
-                      <a:satMod val="255000"/>
-                    </a:schemeClr>
-                  </a:gs>
-                  <a:gs pos="48000">
-                    <a:schemeClr val="accent4">
-                      <a:shade val="85000"/>
-                      <a:satMod val="255000"/>
-                    </a:schemeClr>
-                  </a:gs>
-                  <a:gs pos="100000">
-                    <a:schemeClr val="accent4">
-                      <a:shade val="20000"/>
-                      <a:satMod val="245000"/>
-                    </a:schemeClr>
-                  </a:gs>
-                </a:gsLst>
-                <a:lin ang="5400000"/>
-              </a:gradFill>
-              <a:effectLst>
-                <a:reflection blurRad="12700" stA="28000" endPos="45000" dist="1000" dir="5400000" sy="-100000" algn="bl" rotWithShape="0"/>
-              </a:effectLst>
-            </a:endParaRPr>
-          </a:p>
-        </p:txBody>
-      </p:sp>
-    </p:spTree>
-  </p:cSld>
-  <p:clrMapOvr>
-    <a:masterClrMapping/>
-  </p:clrMapOvr>
-</p:sld>
-</file>
-
 <file path=ppt/theme/theme1.xml><?xml version="1.0" encoding="utf-8"?>
 <a:theme xmlns:a="http://schemas.openxmlformats.org/drawingml/2006/main" name="Parallaxe">
   <a:themeElements>
